--- a/git-workshop-opdracht-merge-no-conflict.pptx
+++ b/git-workshop-opdracht-merge-no-conflict.pptx
@@ -266,7 +266,7 @@
       </p15:sldGuideLst>
     </p:ext>
     <p:ext uri="http://customooxmlschemas.google.com/">
-      <go:slidesCustomData xmlns:go="http://customooxmlschemas.google.com/" r:id="rId16" roundtripDataSignature="AMtx7mifI76HEyhhREZ29FhfdAG+p9bIpA=="/>
+      <go:slidesCustomData xmlns:go="http://customooxmlschemas.google.com/" r:id="rId16" roundtripDataSignature="AMtx7mhohHhJz+ZlCf2O6TQizyhhayRBwg=="/>
     </p:ext>
   </p:extLst>
 </p:presentation>
@@ -955,7 +955,7 @@
   <p:cSld>
     <p:spTree>
       <p:nvGrpSpPr>
-        <p:cNvPr id="175" name="Shape 175"/>
+        <p:cNvPr id="193" name="Shape 193"/>
         <p:cNvGrpSpPr/>
         <p:nvPr/>
       </p:nvGrpSpPr>
@@ -969,7 +969,7 @@
       </p:grpSpPr>
       <p:sp>
         <p:nvSpPr>
-          <p:cNvPr id="176" name="Google Shape;176;g705185adf8_0_50:notes"/>
+          <p:cNvPr id="194" name="Google Shape;194;g705185adf8_0_50:notes"/>
           <p:cNvSpPr/>
           <p:nvPr>
             <p:ph idx="2" type="sldImg"/>
@@ -1014,7 +1014,7 @@
       </p:sp>
       <p:sp>
         <p:nvSpPr>
-          <p:cNvPr id="177" name="Google Shape;177;g705185adf8_0_50:notes"/>
+          <p:cNvPr id="195" name="Google Shape;195;g705185adf8_0_50:notes"/>
           <p:cNvSpPr txBox="1"/>
           <p:nvPr>
             <p:ph idx="1" type="body"/>
@@ -1072,7 +1072,7 @@
   <p:cSld>
     <p:spTree>
       <p:nvGrpSpPr>
-        <p:cNvPr id="58" name="Shape 58"/>
+        <p:cNvPr id="60" name="Shape 60"/>
         <p:cNvGrpSpPr/>
         <p:nvPr/>
       </p:nvGrpSpPr>
@@ -1086,7 +1086,7 @@
       </p:grpSpPr>
       <p:sp>
         <p:nvSpPr>
-          <p:cNvPr id="59" name="Google Shape;59;p2:notes"/>
+          <p:cNvPr id="61" name="Google Shape;61;p2:notes"/>
           <p:cNvSpPr/>
           <p:nvPr>
             <p:ph idx="2" type="sldImg"/>
@@ -1131,7 +1131,7 @@
       </p:sp>
       <p:sp>
         <p:nvSpPr>
-          <p:cNvPr id="60" name="Google Shape;60;p2:notes"/>
+          <p:cNvPr id="62" name="Google Shape;62;p2:notes"/>
           <p:cNvSpPr txBox="1"/>
           <p:nvPr>
             <p:ph idx="1" type="body"/>
@@ -1189,7 +1189,7 @@
   <p:cSld>
     <p:spTree>
       <p:nvGrpSpPr>
-        <p:cNvPr id="67" name="Shape 67"/>
+        <p:cNvPr id="71" name="Shape 71"/>
         <p:cNvGrpSpPr/>
         <p:nvPr/>
       </p:nvGrpSpPr>
@@ -1203,7 +1203,7 @@
       </p:grpSpPr>
       <p:sp>
         <p:nvSpPr>
-          <p:cNvPr id="68" name="Google Shape;68;p3:notes"/>
+          <p:cNvPr id="72" name="Google Shape;72;p3:notes"/>
           <p:cNvSpPr/>
           <p:nvPr>
             <p:ph idx="2" type="sldImg"/>
@@ -1248,7 +1248,7 @@
       </p:sp>
       <p:sp>
         <p:nvSpPr>
-          <p:cNvPr id="69" name="Google Shape;69;p3:notes"/>
+          <p:cNvPr id="73" name="Google Shape;73;p3:notes"/>
           <p:cNvSpPr txBox="1"/>
           <p:nvPr>
             <p:ph idx="1" type="body"/>
@@ -1306,7 +1306,7 @@
   <p:cSld>
     <p:spTree>
       <p:nvGrpSpPr>
-        <p:cNvPr id="76" name="Shape 76"/>
+        <p:cNvPr id="82" name="Shape 82"/>
         <p:cNvGrpSpPr/>
         <p:nvPr/>
       </p:nvGrpSpPr>
@@ -1320,7 +1320,7 @@
       </p:grpSpPr>
       <p:sp>
         <p:nvSpPr>
-          <p:cNvPr id="77" name="Google Shape;77;p4:notes"/>
+          <p:cNvPr id="83" name="Google Shape;83;p4:notes"/>
           <p:cNvSpPr/>
           <p:nvPr>
             <p:ph idx="2" type="sldImg"/>
@@ -1365,7 +1365,7 @@
       </p:sp>
       <p:sp>
         <p:nvSpPr>
-          <p:cNvPr id="78" name="Google Shape;78;p4:notes"/>
+          <p:cNvPr id="84" name="Google Shape;84;p4:notes"/>
           <p:cNvSpPr txBox="1"/>
           <p:nvPr>
             <p:ph idx="1" type="body"/>
@@ -1423,7 +1423,7 @@
   <p:cSld>
     <p:spTree>
       <p:nvGrpSpPr>
-        <p:cNvPr id="88" name="Shape 88"/>
+        <p:cNvPr id="96" name="Shape 96"/>
         <p:cNvGrpSpPr/>
         <p:nvPr/>
       </p:nvGrpSpPr>
@@ -1437,7 +1437,7 @@
       </p:grpSpPr>
       <p:sp>
         <p:nvSpPr>
-          <p:cNvPr id="89" name="Google Shape;89;p5:notes"/>
+          <p:cNvPr id="97" name="Google Shape;97;p5:notes"/>
           <p:cNvSpPr/>
           <p:nvPr>
             <p:ph idx="2" type="sldImg"/>
@@ -1482,7 +1482,7 @@
       </p:sp>
       <p:sp>
         <p:nvSpPr>
-          <p:cNvPr id="90" name="Google Shape;90;p5:notes"/>
+          <p:cNvPr id="98" name="Google Shape;98;p5:notes"/>
           <p:cNvSpPr txBox="1"/>
           <p:nvPr>
             <p:ph idx="1" type="body"/>
@@ -1540,7 +1540,7 @@
   <p:cSld>
     <p:spTree>
       <p:nvGrpSpPr>
-        <p:cNvPr id="103" name="Shape 103"/>
+        <p:cNvPr id="113" name="Shape 113"/>
         <p:cNvGrpSpPr/>
         <p:nvPr/>
       </p:nvGrpSpPr>
@@ -1554,7 +1554,7 @@
       </p:grpSpPr>
       <p:sp>
         <p:nvSpPr>
-          <p:cNvPr id="104" name="Google Shape;104;g705185adf8_0_0:notes"/>
+          <p:cNvPr id="114" name="Google Shape;114;g705185adf8_0_0:notes"/>
           <p:cNvSpPr/>
           <p:nvPr>
             <p:ph idx="2" type="sldImg"/>
@@ -1599,7 +1599,7 @@
       </p:sp>
       <p:sp>
         <p:nvSpPr>
-          <p:cNvPr id="105" name="Google Shape;105;g705185adf8_0_0:notes"/>
+          <p:cNvPr id="115" name="Google Shape;115;g705185adf8_0_0:notes"/>
           <p:cNvSpPr txBox="1"/>
           <p:nvPr>
             <p:ph idx="1" type="body"/>
@@ -1657,7 +1657,7 @@
   <p:cSld>
     <p:spTree>
       <p:nvGrpSpPr>
-        <p:cNvPr id="118" name="Shape 118"/>
+        <p:cNvPr id="130" name="Shape 130"/>
         <p:cNvGrpSpPr/>
         <p:nvPr/>
       </p:nvGrpSpPr>
@@ -1671,7 +1671,7 @@
       </p:grpSpPr>
       <p:sp>
         <p:nvSpPr>
-          <p:cNvPr id="119" name="Google Shape;119;p6:notes"/>
+          <p:cNvPr id="131" name="Google Shape;131;p6:notes"/>
           <p:cNvSpPr/>
           <p:nvPr>
             <p:ph idx="2" type="sldImg"/>
@@ -1716,7 +1716,7 @@
       </p:sp>
       <p:sp>
         <p:nvSpPr>
-          <p:cNvPr id="120" name="Google Shape;120;p6:notes"/>
+          <p:cNvPr id="132" name="Google Shape;132;p6:notes"/>
           <p:cNvSpPr txBox="1"/>
           <p:nvPr>
             <p:ph idx="1" type="body"/>
@@ -1774,7 +1774,7 @@
   <p:cSld>
     <p:spTree>
       <p:nvGrpSpPr>
-        <p:cNvPr id="137" name="Shape 137"/>
+        <p:cNvPr id="151" name="Shape 151"/>
         <p:cNvGrpSpPr/>
         <p:nvPr/>
       </p:nvGrpSpPr>
@@ -1788,7 +1788,7 @@
       </p:grpSpPr>
       <p:sp>
         <p:nvSpPr>
-          <p:cNvPr id="138" name="Google Shape;138;g705185adf8_0_14:notes"/>
+          <p:cNvPr id="152" name="Google Shape;152;g705185adf8_0_14:notes"/>
           <p:cNvSpPr/>
           <p:nvPr>
             <p:ph idx="2" type="sldImg"/>
@@ -1833,7 +1833,7 @@
       </p:sp>
       <p:sp>
         <p:nvSpPr>
-          <p:cNvPr id="139" name="Google Shape;139;g705185adf8_0_14:notes"/>
+          <p:cNvPr id="153" name="Google Shape;153;g705185adf8_0_14:notes"/>
           <p:cNvSpPr txBox="1"/>
           <p:nvPr>
             <p:ph idx="1" type="body"/>
@@ -1891,7 +1891,7 @@
   <p:cSld>
     <p:spTree>
       <p:nvGrpSpPr>
-        <p:cNvPr id="156" name="Shape 156"/>
+        <p:cNvPr id="172" name="Shape 172"/>
         <p:cNvGrpSpPr/>
         <p:nvPr/>
       </p:nvGrpSpPr>
@@ -1905,7 +1905,7 @@
       </p:grpSpPr>
       <p:sp>
         <p:nvSpPr>
-          <p:cNvPr id="157" name="Google Shape;157;g705185adf8_0_32:notes"/>
+          <p:cNvPr id="173" name="Google Shape;173;g705185adf8_0_32:notes"/>
           <p:cNvSpPr/>
           <p:nvPr>
             <p:ph idx="2" type="sldImg"/>
@@ -1950,7 +1950,7 @@
       </p:sp>
       <p:sp>
         <p:nvSpPr>
-          <p:cNvPr id="158" name="Google Shape;158;g705185adf8_0_32:notes"/>
+          <p:cNvPr id="174" name="Google Shape;174;g705185adf8_0_32:notes"/>
           <p:cNvSpPr txBox="1"/>
           <p:nvPr>
             <p:ph idx="1" type="body"/>
@@ -9671,7 +9671,7 @@
         </p:nvSpPr>
         <p:spPr>
           <a:xfrm>
-            <a:off x="2852450" y="914400"/>
+            <a:off x="1455772" y="914400"/>
             <a:ext cx="183000" cy="182100"/>
           </a:xfrm>
           <a:prstGeom prst="ellipse">
@@ -9736,7 +9736,7 @@
         </p:nvSpPr>
         <p:spPr>
           <a:xfrm>
-            <a:off x="3568700" y="868350"/>
+            <a:off x="2172022" y="868350"/>
             <a:ext cx="1097400" cy="274200"/>
           </a:xfrm>
           <a:prstGeom prst="rect">
@@ -9802,7 +9802,7 @@
         </p:nvSpPr>
         <p:spPr>
           <a:xfrm>
-            <a:off x="2201350" y="914400"/>
+            <a:off x="804672" y="914400"/>
             <a:ext cx="479700" cy="182100"/>
           </a:xfrm>
           <a:prstGeom prst="rect">
@@ -9907,6 +9907,10 @@
               <a:buNone/>
             </a:pPr>
             <a:r>
+              <a:rPr lang="en"/>
+              <a:t>3. Opdracht </a:t>
+            </a:r>
+            <a:r>
               <a:rPr b="0" i="0" lang="en" sz="1400" u="none" cap="none" strike="noStrike">
                 <a:solidFill>
                   <a:srgbClr val="000000"/>
@@ -9917,6 +9921,358 @@
                 <a:sym typeface="Arial"/>
               </a:rPr>
               <a:t>MERGE</a:t>
+            </a:r>
+            <a:endParaRPr b="0" i="0" sz="1400" u="none" cap="none" strike="noStrike">
+              <a:solidFill>
+                <a:srgbClr val="000000"/>
+              </a:solidFill>
+              <a:latin typeface="Arial"/>
+              <a:ea typeface="Arial"/>
+              <a:cs typeface="Arial"/>
+              <a:sym typeface="Arial"/>
+            </a:endParaRPr>
+          </a:p>
+        </p:txBody>
+      </p:sp>
+      <p:sp>
+        <p:nvSpPr>
+          <p:cNvPr id="58" name="Google Shape;58;p1"/>
+          <p:cNvSpPr txBox="1"/>
+          <p:nvPr/>
+        </p:nvSpPr>
+        <p:spPr>
+          <a:xfrm>
+            <a:off x="3621025" y="740675"/>
+            <a:ext cx="5523000" cy="3123900"/>
+          </a:xfrm>
+          <a:prstGeom prst="rect">
+            <a:avLst/>
+          </a:prstGeom>
+          <a:noFill/>
+          <a:ln>
+            <a:noFill/>
+          </a:ln>
+        </p:spPr>
+        <p:txBody>
+          <a:bodyPr anchorCtr="0" anchor="t" bIns="91425" lIns="91425" spcFirstLastPara="1" rIns="91425" wrap="square" tIns="91425">
+            <a:noAutofit/>
+          </a:bodyPr>
+          <a:lstStyle/>
+          <a:p>
+            <a:pPr indent="-330200" lvl="0" marL="457200" rtl="0" algn="l">
+              <a:spcBef>
+                <a:spcPts val="0"/>
+              </a:spcBef>
+              <a:spcAft>
+                <a:spcPts val="0"/>
+              </a:spcAft>
+              <a:buSzPts val="1600"/>
+              <a:buChar char="●"/>
+            </a:pPr>
+            <a:r>
+              <a:rPr lang="en" sz="1600"/>
+              <a:t>maak initial commit</a:t>
+            </a:r>
+            <a:endParaRPr sz="1600"/>
+          </a:p>
+          <a:p>
+            <a:pPr indent="-330200" lvl="0" marL="457200" rtl="0" algn="l">
+              <a:spcBef>
+                <a:spcPts val="0"/>
+              </a:spcBef>
+              <a:spcAft>
+                <a:spcPts val="0"/>
+              </a:spcAft>
+              <a:buSzPts val="1600"/>
+              <a:buChar char="●"/>
+            </a:pPr>
+            <a:r>
+              <a:rPr lang="en" sz="1600"/>
+              <a:t>maak nieuwe branch develop</a:t>
+            </a:r>
+            <a:endParaRPr sz="1600"/>
+          </a:p>
+          <a:p>
+            <a:pPr indent="-330200" lvl="0" marL="457200" rtl="0" algn="l">
+              <a:spcBef>
+                <a:spcPts val="0"/>
+              </a:spcBef>
+              <a:spcAft>
+                <a:spcPts val="0"/>
+              </a:spcAft>
+              <a:buSzPts val="1600"/>
+              <a:buChar char="●"/>
+            </a:pPr>
+            <a:r>
+              <a:rPr lang="en" sz="1600"/>
+              <a:t>checkout develop</a:t>
+            </a:r>
+            <a:endParaRPr sz="1600"/>
+          </a:p>
+          <a:p>
+            <a:pPr indent="-330200" lvl="0" marL="457200" rtl="0" algn="l">
+              <a:spcBef>
+                <a:spcPts val="0"/>
+              </a:spcBef>
+              <a:spcAft>
+                <a:spcPts val="0"/>
+              </a:spcAft>
+              <a:buSzPts val="1600"/>
+              <a:buChar char="●"/>
+            </a:pPr>
+            <a:r>
+              <a:rPr lang="en" sz="1600"/>
+              <a:t>maak wijziging en commit</a:t>
+            </a:r>
+            <a:endParaRPr sz="1600"/>
+          </a:p>
+          <a:p>
+            <a:pPr indent="-330200" lvl="0" marL="457200" rtl="0" algn="l">
+              <a:spcBef>
+                <a:spcPts val="0"/>
+              </a:spcBef>
+              <a:spcAft>
+                <a:spcPts val="0"/>
+              </a:spcAft>
+              <a:buSzPts val="1600"/>
+              <a:buChar char="●"/>
+            </a:pPr>
+            <a:r>
+              <a:rPr lang="en" sz="1600"/>
+              <a:t>maak nog wijziging en commit</a:t>
+            </a:r>
+            <a:endParaRPr sz="1600"/>
+          </a:p>
+          <a:p>
+            <a:pPr indent="-330200" lvl="0" marL="457200" rtl="0" algn="l">
+              <a:spcBef>
+                <a:spcPts val="0"/>
+              </a:spcBef>
+              <a:spcAft>
+                <a:spcPts val="0"/>
+              </a:spcAft>
+              <a:buSzPts val="1600"/>
+              <a:buChar char="●"/>
+            </a:pPr>
+            <a:r>
+              <a:rPr lang="en" sz="1600"/>
+              <a:t>checkout master</a:t>
+            </a:r>
+            <a:endParaRPr sz="1600"/>
+          </a:p>
+          <a:p>
+            <a:pPr indent="-330200" lvl="0" marL="457200" rtl="0" algn="l">
+              <a:spcBef>
+                <a:spcPts val="0"/>
+              </a:spcBef>
+              <a:spcAft>
+                <a:spcPts val="0"/>
+              </a:spcAft>
+              <a:buSzPts val="1600"/>
+              <a:buChar char="●"/>
+            </a:pPr>
+            <a:r>
+              <a:rPr lang="en" sz="1600"/>
+              <a:t>merge develop in master</a:t>
+            </a:r>
+            <a:endParaRPr sz="1600"/>
+          </a:p>
+          <a:p>
+            <a:pPr indent="-330200" lvl="0" marL="457200" rtl="0" algn="l">
+              <a:spcBef>
+                <a:spcPts val="0"/>
+              </a:spcBef>
+              <a:spcAft>
+                <a:spcPts val="0"/>
+              </a:spcAft>
+              <a:buSzPts val="1600"/>
+              <a:buChar char="●"/>
+            </a:pPr>
+            <a:r>
+              <a:rPr lang="en" sz="1600"/>
+              <a:t>c</a:t>
+            </a:r>
+            <a:r>
+              <a:rPr lang="en" sz="1600"/>
+              <a:t>ommit changes</a:t>
+            </a:r>
+            <a:endParaRPr sz="1600"/>
+          </a:p>
+          <a:p>
+            <a:pPr indent="-330200" lvl="0" marL="457200" rtl="0" algn="l">
+              <a:spcBef>
+                <a:spcPts val="0"/>
+              </a:spcBef>
+              <a:spcAft>
+                <a:spcPts val="0"/>
+              </a:spcAft>
+              <a:buSzPts val="1600"/>
+              <a:buChar char="●"/>
+            </a:pPr>
+            <a:r>
+              <a:rPr lang="en" sz="1600"/>
+              <a:t>checkout develop</a:t>
+            </a:r>
+            <a:endParaRPr sz="1600"/>
+          </a:p>
+          <a:p>
+            <a:pPr indent="-330200" lvl="0" marL="457200" rtl="0" algn="l">
+              <a:spcBef>
+                <a:spcPts val="0"/>
+              </a:spcBef>
+              <a:spcAft>
+                <a:spcPts val="0"/>
+              </a:spcAft>
+              <a:buSzPts val="1600"/>
+              <a:buChar char="●"/>
+            </a:pPr>
+            <a:r>
+              <a:rPr lang="en" sz="1600"/>
+              <a:t>m</a:t>
+            </a:r>
+            <a:r>
+              <a:rPr lang="en" sz="1600"/>
+              <a:t>erge master in develop(fast-forward)</a:t>
+            </a:r>
+            <a:endParaRPr sz="1600"/>
+          </a:p>
+          <a:p>
+            <a:pPr indent="-330200" lvl="0" marL="457200" rtl="0" algn="l">
+              <a:spcBef>
+                <a:spcPts val="0"/>
+              </a:spcBef>
+              <a:spcAft>
+                <a:spcPts val="0"/>
+              </a:spcAft>
+              <a:buSzPts val="1600"/>
+              <a:buChar char="●"/>
+            </a:pPr>
+            <a:r>
+              <a:rPr lang="en" sz="1600"/>
+              <a:t>bekijk log</a:t>
+            </a:r>
+            <a:endParaRPr sz="1600"/>
+          </a:p>
+          <a:p>
+            <a:pPr indent="-330200" lvl="0" marL="457200" rtl="0" algn="l">
+              <a:spcBef>
+                <a:spcPts val="0"/>
+              </a:spcBef>
+              <a:spcAft>
+                <a:spcPts val="0"/>
+              </a:spcAft>
+              <a:buSzPts val="1600"/>
+              <a:buChar char="●"/>
+            </a:pPr>
+            <a:r>
+              <a:rPr lang="en" sz="1600"/>
+              <a:t>d</a:t>
+            </a:r>
+            <a:r>
+              <a:rPr lang="en" sz="1600"/>
+              <a:t>elete develop branch</a:t>
+            </a:r>
+            <a:endParaRPr sz="1600"/>
+          </a:p>
+        </p:txBody>
+      </p:sp>
+      <p:sp>
+        <p:nvSpPr>
+          <p:cNvPr id="59" name="Google Shape;59;p1"/>
+          <p:cNvSpPr txBox="1"/>
+          <p:nvPr/>
+        </p:nvSpPr>
+        <p:spPr>
+          <a:xfrm>
+            <a:off x="275925" y="4223750"/>
+            <a:ext cx="1875000" cy="601200"/>
+          </a:xfrm>
+          <a:prstGeom prst="rect">
+            <a:avLst/>
+          </a:prstGeom>
+          <a:solidFill>
+            <a:srgbClr val="CFE2F3"/>
+          </a:solidFill>
+          <a:ln cap="flat" cmpd="sng" w="9525">
+            <a:solidFill>
+              <a:srgbClr val="000000"/>
+            </a:solidFill>
+            <a:prstDash val="solid"/>
+            <a:round/>
+            <a:headEnd len="sm" w="sm" type="none"/>
+            <a:tailEnd len="sm" w="sm" type="none"/>
+          </a:ln>
+        </p:spPr>
+        <p:txBody>
+          <a:bodyPr anchorCtr="0" anchor="t" bIns="91425" lIns="91425" spcFirstLastPara="1" rIns="91425" wrap="square" tIns="91425">
+            <a:noAutofit/>
+          </a:bodyPr>
+          <a:lstStyle/>
+          <a:p>
+            <a:pPr indent="0" lvl="0" marL="0" marR="0" rtl="0" algn="l">
+              <a:lnSpc>
+                <a:spcPct val="100000"/>
+              </a:lnSpc>
+              <a:spcBef>
+                <a:spcPts val="0"/>
+              </a:spcBef>
+              <a:spcAft>
+                <a:spcPts val="0"/>
+              </a:spcAft>
+              <a:buClr>
+                <a:srgbClr val="000000"/>
+              </a:buClr>
+              <a:buSzPts val="1100"/>
+              <a:buFont typeface="Arial"/>
+              <a:buNone/>
+            </a:pPr>
+            <a:r>
+              <a:rPr b="0" i="0" lang="en" sz="1400" u="none" cap="none" strike="noStrike">
+                <a:solidFill>
+                  <a:srgbClr val="000000"/>
+                </a:solidFill>
+                <a:latin typeface="Arial"/>
+                <a:ea typeface="Arial"/>
+                <a:cs typeface="Arial"/>
+                <a:sym typeface="Arial"/>
+              </a:rPr>
+              <a:t>git branch</a:t>
+            </a:r>
+            <a:endParaRPr/>
+          </a:p>
+          <a:p>
+            <a:pPr indent="0" lvl="0" marL="0" marR="0" rtl="0" algn="l">
+              <a:lnSpc>
+                <a:spcPct val="100000"/>
+              </a:lnSpc>
+              <a:spcBef>
+                <a:spcPts val="0"/>
+              </a:spcBef>
+              <a:spcAft>
+                <a:spcPts val="0"/>
+              </a:spcAft>
+              <a:buClr>
+                <a:srgbClr val="000000"/>
+              </a:buClr>
+              <a:buSzPts val="1100"/>
+              <a:buFont typeface="Arial"/>
+              <a:buNone/>
+            </a:pPr>
+            <a:r>
+              <a:rPr b="0" i="0" lang="en" sz="1400" u="none" cap="none" strike="noStrike">
+                <a:solidFill>
+                  <a:srgbClr val="000000"/>
+                </a:solidFill>
+                <a:latin typeface="Arial"/>
+                <a:ea typeface="Arial"/>
+                <a:cs typeface="Arial"/>
+                <a:sym typeface="Arial"/>
+              </a:rPr>
+              <a:t>git </a:t>
+            </a:r>
+            <a:r>
+              <a:rPr lang="en"/>
+              <a:t>checkout</a:t>
             </a:r>
             <a:endParaRPr b="0" i="0" sz="1400" u="none" cap="none" strike="noStrike">
               <a:solidFill>
@@ -9943,7 +10299,7 @@
   <p:cSld>
     <p:spTree>
       <p:nvGrpSpPr>
-        <p:cNvPr id="178" name="Shape 178"/>
+        <p:cNvPr id="196" name="Shape 196"/>
         <p:cNvGrpSpPr/>
         <p:nvPr/>
       </p:nvGrpSpPr>
@@ -9957,13 +10313,13 @@
       </p:grpSpPr>
       <p:sp>
         <p:nvSpPr>
-          <p:cNvPr id="179" name="Google Shape;179;g705185adf8_0_50"/>
+          <p:cNvPr id="197" name="Google Shape;197;g705185adf8_0_50"/>
           <p:cNvSpPr/>
           <p:nvPr/>
         </p:nvSpPr>
         <p:spPr>
           <a:xfrm>
-            <a:off x="2852450" y="914400"/>
+            <a:off x="1455772" y="914400"/>
             <a:ext cx="183000" cy="182100"/>
           </a:xfrm>
           <a:prstGeom prst="ellipse">
@@ -10022,13 +10378,13 @@
       </p:sp>
       <p:sp>
         <p:nvSpPr>
-          <p:cNvPr id="180" name="Google Shape;180;g705185adf8_0_50"/>
+          <p:cNvPr id="198" name="Google Shape;198;g705185adf8_0_50"/>
           <p:cNvSpPr/>
           <p:nvPr/>
         </p:nvSpPr>
         <p:spPr>
           <a:xfrm>
-            <a:off x="3233450" y="1371600"/>
+            <a:off x="1836772" y="1371600"/>
             <a:ext cx="183000" cy="182100"/>
           </a:xfrm>
           <a:prstGeom prst="ellipse">
@@ -10087,16 +10443,16 @@
       </p:sp>
       <p:cxnSp>
         <p:nvCxnSpPr>
-          <p:cNvPr id="181" name="Google Shape;181;g705185adf8_0_50"/>
+          <p:cNvPr id="199" name="Google Shape;199;g705185adf8_0_50"/>
           <p:cNvCxnSpPr>
-            <a:stCxn id="179" idx="5"/>
-            <a:endCxn id="180" idx="1"/>
+            <a:stCxn id="197" idx="5"/>
+            <a:endCxn id="198" idx="1"/>
           </p:cNvCxnSpPr>
           <p:nvPr/>
         </p:nvCxnSpPr>
         <p:spPr>
           <a:xfrm>
-            <a:off x="3008650" y="1069832"/>
+            <a:off x="1611972" y="1069832"/>
             <a:ext cx="251700" cy="328500"/>
           </a:xfrm>
           <a:prstGeom prst="straightConnector1">
@@ -10116,13 +10472,13 @@
       </p:cxnSp>
       <p:sp>
         <p:nvSpPr>
-          <p:cNvPr id="182" name="Google Shape;182;g705185adf8_0_50"/>
+          <p:cNvPr id="200" name="Google Shape;200;g705185adf8_0_50"/>
           <p:cNvSpPr txBox="1"/>
           <p:nvPr/>
         </p:nvSpPr>
         <p:spPr>
           <a:xfrm>
-            <a:off x="3568700" y="868350"/>
+            <a:off x="2172022" y="868350"/>
             <a:ext cx="1097400" cy="274200"/>
           </a:xfrm>
           <a:prstGeom prst="rect">
@@ -10182,13 +10538,13 @@
       </p:sp>
       <p:sp>
         <p:nvSpPr>
-          <p:cNvPr id="183" name="Google Shape;183;g705185adf8_0_50"/>
+          <p:cNvPr id="201" name="Google Shape;201;g705185adf8_0_50"/>
           <p:cNvSpPr/>
           <p:nvPr/>
         </p:nvSpPr>
         <p:spPr>
           <a:xfrm>
-            <a:off x="3233450" y="1828800"/>
+            <a:off x="1836772" y="1828800"/>
             <a:ext cx="183000" cy="182100"/>
           </a:xfrm>
           <a:prstGeom prst="ellipse">
@@ -10247,13 +10603,13 @@
       </p:sp>
       <p:sp>
         <p:nvSpPr>
-          <p:cNvPr id="184" name="Google Shape;184;g705185adf8_0_50"/>
+          <p:cNvPr id="202" name="Google Shape;202;g705185adf8_0_50"/>
           <p:cNvSpPr txBox="1"/>
           <p:nvPr/>
         </p:nvSpPr>
         <p:spPr>
           <a:xfrm>
-            <a:off x="3568700" y="1325550"/>
+            <a:off x="2172022" y="1325550"/>
             <a:ext cx="1097400" cy="274200"/>
           </a:xfrm>
           <a:prstGeom prst="rect">
@@ -10313,13 +10669,13 @@
       </p:sp>
       <p:sp>
         <p:nvSpPr>
-          <p:cNvPr id="185" name="Google Shape;185;g705185adf8_0_50"/>
+          <p:cNvPr id="203" name="Google Shape;203;g705185adf8_0_50"/>
           <p:cNvSpPr txBox="1"/>
           <p:nvPr/>
         </p:nvSpPr>
         <p:spPr>
           <a:xfrm>
-            <a:off x="3568700" y="1782750"/>
+            <a:off x="2172022" y="1782750"/>
             <a:ext cx="1097400" cy="274200"/>
           </a:xfrm>
           <a:prstGeom prst="rect">
@@ -10379,13 +10735,13 @@
       </p:sp>
       <p:sp>
         <p:nvSpPr>
-          <p:cNvPr id="186" name="Google Shape;186;g705185adf8_0_50"/>
+          <p:cNvPr id="204" name="Google Shape;204;g705185adf8_0_50"/>
           <p:cNvSpPr txBox="1"/>
           <p:nvPr/>
         </p:nvSpPr>
         <p:spPr>
           <a:xfrm>
-            <a:off x="2201350" y="2286000"/>
+            <a:off x="804672" y="2286000"/>
             <a:ext cx="479700" cy="182100"/>
           </a:xfrm>
           <a:prstGeom prst="rect">
@@ -10422,33 +10778,41 @@
               <a:buNone/>
             </a:pPr>
             <a:r>
-              <a:rPr i="0" lang="en" sz="900" u="none" cap="none" strike="noStrike">
+              <a:rPr b="0" i="0" lang="en" sz="900" u="none" cap="none" strike="noStrike">
                 <a:solidFill>
                   <a:srgbClr val="000000"/>
                 </a:solidFill>
+                <a:latin typeface="Arial"/>
+                <a:ea typeface="Arial"/>
+                <a:cs typeface="Arial"/>
+                <a:sym typeface="Arial"/>
               </a:rPr>
               <a:t>master</a:t>
             </a:r>
-            <a:endParaRPr i="0" sz="900" u="none" cap="none" strike="noStrike">
+            <a:endParaRPr b="0" i="0" sz="900" u="none" cap="none" strike="noStrike">
               <a:solidFill>
                 <a:srgbClr val="000000"/>
               </a:solidFill>
+              <a:latin typeface="Arial"/>
+              <a:ea typeface="Arial"/>
+              <a:cs typeface="Arial"/>
+              <a:sym typeface="Arial"/>
             </a:endParaRPr>
           </a:p>
         </p:txBody>
       </p:sp>
       <p:cxnSp>
         <p:nvCxnSpPr>
-          <p:cNvPr id="187" name="Google Shape;187;g705185adf8_0_50"/>
+          <p:cNvPr id="205" name="Google Shape;205;g705185adf8_0_50"/>
           <p:cNvCxnSpPr>
-            <a:stCxn id="180" idx="4"/>
-            <a:endCxn id="183" idx="0"/>
+            <a:stCxn id="198" idx="4"/>
+            <a:endCxn id="201" idx="0"/>
           </p:cNvCxnSpPr>
           <p:nvPr/>
         </p:nvCxnSpPr>
         <p:spPr>
           <a:xfrm>
-            <a:off x="3324950" y="1553700"/>
+            <a:off x="1928272" y="1553700"/>
             <a:ext cx="0" cy="275100"/>
           </a:xfrm>
           <a:prstGeom prst="straightConnector1">
@@ -10468,13 +10832,13 @@
       </p:cxnSp>
       <p:sp>
         <p:nvSpPr>
-          <p:cNvPr id="188" name="Google Shape;188;g705185adf8_0_50"/>
+          <p:cNvPr id="206" name="Google Shape;206;g705185adf8_0_50"/>
           <p:cNvSpPr/>
           <p:nvPr/>
         </p:nvSpPr>
         <p:spPr>
           <a:xfrm>
-            <a:off x="2852928" y="2286000"/>
+            <a:off x="1456250" y="2286000"/>
             <a:ext cx="183000" cy="182100"/>
           </a:xfrm>
           <a:prstGeom prst="ellipse">
@@ -10533,16 +10897,16 @@
       </p:sp>
       <p:cxnSp>
         <p:nvCxnSpPr>
-          <p:cNvPr id="189" name="Google Shape;189;g705185adf8_0_50"/>
+          <p:cNvPr id="207" name="Google Shape;207;g705185adf8_0_50"/>
           <p:cNvCxnSpPr>
-            <a:stCxn id="179" idx="4"/>
-            <a:endCxn id="188" idx="0"/>
+            <a:stCxn id="197" idx="4"/>
+            <a:endCxn id="206" idx="0"/>
           </p:cNvCxnSpPr>
           <p:nvPr/>
         </p:nvCxnSpPr>
         <p:spPr>
           <a:xfrm>
-            <a:off x="2943950" y="1096500"/>
+            <a:off x="1547272" y="1096500"/>
             <a:ext cx="600" cy="1189500"/>
           </a:xfrm>
           <a:prstGeom prst="straightConnector1">
@@ -10562,16 +10926,16 @@
       </p:cxnSp>
       <p:cxnSp>
         <p:nvCxnSpPr>
-          <p:cNvPr id="190" name="Google Shape;190;g705185adf8_0_50"/>
+          <p:cNvPr id="208" name="Google Shape;208;g705185adf8_0_50"/>
           <p:cNvCxnSpPr>
-            <a:stCxn id="183" idx="3"/>
-            <a:endCxn id="188" idx="7"/>
+            <a:stCxn id="201" idx="3"/>
+            <a:endCxn id="206" idx="7"/>
           </p:cNvCxnSpPr>
           <p:nvPr/>
         </p:nvCxnSpPr>
         <p:spPr>
           <a:xfrm flipH="1">
-            <a:off x="3009150" y="1984232"/>
+            <a:off x="1612472" y="1984232"/>
             <a:ext cx="251100" cy="328500"/>
           </a:xfrm>
           <a:prstGeom prst="straightConnector1">
@@ -10591,13 +10955,13 @@
       </p:cxnSp>
       <p:sp>
         <p:nvSpPr>
-          <p:cNvPr id="191" name="Google Shape;191;g705185adf8_0_50"/>
+          <p:cNvPr id="209" name="Google Shape;209;g705185adf8_0_50"/>
           <p:cNvSpPr txBox="1"/>
           <p:nvPr/>
         </p:nvSpPr>
         <p:spPr>
           <a:xfrm>
-            <a:off x="3568700" y="2240280"/>
+            <a:off x="2172022" y="2240280"/>
             <a:ext cx="1097400" cy="274200"/>
           </a:xfrm>
           <a:prstGeom prst="rect">
@@ -10657,7 +11021,7 @@
       </p:sp>
       <p:sp>
         <p:nvSpPr>
-          <p:cNvPr id="192" name="Google Shape;192;g705185adf8_0_50"/>
+          <p:cNvPr id="210" name="Google Shape;210;g705185adf8_0_50"/>
           <p:cNvSpPr txBox="1"/>
           <p:nvPr/>
         </p:nvSpPr>
@@ -10700,6 +11064,10 @@
               <a:buNone/>
             </a:pPr>
             <a:r>
+              <a:rPr lang="en"/>
+              <a:t>3. Opdracht </a:t>
+            </a:r>
+            <a:r>
               <a:rPr b="0" i="0" lang="en" sz="1400" u="none" cap="none" strike="noStrike">
                 <a:solidFill>
                   <a:srgbClr val="000000"/>
@@ -10720,6 +11088,346 @@
               <a:cs typeface="Arial"/>
               <a:sym typeface="Arial"/>
             </a:endParaRPr>
+          </a:p>
+        </p:txBody>
+      </p:sp>
+      <p:sp>
+        <p:nvSpPr>
+          <p:cNvPr id="211" name="Google Shape;211;g705185adf8_0_50"/>
+          <p:cNvSpPr txBox="1"/>
+          <p:nvPr/>
+        </p:nvSpPr>
+        <p:spPr>
+          <a:xfrm>
+            <a:off x="275925" y="4223750"/>
+            <a:ext cx="1875000" cy="601200"/>
+          </a:xfrm>
+          <a:prstGeom prst="rect">
+            <a:avLst/>
+          </a:prstGeom>
+          <a:solidFill>
+            <a:srgbClr val="CFE2F3"/>
+          </a:solidFill>
+          <a:ln cap="flat" cmpd="sng" w="9525">
+            <a:solidFill>
+              <a:srgbClr val="000000"/>
+            </a:solidFill>
+            <a:prstDash val="solid"/>
+            <a:round/>
+            <a:headEnd len="sm" w="sm" type="none"/>
+            <a:tailEnd len="sm" w="sm" type="none"/>
+          </a:ln>
+        </p:spPr>
+        <p:txBody>
+          <a:bodyPr anchorCtr="0" anchor="t" bIns="91425" lIns="91425" spcFirstLastPara="1" rIns="91425" wrap="square" tIns="91425">
+            <a:noAutofit/>
+          </a:bodyPr>
+          <a:lstStyle/>
+          <a:p>
+            <a:pPr indent="0" lvl="0" marL="0" marR="0" rtl="0" algn="l">
+              <a:lnSpc>
+                <a:spcPct val="100000"/>
+              </a:lnSpc>
+              <a:spcBef>
+                <a:spcPts val="0"/>
+              </a:spcBef>
+              <a:spcAft>
+                <a:spcPts val="0"/>
+              </a:spcAft>
+              <a:buClr>
+                <a:srgbClr val="000000"/>
+              </a:buClr>
+              <a:buSzPts val="1100"/>
+              <a:buFont typeface="Arial"/>
+              <a:buNone/>
+            </a:pPr>
+            <a:r>
+              <a:rPr b="0" i="0" lang="en" sz="1400" u="none" cap="none" strike="noStrike">
+                <a:solidFill>
+                  <a:srgbClr val="000000"/>
+                </a:solidFill>
+                <a:latin typeface="Arial"/>
+                <a:ea typeface="Arial"/>
+                <a:cs typeface="Arial"/>
+                <a:sym typeface="Arial"/>
+              </a:rPr>
+              <a:t>git branch</a:t>
+            </a:r>
+            <a:endParaRPr/>
+          </a:p>
+          <a:p>
+            <a:pPr indent="0" lvl="0" marL="0" marR="0" rtl="0" algn="l">
+              <a:lnSpc>
+                <a:spcPct val="100000"/>
+              </a:lnSpc>
+              <a:spcBef>
+                <a:spcPts val="0"/>
+              </a:spcBef>
+              <a:spcAft>
+                <a:spcPts val="0"/>
+              </a:spcAft>
+              <a:buClr>
+                <a:srgbClr val="000000"/>
+              </a:buClr>
+              <a:buSzPts val="1100"/>
+              <a:buFont typeface="Arial"/>
+              <a:buNone/>
+            </a:pPr>
+            <a:r>
+              <a:rPr b="0" i="0" lang="en" sz="1400" u="none" cap="none" strike="noStrike">
+                <a:solidFill>
+                  <a:srgbClr val="000000"/>
+                </a:solidFill>
+                <a:latin typeface="Arial"/>
+                <a:ea typeface="Arial"/>
+                <a:cs typeface="Arial"/>
+                <a:sym typeface="Arial"/>
+              </a:rPr>
+              <a:t>git </a:t>
+            </a:r>
+            <a:r>
+              <a:rPr lang="en"/>
+              <a:t>checkout</a:t>
+            </a:r>
+            <a:endParaRPr b="0" i="0" sz="1400" u="none" cap="none" strike="noStrike">
+              <a:solidFill>
+                <a:srgbClr val="000000"/>
+              </a:solidFill>
+              <a:latin typeface="Arial"/>
+              <a:ea typeface="Arial"/>
+              <a:cs typeface="Arial"/>
+              <a:sym typeface="Arial"/>
+            </a:endParaRPr>
+          </a:p>
+        </p:txBody>
+      </p:sp>
+      <p:sp>
+        <p:nvSpPr>
+          <p:cNvPr id="212" name="Google Shape;212;g705185adf8_0_50"/>
+          <p:cNvSpPr txBox="1"/>
+          <p:nvPr/>
+        </p:nvSpPr>
+        <p:spPr>
+          <a:xfrm>
+            <a:off x="3621025" y="740675"/>
+            <a:ext cx="5523000" cy="3123900"/>
+          </a:xfrm>
+          <a:prstGeom prst="rect">
+            <a:avLst/>
+          </a:prstGeom>
+          <a:noFill/>
+          <a:ln>
+            <a:noFill/>
+          </a:ln>
+        </p:spPr>
+        <p:txBody>
+          <a:bodyPr anchorCtr="0" anchor="t" bIns="91425" lIns="91425" spcFirstLastPara="1" rIns="91425" wrap="square" tIns="91425">
+            <a:noAutofit/>
+          </a:bodyPr>
+          <a:lstStyle/>
+          <a:p>
+            <a:pPr indent="-330200" lvl="0" marL="457200" rtl="0" algn="l">
+              <a:spcBef>
+                <a:spcPts val="0"/>
+              </a:spcBef>
+              <a:spcAft>
+                <a:spcPts val="0"/>
+              </a:spcAft>
+              <a:buSzPts val="1600"/>
+              <a:buChar char="●"/>
+            </a:pPr>
+            <a:r>
+              <a:rPr lang="en" sz="1600"/>
+              <a:t>maak initial commit</a:t>
+            </a:r>
+            <a:endParaRPr sz="1600"/>
+          </a:p>
+          <a:p>
+            <a:pPr indent="-330200" lvl="0" marL="457200" rtl="0" algn="l">
+              <a:spcBef>
+                <a:spcPts val="0"/>
+              </a:spcBef>
+              <a:spcAft>
+                <a:spcPts val="0"/>
+              </a:spcAft>
+              <a:buSzPts val="1600"/>
+              <a:buChar char="●"/>
+            </a:pPr>
+            <a:r>
+              <a:rPr lang="en" sz="1600"/>
+              <a:t>maak nieuwe branch develop</a:t>
+            </a:r>
+            <a:endParaRPr sz="1600"/>
+          </a:p>
+          <a:p>
+            <a:pPr indent="-330200" lvl="0" marL="457200" rtl="0" algn="l">
+              <a:spcBef>
+                <a:spcPts val="0"/>
+              </a:spcBef>
+              <a:spcAft>
+                <a:spcPts val="0"/>
+              </a:spcAft>
+              <a:buSzPts val="1600"/>
+              <a:buChar char="●"/>
+            </a:pPr>
+            <a:r>
+              <a:rPr lang="en" sz="1600"/>
+              <a:t>checkout develop</a:t>
+            </a:r>
+            <a:endParaRPr sz="1600"/>
+          </a:p>
+          <a:p>
+            <a:pPr indent="-330200" lvl="0" marL="457200" rtl="0" algn="l">
+              <a:spcBef>
+                <a:spcPts val="0"/>
+              </a:spcBef>
+              <a:spcAft>
+                <a:spcPts val="0"/>
+              </a:spcAft>
+              <a:buSzPts val="1600"/>
+              <a:buChar char="●"/>
+            </a:pPr>
+            <a:r>
+              <a:rPr lang="en" sz="1600"/>
+              <a:t>maak wijziging en commit</a:t>
+            </a:r>
+            <a:endParaRPr sz="1600"/>
+          </a:p>
+          <a:p>
+            <a:pPr indent="-330200" lvl="0" marL="457200" rtl="0" algn="l">
+              <a:spcBef>
+                <a:spcPts val="0"/>
+              </a:spcBef>
+              <a:spcAft>
+                <a:spcPts val="0"/>
+              </a:spcAft>
+              <a:buSzPts val="1600"/>
+              <a:buChar char="●"/>
+            </a:pPr>
+            <a:r>
+              <a:rPr lang="en" sz="1600"/>
+              <a:t>maak nog wijziging en commit</a:t>
+            </a:r>
+            <a:endParaRPr sz="1600"/>
+          </a:p>
+          <a:p>
+            <a:pPr indent="-330200" lvl="0" marL="457200" rtl="0" algn="l">
+              <a:spcBef>
+                <a:spcPts val="0"/>
+              </a:spcBef>
+              <a:spcAft>
+                <a:spcPts val="0"/>
+              </a:spcAft>
+              <a:buSzPts val="1600"/>
+              <a:buChar char="●"/>
+            </a:pPr>
+            <a:r>
+              <a:rPr lang="en" sz="1600"/>
+              <a:t>checkout master</a:t>
+            </a:r>
+            <a:endParaRPr sz="1600"/>
+          </a:p>
+          <a:p>
+            <a:pPr indent="-330200" lvl="0" marL="457200" rtl="0" algn="l">
+              <a:spcBef>
+                <a:spcPts val="0"/>
+              </a:spcBef>
+              <a:spcAft>
+                <a:spcPts val="0"/>
+              </a:spcAft>
+              <a:buSzPts val="1600"/>
+              <a:buChar char="●"/>
+            </a:pPr>
+            <a:r>
+              <a:rPr lang="en" sz="1600"/>
+              <a:t>merge develop in master</a:t>
+            </a:r>
+            <a:endParaRPr sz="1600"/>
+          </a:p>
+          <a:p>
+            <a:pPr indent="-330200" lvl="0" marL="457200" rtl="0" algn="l">
+              <a:spcBef>
+                <a:spcPts val="0"/>
+              </a:spcBef>
+              <a:spcAft>
+                <a:spcPts val="0"/>
+              </a:spcAft>
+              <a:buSzPts val="1600"/>
+              <a:buChar char="●"/>
+            </a:pPr>
+            <a:r>
+              <a:rPr lang="en" sz="1600"/>
+              <a:t>commit changes</a:t>
+            </a:r>
+            <a:endParaRPr sz="1600"/>
+          </a:p>
+          <a:p>
+            <a:pPr indent="-330200" lvl="0" marL="457200" rtl="0" algn="l">
+              <a:spcBef>
+                <a:spcPts val="0"/>
+              </a:spcBef>
+              <a:spcAft>
+                <a:spcPts val="0"/>
+              </a:spcAft>
+              <a:buSzPts val="1600"/>
+              <a:buChar char="●"/>
+            </a:pPr>
+            <a:r>
+              <a:rPr lang="en" sz="1600"/>
+              <a:t>checkout develop</a:t>
+            </a:r>
+            <a:endParaRPr sz="1600"/>
+          </a:p>
+          <a:p>
+            <a:pPr indent="-330200" lvl="0" marL="457200" rtl="0" algn="l">
+              <a:spcBef>
+                <a:spcPts val="0"/>
+              </a:spcBef>
+              <a:spcAft>
+                <a:spcPts val="0"/>
+              </a:spcAft>
+              <a:buSzPts val="1600"/>
+              <a:buChar char="●"/>
+            </a:pPr>
+            <a:r>
+              <a:rPr lang="en" sz="1600"/>
+              <a:t>merge master in develop(fast-forward)</a:t>
+            </a:r>
+            <a:endParaRPr sz="1600"/>
+          </a:p>
+          <a:p>
+            <a:pPr indent="-330200" lvl="0" marL="457200" rtl="0" algn="l">
+              <a:spcBef>
+                <a:spcPts val="0"/>
+              </a:spcBef>
+              <a:spcAft>
+                <a:spcPts val="0"/>
+              </a:spcAft>
+              <a:buSzPts val="1600"/>
+              <a:buChar char="●"/>
+            </a:pPr>
+            <a:r>
+              <a:rPr lang="en" sz="1600"/>
+              <a:t>bekijk log</a:t>
+            </a:r>
+            <a:endParaRPr sz="1600"/>
+          </a:p>
+          <a:p>
+            <a:pPr indent="-330200" lvl="0" marL="457200" rtl="0" algn="l">
+              <a:spcBef>
+                <a:spcPts val="0"/>
+              </a:spcBef>
+              <a:spcAft>
+                <a:spcPts val="0"/>
+              </a:spcAft>
+              <a:buSzPts val="1600"/>
+              <a:buChar char="●"/>
+            </a:pPr>
+            <a:r>
+              <a:rPr lang="en" sz="1600"/>
+              <a:t>delete develop branch</a:t>
+            </a:r>
+            <a:endParaRPr sz="1600"/>
           </a:p>
         </p:txBody>
       </p:sp>
@@ -10736,7 +11444,7 @@
   <p:cSld>
     <p:spTree>
       <p:nvGrpSpPr>
-        <p:cNvPr id="61" name="Shape 61"/>
+        <p:cNvPr id="63" name="Shape 63"/>
         <p:cNvGrpSpPr/>
         <p:nvPr/>
       </p:nvGrpSpPr>
@@ -10750,13 +11458,13 @@
       </p:grpSpPr>
       <p:sp>
         <p:nvSpPr>
-          <p:cNvPr id="62" name="Google Shape;62;p2"/>
+          <p:cNvPr id="64" name="Google Shape;64;p2"/>
           <p:cNvSpPr/>
           <p:nvPr/>
         </p:nvSpPr>
         <p:spPr>
           <a:xfrm>
-            <a:off x="2852450" y="914400"/>
+            <a:off x="1458820" y="914400"/>
             <a:ext cx="183000" cy="182100"/>
           </a:xfrm>
           <a:prstGeom prst="ellipse">
@@ -10815,13 +11523,13 @@
       </p:sp>
       <p:sp>
         <p:nvSpPr>
-          <p:cNvPr id="63" name="Google Shape;63;p2"/>
+          <p:cNvPr id="65" name="Google Shape;65;p2"/>
           <p:cNvSpPr txBox="1"/>
           <p:nvPr/>
         </p:nvSpPr>
         <p:spPr>
           <a:xfrm>
-            <a:off x="3568700" y="868350"/>
+            <a:off x="2175070" y="868350"/>
             <a:ext cx="1097400" cy="274200"/>
           </a:xfrm>
           <a:prstGeom prst="rect">
@@ -10881,13 +11589,13 @@
       </p:sp>
       <p:sp>
         <p:nvSpPr>
-          <p:cNvPr id="64" name="Google Shape;64;p2"/>
+          <p:cNvPr id="66" name="Google Shape;66;p2"/>
           <p:cNvSpPr txBox="1"/>
           <p:nvPr/>
         </p:nvSpPr>
         <p:spPr>
           <a:xfrm>
-            <a:off x="2201350" y="914400"/>
+            <a:off x="807720" y="914400"/>
             <a:ext cx="479700" cy="182100"/>
           </a:xfrm>
           <a:prstGeom prst="rect">
@@ -10949,13 +11657,13 @@
       </p:sp>
       <p:sp>
         <p:nvSpPr>
-          <p:cNvPr id="65" name="Google Shape;65;p2"/>
+          <p:cNvPr id="67" name="Google Shape;67;p2"/>
           <p:cNvSpPr txBox="1"/>
           <p:nvPr/>
         </p:nvSpPr>
         <p:spPr>
           <a:xfrm>
-            <a:off x="1667950" y="914400"/>
+            <a:off x="274320" y="914400"/>
             <a:ext cx="479700" cy="182100"/>
           </a:xfrm>
           <a:prstGeom prst="rect">
@@ -11017,7 +11725,7 @@
       </p:sp>
       <p:sp>
         <p:nvSpPr>
-          <p:cNvPr id="66" name="Google Shape;66;p2"/>
+          <p:cNvPr id="68" name="Google Shape;68;p2"/>
           <p:cNvSpPr txBox="1"/>
           <p:nvPr/>
         </p:nvSpPr>
@@ -11060,6 +11768,10 @@
               <a:buNone/>
             </a:pPr>
             <a:r>
+              <a:rPr lang="en"/>
+              <a:t>3. Opdracht </a:t>
+            </a:r>
+            <a:r>
               <a:rPr b="0" i="0" lang="en" sz="1400" u="none" cap="none" strike="noStrike">
                 <a:solidFill>
                   <a:srgbClr val="000000"/>
@@ -11080,6 +11792,346 @@
               <a:cs typeface="Arial"/>
               <a:sym typeface="Arial"/>
             </a:endParaRPr>
+          </a:p>
+        </p:txBody>
+      </p:sp>
+      <p:sp>
+        <p:nvSpPr>
+          <p:cNvPr id="69" name="Google Shape;69;p2"/>
+          <p:cNvSpPr txBox="1"/>
+          <p:nvPr/>
+        </p:nvSpPr>
+        <p:spPr>
+          <a:xfrm>
+            <a:off x="275925" y="4223750"/>
+            <a:ext cx="1875000" cy="601200"/>
+          </a:xfrm>
+          <a:prstGeom prst="rect">
+            <a:avLst/>
+          </a:prstGeom>
+          <a:solidFill>
+            <a:srgbClr val="CFE2F3"/>
+          </a:solidFill>
+          <a:ln cap="flat" cmpd="sng" w="9525">
+            <a:solidFill>
+              <a:srgbClr val="000000"/>
+            </a:solidFill>
+            <a:prstDash val="solid"/>
+            <a:round/>
+            <a:headEnd len="sm" w="sm" type="none"/>
+            <a:tailEnd len="sm" w="sm" type="none"/>
+          </a:ln>
+        </p:spPr>
+        <p:txBody>
+          <a:bodyPr anchorCtr="0" anchor="t" bIns="91425" lIns="91425" spcFirstLastPara="1" rIns="91425" wrap="square" tIns="91425">
+            <a:noAutofit/>
+          </a:bodyPr>
+          <a:lstStyle/>
+          <a:p>
+            <a:pPr indent="0" lvl="0" marL="0" marR="0" rtl="0" algn="l">
+              <a:lnSpc>
+                <a:spcPct val="100000"/>
+              </a:lnSpc>
+              <a:spcBef>
+                <a:spcPts val="0"/>
+              </a:spcBef>
+              <a:spcAft>
+                <a:spcPts val="0"/>
+              </a:spcAft>
+              <a:buClr>
+                <a:srgbClr val="000000"/>
+              </a:buClr>
+              <a:buSzPts val="1100"/>
+              <a:buFont typeface="Arial"/>
+              <a:buNone/>
+            </a:pPr>
+            <a:r>
+              <a:rPr b="0" i="0" lang="en" sz="1400" u="none" cap="none" strike="noStrike">
+                <a:solidFill>
+                  <a:srgbClr val="000000"/>
+                </a:solidFill>
+                <a:latin typeface="Arial"/>
+                <a:ea typeface="Arial"/>
+                <a:cs typeface="Arial"/>
+                <a:sym typeface="Arial"/>
+              </a:rPr>
+              <a:t>git branch</a:t>
+            </a:r>
+            <a:endParaRPr/>
+          </a:p>
+          <a:p>
+            <a:pPr indent="0" lvl="0" marL="0" marR="0" rtl="0" algn="l">
+              <a:lnSpc>
+                <a:spcPct val="100000"/>
+              </a:lnSpc>
+              <a:spcBef>
+                <a:spcPts val="0"/>
+              </a:spcBef>
+              <a:spcAft>
+                <a:spcPts val="0"/>
+              </a:spcAft>
+              <a:buClr>
+                <a:srgbClr val="000000"/>
+              </a:buClr>
+              <a:buSzPts val="1100"/>
+              <a:buFont typeface="Arial"/>
+              <a:buNone/>
+            </a:pPr>
+            <a:r>
+              <a:rPr b="0" i="0" lang="en" sz="1400" u="none" cap="none" strike="noStrike">
+                <a:solidFill>
+                  <a:srgbClr val="000000"/>
+                </a:solidFill>
+                <a:latin typeface="Arial"/>
+                <a:ea typeface="Arial"/>
+                <a:cs typeface="Arial"/>
+                <a:sym typeface="Arial"/>
+              </a:rPr>
+              <a:t>git </a:t>
+            </a:r>
+            <a:r>
+              <a:rPr lang="en"/>
+              <a:t>checkout</a:t>
+            </a:r>
+            <a:endParaRPr b="0" i="0" sz="1400" u="none" cap="none" strike="noStrike">
+              <a:solidFill>
+                <a:srgbClr val="000000"/>
+              </a:solidFill>
+              <a:latin typeface="Arial"/>
+              <a:ea typeface="Arial"/>
+              <a:cs typeface="Arial"/>
+              <a:sym typeface="Arial"/>
+            </a:endParaRPr>
+          </a:p>
+        </p:txBody>
+      </p:sp>
+      <p:sp>
+        <p:nvSpPr>
+          <p:cNvPr id="70" name="Google Shape;70;p2"/>
+          <p:cNvSpPr txBox="1"/>
+          <p:nvPr/>
+        </p:nvSpPr>
+        <p:spPr>
+          <a:xfrm>
+            <a:off x="3621025" y="740675"/>
+            <a:ext cx="5523000" cy="3123900"/>
+          </a:xfrm>
+          <a:prstGeom prst="rect">
+            <a:avLst/>
+          </a:prstGeom>
+          <a:noFill/>
+          <a:ln>
+            <a:noFill/>
+          </a:ln>
+        </p:spPr>
+        <p:txBody>
+          <a:bodyPr anchorCtr="0" anchor="t" bIns="91425" lIns="91425" spcFirstLastPara="1" rIns="91425" wrap="square" tIns="91425">
+            <a:noAutofit/>
+          </a:bodyPr>
+          <a:lstStyle/>
+          <a:p>
+            <a:pPr indent="-330200" lvl="0" marL="457200" rtl="0" algn="l">
+              <a:spcBef>
+                <a:spcPts val="0"/>
+              </a:spcBef>
+              <a:spcAft>
+                <a:spcPts val="0"/>
+              </a:spcAft>
+              <a:buSzPts val="1600"/>
+              <a:buChar char="●"/>
+            </a:pPr>
+            <a:r>
+              <a:rPr lang="en" sz="1600"/>
+              <a:t>maak initial commit</a:t>
+            </a:r>
+            <a:endParaRPr sz="1600"/>
+          </a:p>
+          <a:p>
+            <a:pPr indent="-330200" lvl="0" marL="457200" rtl="0" algn="l">
+              <a:spcBef>
+                <a:spcPts val="0"/>
+              </a:spcBef>
+              <a:spcAft>
+                <a:spcPts val="0"/>
+              </a:spcAft>
+              <a:buSzPts val="1600"/>
+              <a:buChar char="●"/>
+            </a:pPr>
+            <a:r>
+              <a:rPr lang="en" sz="1600"/>
+              <a:t>maak nieuwe branch develop</a:t>
+            </a:r>
+            <a:endParaRPr sz="1600"/>
+          </a:p>
+          <a:p>
+            <a:pPr indent="-330200" lvl="0" marL="457200" rtl="0" algn="l">
+              <a:spcBef>
+                <a:spcPts val="0"/>
+              </a:spcBef>
+              <a:spcAft>
+                <a:spcPts val="0"/>
+              </a:spcAft>
+              <a:buSzPts val="1600"/>
+              <a:buChar char="●"/>
+            </a:pPr>
+            <a:r>
+              <a:rPr lang="en" sz="1600"/>
+              <a:t>checkout develop</a:t>
+            </a:r>
+            <a:endParaRPr sz="1600"/>
+          </a:p>
+          <a:p>
+            <a:pPr indent="-330200" lvl="0" marL="457200" rtl="0" algn="l">
+              <a:spcBef>
+                <a:spcPts val="0"/>
+              </a:spcBef>
+              <a:spcAft>
+                <a:spcPts val="0"/>
+              </a:spcAft>
+              <a:buSzPts val="1600"/>
+              <a:buChar char="●"/>
+            </a:pPr>
+            <a:r>
+              <a:rPr lang="en" sz="1600"/>
+              <a:t>maak wijziging en commit</a:t>
+            </a:r>
+            <a:endParaRPr sz="1600"/>
+          </a:p>
+          <a:p>
+            <a:pPr indent="-330200" lvl="0" marL="457200" rtl="0" algn="l">
+              <a:spcBef>
+                <a:spcPts val="0"/>
+              </a:spcBef>
+              <a:spcAft>
+                <a:spcPts val="0"/>
+              </a:spcAft>
+              <a:buSzPts val="1600"/>
+              <a:buChar char="●"/>
+            </a:pPr>
+            <a:r>
+              <a:rPr lang="en" sz="1600"/>
+              <a:t>maak nog wijziging en commit</a:t>
+            </a:r>
+            <a:endParaRPr sz="1600"/>
+          </a:p>
+          <a:p>
+            <a:pPr indent="-330200" lvl="0" marL="457200" rtl="0" algn="l">
+              <a:spcBef>
+                <a:spcPts val="0"/>
+              </a:spcBef>
+              <a:spcAft>
+                <a:spcPts val="0"/>
+              </a:spcAft>
+              <a:buSzPts val="1600"/>
+              <a:buChar char="●"/>
+            </a:pPr>
+            <a:r>
+              <a:rPr lang="en" sz="1600"/>
+              <a:t>checkout master</a:t>
+            </a:r>
+            <a:endParaRPr sz="1600"/>
+          </a:p>
+          <a:p>
+            <a:pPr indent="-330200" lvl="0" marL="457200" rtl="0" algn="l">
+              <a:spcBef>
+                <a:spcPts val="0"/>
+              </a:spcBef>
+              <a:spcAft>
+                <a:spcPts val="0"/>
+              </a:spcAft>
+              <a:buSzPts val="1600"/>
+              <a:buChar char="●"/>
+            </a:pPr>
+            <a:r>
+              <a:rPr lang="en" sz="1600"/>
+              <a:t>merge develop in master</a:t>
+            </a:r>
+            <a:endParaRPr sz="1600"/>
+          </a:p>
+          <a:p>
+            <a:pPr indent="-330200" lvl="0" marL="457200" rtl="0" algn="l">
+              <a:spcBef>
+                <a:spcPts val="0"/>
+              </a:spcBef>
+              <a:spcAft>
+                <a:spcPts val="0"/>
+              </a:spcAft>
+              <a:buSzPts val="1600"/>
+              <a:buChar char="●"/>
+            </a:pPr>
+            <a:r>
+              <a:rPr lang="en" sz="1600"/>
+              <a:t>commit changes</a:t>
+            </a:r>
+            <a:endParaRPr sz="1600"/>
+          </a:p>
+          <a:p>
+            <a:pPr indent="-330200" lvl="0" marL="457200" rtl="0" algn="l">
+              <a:spcBef>
+                <a:spcPts val="0"/>
+              </a:spcBef>
+              <a:spcAft>
+                <a:spcPts val="0"/>
+              </a:spcAft>
+              <a:buSzPts val="1600"/>
+              <a:buChar char="●"/>
+            </a:pPr>
+            <a:r>
+              <a:rPr lang="en" sz="1600"/>
+              <a:t>checkout develop</a:t>
+            </a:r>
+            <a:endParaRPr sz="1600"/>
+          </a:p>
+          <a:p>
+            <a:pPr indent="-330200" lvl="0" marL="457200" rtl="0" algn="l">
+              <a:spcBef>
+                <a:spcPts val="0"/>
+              </a:spcBef>
+              <a:spcAft>
+                <a:spcPts val="0"/>
+              </a:spcAft>
+              <a:buSzPts val="1600"/>
+              <a:buChar char="●"/>
+            </a:pPr>
+            <a:r>
+              <a:rPr lang="en" sz="1600"/>
+              <a:t>merge master in develop(fast-forward)</a:t>
+            </a:r>
+            <a:endParaRPr sz="1600"/>
+          </a:p>
+          <a:p>
+            <a:pPr indent="-330200" lvl="0" marL="457200" rtl="0" algn="l">
+              <a:spcBef>
+                <a:spcPts val="0"/>
+              </a:spcBef>
+              <a:spcAft>
+                <a:spcPts val="0"/>
+              </a:spcAft>
+              <a:buSzPts val="1600"/>
+              <a:buChar char="●"/>
+            </a:pPr>
+            <a:r>
+              <a:rPr lang="en" sz="1600"/>
+              <a:t>bekijk log</a:t>
+            </a:r>
+            <a:endParaRPr sz="1600"/>
+          </a:p>
+          <a:p>
+            <a:pPr indent="-330200" lvl="0" marL="457200" rtl="0" algn="l">
+              <a:spcBef>
+                <a:spcPts val="0"/>
+              </a:spcBef>
+              <a:spcAft>
+                <a:spcPts val="0"/>
+              </a:spcAft>
+              <a:buSzPts val="1600"/>
+              <a:buChar char="●"/>
+            </a:pPr>
+            <a:r>
+              <a:rPr lang="en" sz="1600"/>
+              <a:t>delete develop branch</a:t>
+            </a:r>
+            <a:endParaRPr sz="1600"/>
           </a:p>
         </p:txBody>
       </p:sp>
@@ -11096,7 +12148,7 @@
   <p:cSld>
     <p:spTree>
       <p:nvGrpSpPr>
-        <p:cNvPr id="70" name="Shape 70"/>
+        <p:cNvPr id="74" name="Shape 74"/>
         <p:cNvGrpSpPr/>
         <p:nvPr/>
       </p:nvGrpSpPr>
@@ -11110,13 +12162,13 @@
       </p:grpSpPr>
       <p:sp>
         <p:nvSpPr>
-          <p:cNvPr id="71" name="Google Shape;71;p3"/>
+          <p:cNvPr id="75" name="Google Shape;75;p3"/>
           <p:cNvSpPr/>
           <p:nvPr/>
         </p:nvSpPr>
         <p:spPr>
           <a:xfrm>
-            <a:off x="2852450" y="914400"/>
+            <a:off x="1458820" y="914400"/>
             <a:ext cx="183000" cy="182100"/>
           </a:xfrm>
           <a:prstGeom prst="ellipse">
@@ -11175,13 +12227,13 @@
       </p:sp>
       <p:sp>
         <p:nvSpPr>
-          <p:cNvPr id="72" name="Google Shape;72;p3"/>
+          <p:cNvPr id="76" name="Google Shape;76;p3"/>
           <p:cNvSpPr txBox="1"/>
           <p:nvPr/>
         </p:nvSpPr>
         <p:spPr>
           <a:xfrm>
-            <a:off x="3568700" y="868350"/>
+            <a:off x="2175070" y="868350"/>
             <a:ext cx="1097400" cy="274200"/>
           </a:xfrm>
           <a:prstGeom prst="rect">
@@ -11241,13 +12293,13 @@
       </p:sp>
       <p:sp>
         <p:nvSpPr>
-          <p:cNvPr id="73" name="Google Shape;73;p3"/>
+          <p:cNvPr id="77" name="Google Shape;77;p3"/>
           <p:cNvSpPr txBox="1"/>
           <p:nvPr/>
         </p:nvSpPr>
         <p:spPr>
           <a:xfrm>
-            <a:off x="2201350" y="914400"/>
+            <a:off x="807720" y="914400"/>
             <a:ext cx="479700" cy="182100"/>
           </a:xfrm>
           <a:prstGeom prst="rect">
@@ -11309,13 +12361,13 @@
       </p:sp>
       <p:sp>
         <p:nvSpPr>
-          <p:cNvPr id="74" name="Google Shape;74;p3"/>
+          <p:cNvPr id="78" name="Google Shape;78;p3"/>
           <p:cNvSpPr txBox="1"/>
           <p:nvPr/>
         </p:nvSpPr>
         <p:spPr>
           <a:xfrm>
-            <a:off x="1667950" y="914400"/>
+            <a:off x="274320" y="914400"/>
             <a:ext cx="479700" cy="182100"/>
           </a:xfrm>
           <a:prstGeom prst="rect">
@@ -11377,7 +12429,7 @@
       </p:sp>
       <p:sp>
         <p:nvSpPr>
-          <p:cNvPr id="75" name="Google Shape;75;p3"/>
+          <p:cNvPr id="79" name="Google Shape;79;p3"/>
           <p:cNvSpPr txBox="1"/>
           <p:nvPr/>
         </p:nvSpPr>
@@ -11420,6 +12472,10 @@
               <a:buNone/>
             </a:pPr>
             <a:r>
+              <a:rPr lang="en"/>
+              <a:t>3. Opdracht </a:t>
+            </a:r>
+            <a:r>
               <a:rPr b="0" i="0" lang="en" sz="1400" u="none" cap="none" strike="noStrike">
                 <a:solidFill>
                   <a:srgbClr val="000000"/>
@@ -11440,6 +12496,346 @@
               <a:cs typeface="Arial"/>
               <a:sym typeface="Arial"/>
             </a:endParaRPr>
+          </a:p>
+        </p:txBody>
+      </p:sp>
+      <p:sp>
+        <p:nvSpPr>
+          <p:cNvPr id="80" name="Google Shape;80;p3"/>
+          <p:cNvSpPr txBox="1"/>
+          <p:nvPr/>
+        </p:nvSpPr>
+        <p:spPr>
+          <a:xfrm>
+            <a:off x="275925" y="4223750"/>
+            <a:ext cx="1875000" cy="601200"/>
+          </a:xfrm>
+          <a:prstGeom prst="rect">
+            <a:avLst/>
+          </a:prstGeom>
+          <a:solidFill>
+            <a:srgbClr val="CFE2F3"/>
+          </a:solidFill>
+          <a:ln cap="flat" cmpd="sng" w="9525">
+            <a:solidFill>
+              <a:srgbClr val="000000"/>
+            </a:solidFill>
+            <a:prstDash val="solid"/>
+            <a:round/>
+            <a:headEnd len="sm" w="sm" type="none"/>
+            <a:tailEnd len="sm" w="sm" type="none"/>
+          </a:ln>
+        </p:spPr>
+        <p:txBody>
+          <a:bodyPr anchorCtr="0" anchor="t" bIns="91425" lIns="91425" spcFirstLastPara="1" rIns="91425" wrap="square" tIns="91425">
+            <a:noAutofit/>
+          </a:bodyPr>
+          <a:lstStyle/>
+          <a:p>
+            <a:pPr indent="0" lvl="0" marL="0" marR="0" rtl="0" algn="l">
+              <a:lnSpc>
+                <a:spcPct val="100000"/>
+              </a:lnSpc>
+              <a:spcBef>
+                <a:spcPts val="0"/>
+              </a:spcBef>
+              <a:spcAft>
+                <a:spcPts val="0"/>
+              </a:spcAft>
+              <a:buClr>
+                <a:srgbClr val="000000"/>
+              </a:buClr>
+              <a:buSzPts val="1100"/>
+              <a:buFont typeface="Arial"/>
+              <a:buNone/>
+            </a:pPr>
+            <a:r>
+              <a:rPr b="0" i="0" lang="en" sz="1400" u="none" cap="none" strike="noStrike">
+                <a:solidFill>
+                  <a:srgbClr val="000000"/>
+                </a:solidFill>
+                <a:latin typeface="Arial"/>
+                <a:ea typeface="Arial"/>
+                <a:cs typeface="Arial"/>
+                <a:sym typeface="Arial"/>
+              </a:rPr>
+              <a:t>git branch</a:t>
+            </a:r>
+            <a:endParaRPr/>
+          </a:p>
+          <a:p>
+            <a:pPr indent="0" lvl="0" marL="0" marR="0" rtl="0" algn="l">
+              <a:lnSpc>
+                <a:spcPct val="100000"/>
+              </a:lnSpc>
+              <a:spcBef>
+                <a:spcPts val="0"/>
+              </a:spcBef>
+              <a:spcAft>
+                <a:spcPts val="0"/>
+              </a:spcAft>
+              <a:buClr>
+                <a:srgbClr val="000000"/>
+              </a:buClr>
+              <a:buSzPts val="1100"/>
+              <a:buFont typeface="Arial"/>
+              <a:buNone/>
+            </a:pPr>
+            <a:r>
+              <a:rPr b="0" i="0" lang="en" sz="1400" u="none" cap="none" strike="noStrike">
+                <a:solidFill>
+                  <a:srgbClr val="000000"/>
+                </a:solidFill>
+                <a:latin typeface="Arial"/>
+                <a:ea typeface="Arial"/>
+                <a:cs typeface="Arial"/>
+                <a:sym typeface="Arial"/>
+              </a:rPr>
+              <a:t>git </a:t>
+            </a:r>
+            <a:r>
+              <a:rPr lang="en"/>
+              <a:t>checkout</a:t>
+            </a:r>
+            <a:endParaRPr b="0" i="0" sz="1400" u="none" cap="none" strike="noStrike">
+              <a:solidFill>
+                <a:srgbClr val="000000"/>
+              </a:solidFill>
+              <a:latin typeface="Arial"/>
+              <a:ea typeface="Arial"/>
+              <a:cs typeface="Arial"/>
+              <a:sym typeface="Arial"/>
+            </a:endParaRPr>
+          </a:p>
+        </p:txBody>
+      </p:sp>
+      <p:sp>
+        <p:nvSpPr>
+          <p:cNvPr id="81" name="Google Shape;81;p3"/>
+          <p:cNvSpPr txBox="1"/>
+          <p:nvPr/>
+        </p:nvSpPr>
+        <p:spPr>
+          <a:xfrm>
+            <a:off x="3621025" y="740675"/>
+            <a:ext cx="5523000" cy="3123900"/>
+          </a:xfrm>
+          <a:prstGeom prst="rect">
+            <a:avLst/>
+          </a:prstGeom>
+          <a:noFill/>
+          <a:ln>
+            <a:noFill/>
+          </a:ln>
+        </p:spPr>
+        <p:txBody>
+          <a:bodyPr anchorCtr="0" anchor="t" bIns="91425" lIns="91425" spcFirstLastPara="1" rIns="91425" wrap="square" tIns="91425">
+            <a:noAutofit/>
+          </a:bodyPr>
+          <a:lstStyle/>
+          <a:p>
+            <a:pPr indent="-330200" lvl="0" marL="457200" rtl="0" algn="l">
+              <a:spcBef>
+                <a:spcPts val="0"/>
+              </a:spcBef>
+              <a:spcAft>
+                <a:spcPts val="0"/>
+              </a:spcAft>
+              <a:buSzPts val="1600"/>
+              <a:buChar char="●"/>
+            </a:pPr>
+            <a:r>
+              <a:rPr lang="en" sz="1600"/>
+              <a:t>maak initial commit</a:t>
+            </a:r>
+            <a:endParaRPr sz="1600"/>
+          </a:p>
+          <a:p>
+            <a:pPr indent="-330200" lvl="0" marL="457200" rtl="0" algn="l">
+              <a:spcBef>
+                <a:spcPts val="0"/>
+              </a:spcBef>
+              <a:spcAft>
+                <a:spcPts val="0"/>
+              </a:spcAft>
+              <a:buSzPts val="1600"/>
+              <a:buChar char="●"/>
+            </a:pPr>
+            <a:r>
+              <a:rPr lang="en" sz="1600"/>
+              <a:t>maak nieuwe branch develop</a:t>
+            </a:r>
+            <a:endParaRPr sz="1600"/>
+          </a:p>
+          <a:p>
+            <a:pPr indent="-330200" lvl="0" marL="457200" rtl="0" algn="l">
+              <a:spcBef>
+                <a:spcPts val="0"/>
+              </a:spcBef>
+              <a:spcAft>
+                <a:spcPts val="0"/>
+              </a:spcAft>
+              <a:buSzPts val="1600"/>
+              <a:buChar char="●"/>
+            </a:pPr>
+            <a:r>
+              <a:rPr lang="en" sz="1600"/>
+              <a:t>checkout develop</a:t>
+            </a:r>
+            <a:endParaRPr sz="1600"/>
+          </a:p>
+          <a:p>
+            <a:pPr indent="-330200" lvl="0" marL="457200" rtl="0" algn="l">
+              <a:spcBef>
+                <a:spcPts val="0"/>
+              </a:spcBef>
+              <a:spcAft>
+                <a:spcPts val="0"/>
+              </a:spcAft>
+              <a:buSzPts val="1600"/>
+              <a:buChar char="●"/>
+            </a:pPr>
+            <a:r>
+              <a:rPr lang="en" sz="1600"/>
+              <a:t>maak wijziging en commit</a:t>
+            </a:r>
+            <a:endParaRPr sz="1600"/>
+          </a:p>
+          <a:p>
+            <a:pPr indent="-330200" lvl="0" marL="457200" rtl="0" algn="l">
+              <a:spcBef>
+                <a:spcPts val="0"/>
+              </a:spcBef>
+              <a:spcAft>
+                <a:spcPts val="0"/>
+              </a:spcAft>
+              <a:buSzPts val="1600"/>
+              <a:buChar char="●"/>
+            </a:pPr>
+            <a:r>
+              <a:rPr lang="en" sz="1600"/>
+              <a:t>maak nog wijziging en commit</a:t>
+            </a:r>
+            <a:endParaRPr sz="1600"/>
+          </a:p>
+          <a:p>
+            <a:pPr indent="-330200" lvl="0" marL="457200" rtl="0" algn="l">
+              <a:spcBef>
+                <a:spcPts val="0"/>
+              </a:spcBef>
+              <a:spcAft>
+                <a:spcPts val="0"/>
+              </a:spcAft>
+              <a:buSzPts val="1600"/>
+              <a:buChar char="●"/>
+            </a:pPr>
+            <a:r>
+              <a:rPr lang="en" sz="1600"/>
+              <a:t>checkout master</a:t>
+            </a:r>
+            <a:endParaRPr sz="1600"/>
+          </a:p>
+          <a:p>
+            <a:pPr indent="-330200" lvl="0" marL="457200" rtl="0" algn="l">
+              <a:spcBef>
+                <a:spcPts val="0"/>
+              </a:spcBef>
+              <a:spcAft>
+                <a:spcPts val="0"/>
+              </a:spcAft>
+              <a:buSzPts val="1600"/>
+              <a:buChar char="●"/>
+            </a:pPr>
+            <a:r>
+              <a:rPr lang="en" sz="1600"/>
+              <a:t>merge develop in master</a:t>
+            </a:r>
+            <a:endParaRPr sz="1600"/>
+          </a:p>
+          <a:p>
+            <a:pPr indent="-330200" lvl="0" marL="457200" rtl="0" algn="l">
+              <a:spcBef>
+                <a:spcPts val="0"/>
+              </a:spcBef>
+              <a:spcAft>
+                <a:spcPts val="0"/>
+              </a:spcAft>
+              <a:buSzPts val="1600"/>
+              <a:buChar char="●"/>
+            </a:pPr>
+            <a:r>
+              <a:rPr lang="en" sz="1600"/>
+              <a:t>commit changes</a:t>
+            </a:r>
+            <a:endParaRPr sz="1600"/>
+          </a:p>
+          <a:p>
+            <a:pPr indent="-330200" lvl="0" marL="457200" rtl="0" algn="l">
+              <a:spcBef>
+                <a:spcPts val="0"/>
+              </a:spcBef>
+              <a:spcAft>
+                <a:spcPts val="0"/>
+              </a:spcAft>
+              <a:buSzPts val="1600"/>
+              <a:buChar char="●"/>
+            </a:pPr>
+            <a:r>
+              <a:rPr lang="en" sz="1600"/>
+              <a:t>checkout develop</a:t>
+            </a:r>
+            <a:endParaRPr sz="1600"/>
+          </a:p>
+          <a:p>
+            <a:pPr indent="-330200" lvl="0" marL="457200" rtl="0" algn="l">
+              <a:spcBef>
+                <a:spcPts val="0"/>
+              </a:spcBef>
+              <a:spcAft>
+                <a:spcPts val="0"/>
+              </a:spcAft>
+              <a:buSzPts val="1600"/>
+              <a:buChar char="●"/>
+            </a:pPr>
+            <a:r>
+              <a:rPr lang="en" sz="1600"/>
+              <a:t>merge master in develop(fast-forward)</a:t>
+            </a:r>
+            <a:endParaRPr sz="1600"/>
+          </a:p>
+          <a:p>
+            <a:pPr indent="-330200" lvl="0" marL="457200" rtl="0" algn="l">
+              <a:spcBef>
+                <a:spcPts val="0"/>
+              </a:spcBef>
+              <a:spcAft>
+                <a:spcPts val="0"/>
+              </a:spcAft>
+              <a:buSzPts val="1600"/>
+              <a:buChar char="●"/>
+            </a:pPr>
+            <a:r>
+              <a:rPr lang="en" sz="1600"/>
+              <a:t>bekijk log</a:t>
+            </a:r>
+            <a:endParaRPr sz="1600"/>
+          </a:p>
+          <a:p>
+            <a:pPr indent="-330200" lvl="0" marL="457200" rtl="0" algn="l">
+              <a:spcBef>
+                <a:spcPts val="0"/>
+              </a:spcBef>
+              <a:spcAft>
+                <a:spcPts val="0"/>
+              </a:spcAft>
+              <a:buSzPts val="1600"/>
+              <a:buChar char="●"/>
+            </a:pPr>
+            <a:r>
+              <a:rPr lang="en" sz="1600"/>
+              <a:t>delete develop branch</a:t>
+            </a:r>
+            <a:endParaRPr sz="1600"/>
           </a:p>
         </p:txBody>
       </p:sp>
@@ -11456,7 +12852,7 @@
   <p:cSld>
     <p:spTree>
       <p:nvGrpSpPr>
-        <p:cNvPr id="79" name="Shape 79"/>
+        <p:cNvPr id="85" name="Shape 85"/>
         <p:cNvGrpSpPr/>
         <p:nvPr/>
       </p:nvGrpSpPr>
@@ -11470,13 +12866,13 @@
       </p:grpSpPr>
       <p:sp>
         <p:nvSpPr>
-          <p:cNvPr id="80" name="Google Shape;80;p4"/>
+          <p:cNvPr id="86" name="Google Shape;86;p4"/>
           <p:cNvSpPr/>
           <p:nvPr/>
         </p:nvSpPr>
         <p:spPr>
           <a:xfrm>
-            <a:off x="2852450" y="914400"/>
+            <a:off x="1458820" y="914400"/>
             <a:ext cx="183000" cy="182100"/>
           </a:xfrm>
           <a:prstGeom prst="ellipse">
@@ -11535,13 +12931,13 @@
       </p:sp>
       <p:sp>
         <p:nvSpPr>
-          <p:cNvPr id="81" name="Google Shape;81;p4"/>
+          <p:cNvPr id="87" name="Google Shape;87;p4"/>
           <p:cNvSpPr/>
           <p:nvPr/>
         </p:nvSpPr>
         <p:spPr>
           <a:xfrm>
-            <a:off x="3233450" y="1371600"/>
+            <a:off x="1839820" y="1371600"/>
             <a:ext cx="183000" cy="182100"/>
           </a:xfrm>
           <a:prstGeom prst="ellipse">
@@ -11600,16 +12996,16 @@
       </p:sp>
       <p:cxnSp>
         <p:nvCxnSpPr>
-          <p:cNvPr id="82" name="Google Shape;82;p4"/>
+          <p:cNvPr id="88" name="Google Shape;88;p4"/>
           <p:cNvCxnSpPr>
-            <a:stCxn id="80" idx="5"/>
-            <a:endCxn id="81" idx="1"/>
+            <a:stCxn id="86" idx="5"/>
+            <a:endCxn id="87" idx="1"/>
           </p:cNvCxnSpPr>
           <p:nvPr/>
         </p:nvCxnSpPr>
         <p:spPr>
           <a:xfrm>
-            <a:off x="3008650" y="1069832"/>
+            <a:off x="1615020" y="1069832"/>
             <a:ext cx="251700" cy="328500"/>
           </a:xfrm>
           <a:prstGeom prst="straightConnector1">
@@ -11629,13 +13025,13 @@
       </p:cxnSp>
       <p:sp>
         <p:nvSpPr>
-          <p:cNvPr id="83" name="Google Shape;83;p4"/>
+          <p:cNvPr id="89" name="Google Shape;89;p4"/>
           <p:cNvSpPr txBox="1"/>
           <p:nvPr/>
         </p:nvSpPr>
         <p:spPr>
           <a:xfrm>
-            <a:off x="3568700" y="868350"/>
+            <a:off x="2175070" y="868350"/>
             <a:ext cx="1097400" cy="274200"/>
           </a:xfrm>
           <a:prstGeom prst="rect">
@@ -11695,13 +13091,13 @@
       </p:sp>
       <p:sp>
         <p:nvSpPr>
-          <p:cNvPr id="84" name="Google Shape;84;p4"/>
+          <p:cNvPr id="90" name="Google Shape;90;p4"/>
           <p:cNvSpPr txBox="1"/>
           <p:nvPr/>
         </p:nvSpPr>
         <p:spPr>
           <a:xfrm>
-            <a:off x="3568700" y="1325550"/>
+            <a:off x="2175070" y="1325550"/>
             <a:ext cx="1097400" cy="274200"/>
           </a:xfrm>
           <a:prstGeom prst="rect">
@@ -11761,13 +13157,13 @@
       </p:sp>
       <p:sp>
         <p:nvSpPr>
-          <p:cNvPr id="85" name="Google Shape;85;p4"/>
+          <p:cNvPr id="91" name="Google Shape;91;p4"/>
           <p:cNvSpPr txBox="1"/>
           <p:nvPr/>
         </p:nvSpPr>
         <p:spPr>
           <a:xfrm>
-            <a:off x="2201350" y="914400"/>
+            <a:off x="807720" y="914400"/>
             <a:ext cx="479700" cy="182100"/>
           </a:xfrm>
           <a:prstGeom prst="rect">
@@ -11829,13 +13225,13 @@
       </p:sp>
       <p:sp>
         <p:nvSpPr>
-          <p:cNvPr id="86" name="Google Shape;86;p4"/>
+          <p:cNvPr id="92" name="Google Shape;92;p4"/>
           <p:cNvSpPr txBox="1"/>
           <p:nvPr/>
         </p:nvSpPr>
         <p:spPr>
           <a:xfrm>
-            <a:off x="1667950" y="1371600"/>
+            <a:off x="274320" y="1371600"/>
             <a:ext cx="479700" cy="182100"/>
           </a:xfrm>
           <a:prstGeom prst="rect">
@@ -11897,7 +13293,7 @@
       </p:sp>
       <p:sp>
         <p:nvSpPr>
-          <p:cNvPr id="87" name="Google Shape;87;p4"/>
+          <p:cNvPr id="93" name="Google Shape;93;p4"/>
           <p:cNvSpPr txBox="1"/>
           <p:nvPr/>
         </p:nvSpPr>
@@ -11940,6 +13336,10 @@
               <a:buNone/>
             </a:pPr>
             <a:r>
+              <a:rPr lang="en"/>
+              <a:t>3. Opdracht </a:t>
+            </a:r>
+            <a:r>
               <a:rPr b="0" i="0" lang="en" sz="1400" u="none" cap="none" strike="noStrike">
                 <a:solidFill>
                   <a:srgbClr val="000000"/>
@@ -11960,6 +13360,346 @@
               <a:cs typeface="Arial"/>
               <a:sym typeface="Arial"/>
             </a:endParaRPr>
+          </a:p>
+        </p:txBody>
+      </p:sp>
+      <p:sp>
+        <p:nvSpPr>
+          <p:cNvPr id="94" name="Google Shape;94;p4"/>
+          <p:cNvSpPr txBox="1"/>
+          <p:nvPr/>
+        </p:nvSpPr>
+        <p:spPr>
+          <a:xfrm>
+            <a:off x="275925" y="4223750"/>
+            <a:ext cx="1875000" cy="601200"/>
+          </a:xfrm>
+          <a:prstGeom prst="rect">
+            <a:avLst/>
+          </a:prstGeom>
+          <a:solidFill>
+            <a:srgbClr val="CFE2F3"/>
+          </a:solidFill>
+          <a:ln cap="flat" cmpd="sng" w="9525">
+            <a:solidFill>
+              <a:srgbClr val="000000"/>
+            </a:solidFill>
+            <a:prstDash val="solid"/>
+            <a:round/>
+            <a:headEnd len="sm" w="sm" type="none"/>
+            <a:tailEnd len="sm" w="sm" type="none"/>
+          </a:ln>
+        </p:spPr>
+        <p:txBody>
+          <a:bodyPr anchorCtr="0" anchor="t" bIns="91425" lIns="91425" spcFirstLastPara="1" rIns="91425" wrap="square" tIns="91425">
+            <a:noAutofit/>
+          </a:bodyPr>
+          <a:lstStyle/>
+          <a:p>
+            <a:pPr indent="0" lvl="0" marL="0" marR="0" rtl="0" algn="l">
+              <a:lnSpc>
+                <a:spcPct val="100000"/>
+              </a:lnSpc>
+              <a:spcBef>
+                <a:spcPts val="0"/>
+              </a:spcBef>
+              <a:spcAft>
+                <a:spcPts val="0"/>
+              </a:spcAft>
+              <a:buClr>
+                <a:srgbClr val="000000"/>
+              </a:buClr>
+              <a:buSzPts val="1100"/>
+              <a:buFont typeface="Arial"/>
+              <a:buNone/>
+            </a:pPr>
+            <a:r>
+              <a:rPr b="0" i="0" lang="en" sz="1400" u="none" cap="none" strike="noStrike">
+                <a:solidFill>
+                  <a:srgbClr val="000000"/>
+                </a:solidFill>
+                <a:latin typeface="Arial"/>
+                <a:ea typeface="Arial"/>
+                <a:cs typeface="Arial"/>
+                <a:sym typeface="Arial"/>
+              </a:rPr>
+              <a:t>git branch</a:t>
+            </a:r>
+            <a:endParaRPr/>
+          </a:p>
+          <a:p>
+            <a:pPr indent="0" lvl="0" marL="0" marR="0" rtl="0" algn="l">
+              <a:lnSpc>
+                <a:spcPct val="100000"/>
+              </a:lnSpc>
+              <a:spcBef>
+                <a:spcPts val="0"/>
+              </a:spcBef>
+              <a:spcAft>
+                <a:spcPts val="0"/>
+              </a:spcAft>
+              <a:buClr>
+                <a:srgbClr val="000000"/>
+              </a:buClr>
+              <a:buSzPts val="1100"/>
+              <a:buFont typeface="Arial"/>
+              <a:buNone/>
+            </a:pPr>
+            <a:r>
+              <a:rPr b="0" i="0" lang="en" sz="1400" u="none" cap="none" strike="noStrike">
+                <a:solidFill>
+                  <a:srgbClr val="000000"/>
+                </a:solidFill>
+                <a:latin typeface="Arial"/>
+                <a:ea typeface="Arial"/>
+                <a:cs typeface="Arial"/>
+                <a:sym typeface="Arial"/>
+              </a:rPr>
+              <a:t>git </a:t>
+            </a:r>
+            <a:r>
+              <a:rPr lang="en"/>
+              <a:t>checkout</a:t>
+            </a:r>
+            <a:endParaRPr b="0" i="0" sz="1400" u="none" cap="none" strike="noStrike">
+              <a:solidFill>
+                <a:srgbClr val="000000"/>
+              </a:solidFill>
+              <a:latin typeface="Arial"/>
+              <a:ea typeface="Arial"/>
+              <a:cs typeface="Arial"/>
+              <a:sym typeface="Arial"/>
+            </a:endParaRPr>
+          </a:p>
+        </p:txBody>
+      </p:sp>
+      <p:sp>
+        <p:nvSpPr>
+          <p:cNvPr id="95" name="Google Shape;95;p4"/>
+          <p:cNvSpPr txBox="1"/>
+          <p:nvPr/>
+        </p:nvSpPr>
+        <p:spPr>
+          <a:xfrm>
+            <a:off x="3621025" y="740675"/>
+            <a:ext cx="5523000" cy="3123900"/>
+          </a:xfrm>
+          <a:prstGeom prst="rect">
+            <a:avLst/>
+          </a:prstGeom>
+          <a:noFill/>
+          <a:ln>
+            <a:noFill/>
+          </a:ln>
+        </p:spPr>
+        <p:txBody>
+          <a:bodyPr anchorCtr="0" anchor="t" bIns="91425" lIns="91425" spcFirstLastPara="1" rIns="91425" wrap="square" tIns="91425">
+            <a:noAutofit/>
+          </a:bodyPr>
+          <a:lstStyle/>
+          <a:p>
+            <a:pPr indent="-330200" lvl="0" marL="457200" rtl="0" algn="l">
+              <a:spcBef>
+                <a:spcPts val="0"/>
+              </a:spcBef>
+              <a:spcAft>
+                <a:spcPts val="0"/>
+              </a:spcAft>
+              <a:buSzPts val="1600"/>
+              <a:buChar char="●"/>
+            </a:pPr>
+            <a:r>
+              <a:rPr lang="en" sz="1600"/>
+              <a:t>maak initial commit</a:t>
+            </a:r>
+            <a:endParaRPr sz="1600"/>
+          </a:p>
+          <a:p>
+            <a:pPr indent="-330200" lvl="0" marL="457200" rtl="0" algn="l">
+              <a:spcBef>
+                <a:spcPts val="0"/>
+              </a:spcBef>
+              <a:spcAft>
+                <a:spcPts val="0"/>
+              </a:spcAft>
+              <a:buSzPts val="1600"/>
+              <a:buChar char="●"/>
+            </a:pPr>
+            <a:r>
+              <a:rPr lang="en" sz="1600"/>
+              <a:t>maak nieuwe branch develop</a:t>
+            </a:r>
+            <a:endParaRPr sz="1600"/>
+          </a:p>
+          <a:p>
+            <a:pPr indent="-330200" lvl="0" marL="457200" rtl="0" algn="l">
+              <a:spcBef>
+                <a:spcPts val="0"/>
+              </a:spcBef>
+              <a:spcAft>
+                <a:spcPts val="0"/>
+              </a:spcAft>
+              <a:buSzPts val="1600"/>
+              <a:buChar char="●"/>
+            </a:pPr>
+            <a:r>
+              <a:rPr lang="en" sz="1600"/>
+              <a:t>checkout develop</a:t>
+            </a:r>
+            <a:endParaRPr sz="1600"/>
+          </a:p>
+          <a:p>
+            <a:pPr indent="-330200" lvl="0" marL="457200" rtl="0" algn="l">
+              <a:spcBef>
+                <a:spcPts val="0"/>
+              </a:spcBef>
+              <a:spcAft>
+                <a:spcPts val="0"/>
+              </a:spcAft>
+              <a:buSzPts val="1600"/>
+              <a:buChar char="●"/>
+            </a:pPr>
+            <a:r>
+              <a:rPr lang="en" sz="1600"/>
+              <a:t>maak wijziging en commit</a:t>
+            </a:r>
+            <a:endParaRPr sz="1600"/>
+          </a:p>
+          <a:p>
+            <a:pPr indent="-330200" lvl="0" marL="457200" rtl="0" algn="l">
+              <a:spcBef>
+                <a:spcPts val="0"/>
+              </a:spcBef>
+              <a:spcAft>
+                <a:spcPts val="0"/>
+              </a:spcAft>
+              <a:buSzPts val="1600"/>
+              <a:buChar char="●"/>
+            </a:pPr>
+            <a:r>
+              <a:rPr lang="en" sz="1600"/>
+              <a:t>maak nog wijziging en commit</a:t>
+            </a:r>
+            <a:endParaRPr sz="1600"/>
+          </a:p>
+          <a:p>
+            <a:pPr indent="-330200" lvl="0" marL="457200" rtl="0" algn="l">
+              <a:spcBef>
+                <a:spcPts val="0"/>
+              </a:spcBef>
+              <a:spcAft>
+                <a:spcPts val="0"/>
+              </a:spcAft>
+              <a:buSzPts val="1600"/>
+              <a:buChar char="●"/>
+            </a:pPr>
+            <a:r>
+              <a:rPr lang="en" sz="1600"/>
+              <a:t>checkout master</a:t>
+            </a:r>
+            <a:endParaRPr sz="1600"/>
+          </a:p>
+          <a:p>
+            <a:pPr indent="-330200" lvl="0" marL="457200" rtl="0" algn="l">
+              <a:spcBef>
+                <a:spcPts val="0"/>
+              </a:spcBef>
+              <a:spcAft>
+                <a:spcPts val="0"/>
+              </a:spcAft>
+              <a:buSzPts val="1600"/>
+              <a:buChar char="●"/>
+            </a:pPr>
+            <a:r>
+              <a:rPr lang="en" sz="1600"/>
+              <a:t>merge develop in master</a:t>
+            </a:r>
+            <a:endParaRPr sz="1600"/>
+          </a:p>
+          <a:p>
+            <a:pPr indent="-330200" lvl="0" marL="457200" rtl="0" algn="l">
+              <a:spcBef>
+                <a:spcPts val="0"/>
+              </a:spcBef>
+              <a:spcAft>
+                <a:spcPts val="0"/>
+              </a:spcAft>
+              <a:buSzPts val="1600"/>
+              <a:buChar char="●"/>
+            </a:pPr>
+            <a:r>
+              <a:rPr lang="en" sz="1600"/>
+              <a:t>commit changes</a:t>
+            </a:r>
+            <a:endParaRPr sz="1600"/>
+          </a:p>
+          <a:p>
+            <a:pPr indent="-330200" lvl="0" marL="457200" rtl="0" algn="l">
+              <a:spcBef>
+                <a:spcPts val="0"/>
+              </a:spcBef>
+              <a:spcAft>
+                <a:spcPts val="0"/>
+              </a:spcAft>
+              <a:buSzPts val="1600"/>
+              <a:buChar char="●"/>
+            </a:pPr>
+            <a:r>
+              <a:rPr lang="en" sz="1600"/>
+              <a:t>checkout develop</a:t>
+            </a:r>
+            <a:endParaRPr sz="1600"/>
+          </a:p>
+          <a:p>
+            <a:pPr indent="-330200" lvl="0" marL="457200" rtl="0" algn="l">
+              <a:spcBef>
+                <a:spcPts val="0"/>
+              </a:spcBef>
+              <a:spcAft>
+                <a:spcPts val="0"/>
+              </a:spcAft>
+              <a:buSzPts val="1600"/>
+              <a:buChar char="●"/>
+            </a:pPr>
+            <a:r>
+              <a:rPr lang="en" sz="1600"/>
+              <a:t>merge master in develop(fast-forward)</a:t>
+            </a:r>
+            <a:endParaRPr sz="1600"/>
+          </a:p>
+          <a:p>
+            <a:pPr indent="-330200" lvl="0" marL="457200" rtl="0" algn="l">
+              <a:spcBef>
+                <a:spcPts val="0"/>
+              </a:spcBef>
+              <a:spcAft>
+                <a:spcPts val="0"/>
+              </a:spcAft>
+              <a:buSzPts val="1600"/>
+              <a:buChar char="●"/>
+            </a:pPr>
+            <a:r>
+              <a:rPr lang="en" sz="1600"/>
+              <a:t>bekijk log</a:t>
+            </a:r>
+            <a:endParaRPr sz="1600"/>
+          </a:p>
+          <a:p>
+            <a:pPr indent="-330200" lvl="0" marL="457200" rtl="0" algn="l">
+              <a:spcBef>
+                <a:spcPts val="0"/>
+              </a:spcBef>
+              <a:spcAft>
+                <a:spcPts val="0"/>
+              </a:spcAft>
+              <a:buSzPts val="1600"/>
+              <a:buChar char="●"/>
+            </a:pPr>
+            <a:r>
+              <a:rPr lang="en" sz="1600"/>
+              <a:t>delete develop branch</a:t>
+            </a:r>
+            <a:endParaRPr sz="1600"/>
           </a:p>
         </p:txBody>
       </p:sp>
@@ -11976,7 +13716,7 @@
   <p:cSld>
     <p:spTree>
       <p:nvGrpSpPr>
-        <p:cNvPr id="91" name="Shape 91"/>
+        <p:cNvPr id="99" name="Shape 99"/>
         <p:cNvGrpSpPr/>
         <p:nvPr/>
       </p:nvGrpSpPr>
@@ -11990,13 +13730,13 @@
       </p:grpSpPr>
       <p:sp>
         <p:nvSpPr>
-          <p:cNvPr id="92" name="Google Shape;92;p5"/>
+          <p:cNvPr id="100" name="Google Shape;100;p5"/>
           <p:cNvSpPr/>
           <p:nvPr/>
         </p:nvSpPr>
         <p:spPr>
           <a:xfrm>
-            <a:off x="2852450" y="914400"/>
+            <a:off x="1458820" y="914400"/>
             <a:ext cx="183000" cy="182100"/>
           </a:xfrm>
           <a:prstGeom prst="ellipse">
@@ -12055,13 +13795,13 @@
       </p:sp>
       <p:sp>
         <p:nvSpPr>
-          <p:cNvPr id="93" name="Google Shape;93;p5"/>
+          <p:cNvPr id="101" name="Google Shape;101;p5"/>
           <p:cNvSpPr/>
           <p:nvPr/>
         </p:nvSpPr>
         <p:spPr>
           <a:xfrm>
-            <a:off x="3233450" y="1371600"/>
+            <a:off x="1839820" y="1371600"/>
             <a:ext cx="183000" cy="182100"/>
           </a:xfrm>
           <a:prstGeom prst="ellipse">
@@ -12120,16 +13860,16 @@
       </p:sp>
       <p:cxnSp>
         <p:nvCxnSpPr>
-          <p:cNvPr id="94" name="Google Shape;94;p5"/>
+          <p:cNvPr id="102" name="Google Shape;102;p5"/>
           <p:cNvCxnSpPr>
-            <a:stCxn id="92" idx="5"/>
-            <a:endCxn id="93" idx="1"/>
+            <a:stCxn id="100" idx="5"/>
+            <a:endCxn id="101" idx="1"/>
           </p:cNvCxnSpPr>
           <p:nvPr/>
         </p:nvCxnSpPr>
         <p:spPr>
           <a:xfrm>
-            <a:off x="3008650" y="1069832"/>
+            <a:off x="1615020" y="1069832"/>
             <a:ext cx="251700" cy="328500"/>
           </a:xfrm>
           <a:prstGeom prst="straightConnector1">
@@ -12149,13 +13889,13 @@
       </p:cxnSp>
       <p:sp>
         <p:nvSpPr>
-          <p:cNvPr id="95" name="Google Shape;95;p5"/>
+          <p:cNvPr id="103" name="Google Shape;103;p5"/>
           <p:cNvSpPr txBox="1"/>
           <p:nvPr/>
         </p:nvSpPr>
         <p:spPr>
           <a:xfrm>
-            <a:off x="3568700" y="868350"/>
+            <a:off x="2175070" y="868350"/>
             <a:ext cx="1097400" cy="274200"/>
           </a:xfrm>
           <a:prstGeom prst="rect">
@@ -12215,13 +13955,13 @@
       </p:sp>
       <p:sp>
         <p:nvSpPr>
-          <p:cNvPr id="96" name="Google Shape;96;p5"/>
+          <p:cNvPr id="104" name="Google Shape;104;p5"/>
           <p:cNvSpPr/>
           <p:nvPr/>
         </p:nvSpPr>
         <p:spPr>
           <a:xfrm>
-            <a:off x="3233450" y="1828800"/>
+            <a:off x="1839820" y="1828800"/>
             <a:ext cx="183000" cy="182100"/>
           </a:xfrm>
           <a:prstGeom prst="ellipse">
@@ -12280,13 +14020,13 @@
       </p:sp>
       <p:sp>
         <p:nvSpPr>
-          <p:cNvPr id="97" name="Google Shape;97;p5"/>
+          <p:cNvPr id="105" name="Google Shape;105;p5"/>
           <p:cNvSpPr txBox="1"/>
           <p:nvPr/>
         </p:nvSpPr>
         <p:spPr>
           <a:xfrm>
-            <a:off x="3568700" y="1325550"/>
+            <a:off x="2175070" y="1325550"/>
             <a:ext cx="1097400" cy="274200"/>
           </a:xfrm>
           <a:prstGeom prst="rect">
@@ -12346,13 +14086,13 @@
       </p:sp>
       <p:sp>
         <p:nvSpPr>
-          <p:cNvPr id="98" name="Google Shape;98;p5"/>
+          <p:cNvPr id="106" name="Google Shape;106;p5"/>
           <p:cNvSpPr txBox="1"/>
           <p:nvPr/>
         </p:nvSpPr>
         <p:spPr>
           <a:xfrm>
-            <a:off x="3568700" y="1782750"/>
+            <a:off x="2175070" y="1782750"/>
             <a:ext cx="1097400" cy="274200"/>
           </a:xfrm>
           <a:prstGeom prst="rect">
@@ -12412,13 +14152,13 @@
       </p:sp>
       <p:sp>
         <p:nvSpPr>
-          <p:cNvPr id="99" name="Google Shape;99;p5"/>
+          <p:cNvPr id="107" name="Google Shape;107;p5"/>
           <p:cNvSpPr txBox="1"/>
           <p:nvPr/>
         </p:nvSpPr>
         <p:spPr>
           <a:xfrm>
-            <a:off x="2201350" y="914400"/>
+            <a:off x="807720" y="914400"/>
             <a:ext cx="479700" cy="182100"/>
           </a:xfrm>
           <a:prstGeom prst="rect">
@@ -12480,16 +14220,16 @@
       </p:sp>
       <p:cxnSp>
         <p:nvCxnSpPr>
-          <p:cNvPr id="100" name="Google Shape;100;p5"/>
+          <p:cNvPr id="108" name="Google Shape;108;p5"/>
           <p:cNvCxnSpPr>
-            <a:stCxn id="93" idx="4"/>
-            <a:endCxn id="96" idx="0"/>
+            <a:stCxn id="101" idx="4"/>
+            <a:endCxn id="104" idx="0"/>
           </p:cNvCxnSpPr>
           <p:nvPr/>
         </p:nvCxnSpPr>
         <p:spPr>
           <a:xfrm>
-            <a:off x="3324950" y="1553700"/>
+            <a:off x="1931320" y="1553700"/>
             <a:ext cx="0" cy="275100"/>
           </a:xfrm>
           <a:prstGeom prst="straightConnector1">
@@ -12509,13 +14249,13 @@
       </p:cxnSp>
       <p:sp>
         <p:nvSpPr>
-          <p:cNvPr id="101" name="Google Shape;101;p5"/>
+          <p:cNvPr id="109" name="Google Shape;109;p5"/>
           <p:cNvSpPr txBox="1"/>
           <p:nvPr/>
         </p:nvSpPr>
         <p:spPr>
           <a:xfrm>
-            <a:off x="1667950" y="1828800"/>
+            <a:off x="274320" y="1828800"/>
             <a:ext cx="479700" cy="182100"/>
           </a:xfrm>
           <a:prstGeom prst="rect">
@@ -12577,7 +14317,7 @@
       </p:sp>
       <p:sp>
         <p:nvSpPr>
-          <p:cNvPr id="102" name="Google Shape;102;p5"/>
+          <p:cNvPr id="110" name="Google Shape;110;p5"/>
           <p:cNvSpPr txBox="1"/>
           <p:nvPr/>
         </p:nvSpPr>
@@ -12620,6 +14360,10 @@
               <a:buNone/>
             </a:pPr>
             <a:r>
+              <a:rPr lang="en"/>
+              <a:t>3. Opdracht </a:t>
+            </a:r>
+            <a:r>
               <a:rPr b="0" i="0" lang="en" sz="1400" u="none" cap="none" strike="noStrike">
                 <a:solidFill>
                   <a:srgbClr val="000000"/>
@@ -12640,6 +14384,346 @@
               <a:cs typeface="Arial"/>
               <a:sym typeface="Arial"/>
             </a:endParaRPr>
+          </a:p>
+        </p:txBody>
+      </p:sp>
+      <p:sp>
+        <p:nvSpPr>
+          <p:cNvPr id="111" name="Google Shape;111;p5"/>
+          <p:cNvSpPr txBox="1"/>
+          <p:nvPr/>
+        </p:nvSpPr>
+        <p:spPr>
+          <a:xfrm>
+            <a:off x="275925" y="4223750"/>
+            <a:ext cx="1875000" cy="601200"/>
+          </a:xfrm>
+          <a:prstGeom prst="rect">
+            <a:avLst/>
+          </a:prstGeom>
+          <a:solidFill>
+            <a:srgbClr val="CFE2F3"/>
+          </a:solidFill>
+          <a:ln cap="flat" cmpd="sng" w="9525">
+            <a:solidFill>
+              <a:srgbClr val="000000"/>
+            </a:solidFill>
+            <a:prstDash val="solid"/>
+            <a:round/>
+            <a:headEnd len="sm" w="sm" type="none"/>
+            <a:tailEnd len="sm" w="sm" type="none"/>
+          </a:ln>
+        </p:spPr>
+        <p:txBody>
+          <a:bodyPr anchorCtr="0" anchor="t" bIns="91425" lIns="91425" spcFirstLastPara="1" rIns="91425" wrap="square" tIns="91425">
+            <a:noAutofit/>
+          </a:bodyPr>
+          <a:lstStyle/>
+          <a:p>
+            <a:pPr indent="0" lvl="0" marL="0" marR="0" rtl="0" algn="l">
+              <a:lnSpc>
+                <a:spcPct val="100000"/>
+              </a:lnSpc>
+              <a:spcBef>
+                <a:spcPts val="0"/>
+              </a:spcBef>
+              <a:spcAft>
+                <a:spcPts val="0"/>
+              </a:spcAft>
+              <a:buClr>
+                <a:srgbClr val="000000"/>
+              </a:buClr>
+              <a:buSzPts val="1100"/>
+              <a:buFont typeface="Arial"/>
+              <a:buNone/>
+            </a:pPr>
+            <a:r>
+              <a:rPr b="0" i="0" lang="en" sz="1400" u="none" cap="none" strike="noStrike">
+                <a:solidFill>
+                  <a:srgbClr val="000000"/>
+                </a:solidFill>
+                <a:latin typeface="Arial"/>
+                <a:ea typeface="Arial"/>
+                <a:cs typeface="Arial"/>
+                <a:sym typeface="Arial"/>
+              </a:rPr>
+              <a:t>git branch</a:t>
+            </a:r>
+            <a:endParaRPr/>
+          </a:p>
+          <a:p>
+            <a:pPr indent="0" lvl="0" marL="0" marR="0" rtl="0" algn="l">
+              <a:lnSpc>
+                <a:spcPct val="100000"/>
+              </a:lnSpc>
+              <a:spcBef>
+                <a:spcPts val="0"/>
+              </a:spcBef>
+              <a:spcAft>
+                <a:spcPts val="0"/>
+              </a:spcAft>
+              <a:buClr>
+                <a:srgbClr val="000000"/>
+              </a:buClr>
+              <a:buSzPts val="1100"/>
+              <a:buFont typeface="Arial"/>
+              <a:buNone/>
+            </a:pPr>
+            <a:r>
+              <a:rPr b="0" i="0" lang="en" sz="1400" u="none" cap="none" strike="noStrike">
+                <a:solidFill>
+                  <a:srgbClr val="000000"/>
+                </a:solidFill>
+                <a:latin typeface="Arial"/>
+                <a:ea typeface="Arial"/>
+                <a:cs typeface="Arial"/>
+                <a:sym typeface="Arial"/>
+              </a:rPr>
+              <a:t>git </a:t>
+            </a:r>
+            <a:r>
+              <a:rPr lang="en"/>
+              <a:t>checkout</a:t>
+            </a:r>
+            <a:endParaRPr b="0" i="0" sz="1400" u="none" cap="none" strike="noStrike">
+              <a:solidFill>
+                <a:srgbClr val="000000"/>
+              </a:solidFill>
+              <a:latin typeface="Arial"/>
+              <a:ea typeface="Arial"/>
+              <a:cs typeface="Arial"/>
+              <a:sym typeface="Arial"/>
+            </a:endParaRPr>
+          </a:p>
+        </p:txBody>
+      </p:sp>
+      <p:sp>
+        <p:nvSpPr>
+          <p:cNvPr id="112" name="Google Shape;112;p5"/>
+          <p:cNvSpPr txBox="1"/>
+          <p:nvPr/>
+        </p:nvSpPr>
+        <p:spPr>
+          <a:xfrm>
+            <a:off x="3621025" y="740675"/>
+            <a:ext cx="5523000" cy="3123900"/>
+          </a:xfrm>
+          <a:prstGeom prst="rect">
+            <a:avLst/>
+          </a:prstGeom>
+          <a:noFill/>
+          <a:ln>
+            <a:noFill/>
+          </a:ln>
+        </p:spPr>
+        <p:txBody>
+          <a:bodyPr anchorCtr="0" anchor="t" bIns="91425" lIns="91425" spcFirstLastPara="1" rIns="91425" wrap="square" tIns="91425">
+            <a:noAutofit/>
+          </a:bodyPr>
+          <a:lstStyle/>
+          <a:p>
+            <a:pPr indent="-330200" lvl="0" marL="457200" rtl="0" algn="l">
+              <a:spcBef>
+                <a:spcPts val="0"/>
+              </a:spcBef>
+              <a:spcAft>
+                <a:spcPts val="0"/>
+              </a:spcAft>
+              <a:buSzPts val="1600"/>
+              <a:buChar char="●"/>
+            </a:pPr>
+            <a:r>
+              <a:rPr lang="en" sz="1600"/>
+              <a:t>maak initial commit</a:t>
+            </a:r>
+            <a:endParaRPr sz="1600"/>
+          </a:p>
+          <a:p>
+            <a:pPr indent="-330200" lvl="0" marL="457200" rtl="0" algn="l">
+              <a:spcBef>
+                <a:spcPts val="0"/>
+              </a:spcBef>
+              <a:spcAft>
+                <a:spcPts val="0"/>
+              </a:spcAft>
+              <a:buSzPts val="1600"/>
+              <a:buChar char="●"/>
+            </a:pPr>
+            <a:r>
+              <a:rPr lang="en" sz="1600"/>
+              <a:t>maak nieuwe branch develop</a:t>
+            </a:r>
+            <a:endParaRPr sz="1600"/>
+          </a:p>
+          <a:p>
+            <a:pPr indent="-330200" lvl="0" marL="457200" rtl="0" algn="l">
+              <a:spcBef>
+                <a:spcPts val="0"/>
+              </a:spcBef>
+              <a:spcAft>
+                <a:spcPts val="0"/>
+              </a:spcAft>
+              <a:buSzPts val="1600"/>
+              <a:buChar char="●"/>
+            </a:pPr>
+            <a:r>
+              <a:rPr lang="en" sz="1600"/>
+              <a:t>checkout develop</a:t>
+            </a:r>
+            <a:endParaRPr sz="1600"/>
+          </a:p>
+          <a:p>
+            <a:pPr indent="-330200" lvl="0" marL="457200" rtl="0" algn="l">
+              <a:spcBef>
+                <a:spcPts val="0"/>
+              </a:spcBef>
+              <a:spcAft>
+                <a:spcPts val="0"/>
+              </a:spcAft>
+              <a:buSzPts val="1600"/>
+              <a:buChar char="●"/>
+            </a:pPr>
+            <a:r>
+              <a:rPr lang="en" sz="1600"/>
+              <a:t>maak wijziging en commit</a:t>
+            </a:r>
+            <a:endParaRPr sz="1600"/>
+          </a:p>
+          <a:p>
+            <a:pPr indent="-330200" lvl="0" marL="457200" rtl="0" algn="l">
+              <a:spcBef>
+                <a:spcPts val="0"/>
+              </a:spcBef>
+              <a:spcAft>
+                <a:spcPts val="0"/>
+              </a:spcAft>
+              <a:buSzPts val="1600"/>
+              <a:buChar char="●"/>
+            </a:pPr>
+            <a:r>
+              <a:rPr lang="en" sz="1600"/>
+              <a:t>maak nog wijziging en commit</a:t>
+            </a:r>
+            <a:endParaRPr sz="1600"/>
+          </a:p>
+          <a:p>
+            <a:pPr indent="-330200" lvl="0" marL="457200" rtl="0" algn="l">
+              <a:spcBef>
+                <a:spcPts val="0"/>
+              </a:spcBef>
+              <a:spcAft>
+                <a:spcPts val="0"/>
+              </a:spcAft>
+              <a:buSzPts val="1600"/>
+              <a:buChar char="●"/>
+            </a:pPr>
+            <a:r>
+              <a:rPr lang="en" sz="1600"/>
+              <a:t>checkout master</a:t>
+            </a:r>
+            <a:endParaRPr sz="1600"/>
+          </a:p>
+          <a:p>
+            <a:pPr indent="-330200" lvl="0" marL="457200" rtl="0" algn="l">
+              <a:spcBef>
+                <a:spcPts val="0"/>
+              </a:spcBef>
+              <a:spcAft>
+                <a:spcPts val="0"/>
+              </a:spcAft>
+              <a:buSzPts val="1600"/>
+              <a:buChar char="●"/>
+            </a:pPr>
+            <a:r>
+              <a:rPr lang="en" sz="1600"/>
+              <a:t>merge develop in master</a:t>
+            </a:r>
+            <a:endParaRPr sz="1600"/>
+          </a:p>
+          <a:p>
+            <a:pPr indent="-330200" lvl="0" marL="457200" rtl="0" algn="l">
+              <a:spcBef>
+                <a:spcPts val="0"/>
+              </a:spcBef>
+              <a:spcAft>
+                <a:spcPts val="0"/>
+              </a:spcAft>
+              <a:buSzPts val="1600"/>
+              <a:buChar char="●"/>
+            </a:pPr>
+            <a:r>
+              <a:rPr lang="en" sz="1600"/>
+              <a:t>commit changes</a:t>
+            </a:r>
+            <a:endParaRPr sz="1600"/>
+          </a:p>
+          <a:p>
+            <a:pPr indent="-330200" lvl="0" marL="457200" rtl="0" algn="l">
+              <a:spcBef>
+                <a:spcPts val="0"/>
+              </a:spcBef>
+              <a:spcAft>
+                <a:spcPts val="0"/>
+              </a:spcAft>
+              <a:buSzPts val="1600"/>
+              <a:buChar char="●"/>
+            </a:pPr>
+            <a:r>
+              <a:rPr lang="en" sz="1600"/>
+              <a:t>checkout develop</a:t>
+            </a:r>
+            <a:endParaRPr sz="1600"/>
+          </a:p>
+          <a:p>
+            <a:pPr indent="-330200" lvl="0" marL="457200" rtl="0" algn="l">
+              <a:spcBef>
+                <a:spcPts val="0"/>
+              </a:spcBef>
+              <a:spcAft>
+                <a:spcPts val="0"/>
+              </a:spcAft>
+              <a:buSzPts val="1600"/>
+              <a:buChar char="●"/>
+            </a:pPr>
+            <a:r>
+              <a:rPr lang="en" sz="1600"/>
+              <a:t>merge master in develop(fast-forward)</a:t>
+            </a:r>
+            <a:endParaRPr sz="1600"/>
+          </a:p>
+          <a:p>
+            <a:pPr indent="-330200" lvl="0" marL="457200" rtl="0" algn="l">
+              <a:spcBef>
+                <a:spcPts val="0"/>
+              </a:spcBef>
+              <a:spcAft>
+                <a:spcPts val="0"/>
+              </a:spcAft>
+              <a:buSzPts val="1600"/>
+              <a:buChar char="●"/>
+            </a:pPr>
+            <a:r>
+              <a:rPr lang="en" sz="1600"/>
+              <a:t>bekijk log</a:t>
+            </a:r>
+            <a:endParaRPr sz="1600"/>
+          </a:p>
+          <a:p>
+            <a:pPr indent="-330200" lvl="0" marL="457200" rtl="0" algn="l">
+              <a:spcBef>
+                <a:spcPts val="0"/>
+              </a:spcBef>
+              <a:spcAft>
+                <a:spcPts val="0"/>
+              </a:spcAft>
+              <a:buSzPts val="1600"/>
+              <a:buChar char="●"/>
+            </a:pPr>
+            <a:r>
+              <a:rPr lang="en" sz="1600"/>
+              <a:t>delete develop branch</a:t>
+            </a:r>
+            <a:endParaRPr sz="1600"/>
           </a:p>
         </p:txBody>
       </p:sp>
@@ -12656,7 +14740,7 @@
   <p:cSld>
     <p:spTree>
       <p:nvGrpSpPr>
-        <p:cNvPr id="106" name="Shape 106"/>
+        <p:cNvPr id="116" name="Shape 116"/>
         <p:cNvGrpSpPr/>
         <p:nvPr/>
       </p:nvGrpSpPr>
@@ -12670,13 +14754,13 @@
       </p:grpSpPr>
       <p:sp>
         <p:nvSpPr>
-          <p:cNvPr id="107" name="Google Shape;107;g705185adf8_0_0"/>
+          <p:cNvPr id="117" name="Google Shape;117;g705185adf8_0_0"/>
           <p:cNvSpPr/>
           <p:nvPr/>
         </p:nvSpPr>
         <p:spPr>
           <a:xfrm>
-            <a:off x="2852450" y="914400"/>
+            <a:off x="1458820" y="914400"/>
             <a:ext cx="183000" cy="182100"/>
           </a:xfrm>
           <a:prstGeom prst="ellipse">
@@ -12735,13 +14819,13 @@
       </p:sp>
       <p:sp>
         <p:nvSpPr>
-          <p:cNvPr id="108" name="Google Shape;108;g705185adf8_0_0"/>
+          <p:cNvPr id="118" name="Google Shape;118;g705185adf8_0_0"/>
           <p:cNvSpPr/>
           <p:nvPr/>
         </p:nvSpPr>
         <p:spPr>
           <a:xfrm>
-            <a:off x="3233450" y="1371600"/>
+            <a:off x="1839820" y="1371600"/>
             <a:ext cx="183000" cy="182100"/>
           </a:xfrm>
           <a:prstGeom prst="ellipse">
@@ -12800,16 +14884,16 @@
       </p:sp>
       <p:cxnSp>
         <p:nvCxnSpPr>
-          <p:cNvPr id="109" name="Google Shape;109;g705185adf8_0_0"/>
+          <p:cNvPr id="119" name="Google Shape;119;g705185adf8_0_0"/>
           <p:cNvCxnSpPr>
-            <a:stCxn id="107" idx="5"/>
-            <a:endCxn id="108" idx="1"/>
+            <a:stCxn id="117" idx="5"/>
+            <a:endCxn id="118" idx="1"/>
           </p:cNvCxnSpPr>
           <p:nvPr/>
         </p:nvCxnSpPr>
         <p:spPr>
           <a:xfrm>
-            <a:off x="3008650" y="1069832"/>
+            <a:off x="1615020" y="1069832"/>
             <a:ext cx="251700" cy="328500"/>
           </a:xfrm>
           <a:prstGeom prst="straightConnector1">
@@ -12829,13 +14913,13 @@
       </p:cxnSp>
       <p:sp>
         <p:nvSpPr>
-          <p:cNvPr id="110" name="Google Shape;110;g705185adf8_0_0"/>
+          <p:cNvPr id="120" name="Google Shape;120;g705185adf8_0_0"/>
           <p:cNvSpPr txBox="1"/>
           <p:nvPr/>
         </p:nvSpPr>
         <p:spPr>
           <a:xfrm>
-            <a:off x="3568700" y="868350"/>
+            <a:off x="2175070" y="868350"/>
             <a:ext cx="1097400" cy="274200"/>
           </a:xfrm>
           <a:prstGeom prst="rect">
@@ -12895,13 +14979,13 @@
       </p:sp>
       <p:sp>
         <p:nvSpPr>
-          <p:cNvPr id="111" name="Google Shape;111;g705185adf8_0_0"/>
+          <p:cNvPr id="121" name="Google Shape;121;g705185adf8_0_0"/>
           <p:cNvSpPr/>
           <p:nvPr/>
         </p:nvSpPr>
         <p:spPr>
           <a:xfrm>
-            <a:off x="3233450" y="1828800"/>
+            <a:off x="1839820" y="1828800"/>
             <a:ext cx="183000" cy="182100"/>
           </a:xfrm>
           <a:prstGeom prst="ellipse">
@@ -12960,13 +15044,13 @@
       </p:sp>
       <p:sp>
         <p:nvSpPr>
-          <p:cNvPr id="112" name="Google Shape;112;g705185adf8_0_0"/>
+          <p:cNvPr id="122" name="Google Shape;122;g705185adf8_0_0"/>
           <p:cNvSpPr txBox="1"/>
           <p:nvPr/>
         </p:nvSpPr>
         <p:spPr>
           <a:xfrm>
-            <a:off x="3568700" y="1325550"/>
+            <a:off x="2175070" y="1325550"/>
             <a:ext cx="1097400" cy="274200"/>
           </a:xfrm>
           <a:prstGeom prst="rect">
@@ -13026,13 +15110,13 @@
       </p:sp>
       <p:sp>
         <p:nvSpPr>
-          <p:cNvPr id="113" name="Google Shape;113;g705185adf8_0_0"/>
+          <p:cNvPr id="123" name="Google Shape;123;g705185adf8_0_0"/>
           <p:cNvSpPr txBox="1"/>
           <p:nvPr/>
         </p:nvSpPr>
         <p:spPr>
           <a:xfrm>
-            <a:off x="3568700" y="1782750"/>
+            <a:off x="2175070" y="1782750"/>
             <a:ext cx="1097400" cy="274200"/>
           </a:xfrm>
           <a:prstGeom prst="rect">
@@ -13092,13 +15176,13 @@
       </p:sp>
       <p:sp>
         <p:nvSpPr>
-          <p:cNvPr id="114" name="Google Shape;114;g705185adf8_0_0"/>
+          <p:cNvPr id="124" name="Google Shape;124;g705185adf8_0_0"/>
           <p:cNvSpPr txBox="1"/>
           <p:nvPr/>
         </p:nvSpPr>
         <p:spPr>
           <a:xfrm>
-            <a:off x="2201350" y="914400"/>
+            <a:off x="807720" y="914400"/>
             <a:ext cx="479700" cy="182100"/>
           </a:xfrm>
           <a:prstGeom prst="rect">
@@ -13139,6 +15223,10 @@
                 <a:solidFill>
                   <a:srgbClr val="000000"/>
                 </a:solidFill>
+                <a:latin typeface="Arial"/>
+                <a:ea typeface="Arial"/>
+                <a:cs typeface="Arial"/>
+                <a:sym typeface="Arial"/>
               </a:rPr>
               <a:t>master</a:t>
             </a:r>
@@ -13146,22 +15234,26 @@
               <a:solidFill>
                 <a:srgbClr val="000000"/>
               </a:solidFill>
+              <a:latin typeface="Arial"/>
+              <a:ea typeface="Arial"/>
+              <a:cs typeface="Arial"/>
+              <a:sym typeface="Arial"/>
             </a:endParaRPr>
           </a:p>
         </p:txBody>
       </p:sp>
       <p:cxnSp>
         <p:nvCxnSpPr>
-          <p:cNvPr id="115" name="Google Shape;115;g705185adf8_0_0"/>
+          <p:cNvPr id="125" name="Google Shape;125;g705185adf8_0_0"/>
           <p:cNvCxnSpPr>
-            <a:stCxn id="108" idx="4"/>
-            <a:endCxn id="111" idx="0"/>
+            <a:stCxn id="118" idx="4"/>
+            <a:endCxn id="121" idx="0"/>
           </p:cNvCxnSpPr>
           <p:nvPr/>
         </p:nvCxnSpPr>
         <p:spPr>
           <a:xfrm>
-            <a:off x="3324950" y="1553700"/>
+            <a:off x="1931320" y="1553700"/>
             <a:ext cx="0" cy="275100"/>
           </a:xfrm>
           <a:prstGeom prst="straightConnector1">
@@ -13181,13 +15273,13 @@
       </p:cxnSp>
       <p:sp>
         <p:nvSpPr>
-          <p:cNvPr id="116" name="Google Shape;116;g705185adf8_0_0"/>
+          <p:cNvPr id="126" name="Google Shape;126;g705185adf8_0_0"/>
           <p:cNvSpPr txBox="1"/>
           <p:nvPr/>
         </p:nvSpPr>
         <p:spPr>
           <a:xfrm>
-            <a:off x="1667950" y="1828800"/>
+            <a:off x="274320" y="1828800"/>
             <a:ext cx="479700" cy="182100"/>
           </a:xfrm>
           <a:prstGeom prst="rect">
@@ -13224,24 +15316,32 @@
               <a:buNone/>
             </a:pPr>
             <a:r>
-              <a:rPr i="0" lang="en" sz="900" u="none" cap="none" strike="noStrike">
+              <a:rPr b="0" i="0" lang="en" sz="900" u="none" cap="none" strike="noStrike">
                 <a:solidFill>
                   <a:srgbClr val="000000"/>
                 </a:solidFill>
+                <a:latin typeface="Arial"/>
+                <a:ea typeface="Arial"/>
+                <a:cs typeface="Arial"/>
+                <a:sym typeface="Arial"/>
               </a:rPr>
               <a:t>develop</a:t>
             </a:r>
-            <a:endParaRPr i="0" sz="900" u="none" cap="none" strike="noStrike">
+            <a:endParaRPr b="0" i="0" sz="900" u="none" cap="none" strike="noStrike">
               <a:solidFill>
                 <a:srgbClr val="000000"/>
               </a:solidFill>
+              <a:latin typeface="Arial"/>
+              <a:ea typeface="Arial"/>
+              <a:cs typeface="Arial"/>
+              <a:sym typeface="Arial"/>
             </a:endParaRPr>
           </a:p>
         </p:txBody>
       </p:sp>
       <p:sp>
         <p:nvSpPr>
-          <p:cNvPr id="117" name="Google Shape;117;g705185adf8_0_0"/>
+          <p:cNvPr id="127" name="Google Shape;127;g705185adf8_0_0"/>
           <p:cNvSpPr txBox="1"/>
           <p:nvPr/>
         </p:nvSpPr>
@@ -13284,6 +15384,10 @@
               <a:buNone/>
             </a:pPr>
             <a:r>
+              <a:rPr lang="en"/>
+              <a:t>3. Opdracht </a:t>
+            </a:r>
+            <a:r>
               <a:rPr b="0" i="0" lang="en" sz="1400" u="none" cap="none" strike="noStrike">
                 <a:solidFill>
                   <a:srgbClr val="000000"/>
@@ -13304,6 +15408,346 @@
               <a:cs typeface="Arial"/>
               <a:sym typeface="Arial"/>
             </a:endParaRPr>
+          </a:p>
+        </p:txBody>
+      </p:sp>
+      <p:sp>
+        <p:nvSpPr>
+          <p:cNvPr id="128" name="Google Shape;128;g705185adf8_0_0"/>
+          <p:cNvSpPr txBox="1"/>
+          <p:nvPr/>
+        </p:nvSpPr>
+        <p:spPr>
+          <a:xfrm>
+            <a:off x="275925" y="4223750"/>
+            <a:ext cx="1875000" cy="601200"/>
+          </a:xfrm>
+          <a:prstGeom prst="rect">
+            <a:avLst/>
+          </a:prstGeom>
+          <a:solidFill>
+            <a:srgbClr val="CFE2F3"/>
+          </a:solidFill>
+          <a:ln cap="flat" cmpd="sng" w="9525">
+            <a:solidFill>
+              <a:srgbClr val="000000"/>
+            </a:solidFill>
+            <a:prstDash val="solid"/>
+            <a:round/>
+            <a:headEnd len="sm" w="sm" type="none"/>
+            <a:tailEnd len="sm" w="sm" type="none"/>
+          </a:ln>
+        </p:spPr>
+        <p:txBody>
+          <a:bodyPr anchorCtr="0" anchor="t" bIns="91425" lIns="91425" spcFirstLastPara="1" rIns="91425" wrap="square" tIns="91425">
+            <a:noAutofit/>
+          </a:bodyPr>
+          <a:lstStyle/>
+          <a:p>
+            <a:pPr indent="0" lvl="0" marL="0" marR="0" rtl="0" algn="l">
+              <a:lnSpc>
+                <a:spcPct val="100000"/>
+              </a:lnSpc>
+              <a:spcBef>
+                <a:spcPts val="0"/>
+              </a:spcBef>
+              <a:spcAft>
+                <a:spcPts val="0"/>
+              </a:spcAft>
+              <a:buClr>
+                <a:srgbClr val="000000"/>
+              </a:buClr>
+              <a:buSzPts val="1100"/>
+              <a:buFont typeface="Arial"/>
+              <a:buNone/>
+            </a:pPr>
+            <a:r>
+              <a:rPr b="0" i="0" lang="en" sz="1400" u="none" cap="none" strike="noStrike">
+                <a:solidFill>
+                  <a:srgbClr val="000000"/>
+                </a:solidFill>
+                <a:latin typeface="Arial"/>
+                <a:ea typeface="Arial"/>
+                <a:cs typeface="Arial"/>
+                <a:sym typeface="Arial"/>
+              </a:rPr>
+              <a:t>git branch</a:t>
+            </a:r>
+            <a:endParaRPr/>
+          </a:p>
+          <a:p>
+            <a:pPr indent="0" lvl="0" marL="0" marR="0" rtl="0" algn="l">
+              <a:lnSpc>
+                <a:spcPct val="100000"/>
+              </a:lnSpc>
+              <a:spcBef>
+                <a:spcPts val="0"/>
+              </a:spcBef>
+              <a:spcAft>
+                <a:spcPts val="0"/>
+              </a:spcAft>
+              <a:buClr>
+                <a:srgbClr val="000000"/>
+              </a:buClr>
+              <a:buSzPts val="1100"/>
+              <a:buFont typeface="Arial"/>
+              <a:buNone/>
+            </a:pPr>
+            <a:r>
+              <a:rPr b="0" i="0" lang="en" sz="1400" u="none" cap="none" strike="noStrike">
+                <a:solidFill>
+                  <a:srgbClr val="000000"/>
+                </a:solidFill>
+                <a:latin typeface="Arial"/>
+                <a:ea typeface="Arial"/>
+                <a:cs typeface="Arial"/>
+                <a:sym typeface="Arial"/>
+              </a:rPr>
+              <a:t>git </a:t>
+            </a:r>
+            <a:r>
+              <a:rPr lang="en"/>
+              <a:t>checkout</a:t>
+            </a:r>
+            <a:endParaRPr b="0" i="0" sz="1400" u="none" cap="none" strike="noStrike">
+              <a:solidFill>
+                <a:srgbClr val="000000"/>
+              </a:solidFill>
+              <a:latin typeface="Arial"/>
+              <a:ea typeface="Arial"/>
+              <a:cs typeface="Arial"/>
+              <a:sym typeface="Arial"/>
+            </a:endParaRPr>
+          </a:p>
+        </p:txBody>
+      </p:sp>
+      <p:sp>
+        <p:nvSpPr>
+          <p:cNvPr id="129" name="Google Shape;129;g705185adf8_0_0"/>
+          <p:cNvSpPr txBox="1"/>
+          <p:nvPr/>
+        </p:nvSpPr>
+        <p:spPr>
+          <a:xfrm>
+            <a:off x="3621025" y="740675"/>
+            <a:ext cx="5523000" cy="3123900"/>
+          </a:xfrm>
+          <a:prstGeom prst="rect">
+            <a:avLst/>
+          </a:prstGeom>
+          <a:noFill/>
+          <a:ln>
+            <a:noFill/>
+          </a:ln>
+        </p:spPr>
+        <p:txBody>
+          <a:bodyPr anchorCtr="0" anchor="t" bIns="91425" lIns="91425" spcFirstLastPara="1" rIns="91425" wrap="square" tIns="91425">
+            <a:noAutofit/>
+          </a:bodyPr>
+          <a:lstStyle/>
+          <a:p>
+            <a:pPr indent="-330200" lvl="0" marL="457200" rtl="0" algn="l">
+              <a:spcBef>
+                <a:spcPts val="0"/>
+              </a:spcBef>
+              <a:spcAft>
+                <a:spcPts val="0"/>
+              </a:spcAft>
+              <a:buSzPts val="1600"/>
+              <a:buChar char="●"/>
+            </a:pPr>
+            <a:r>
+              <a:rPr lang="en" sz="1600"/>
+              <a:t>maak initial commit</a:t>
+            </a:r>
+            <a:endParaRPr sz="1600"/>
+          </a:p>
+          <a:p>
+            <a:pPr indent="-330200" lvl="0" marL="457200" rtl="0" algn="l">
+              <a:spcBef>
+                <a:spcPts val="0"/>
+              </a:spcBef>
+              <a:spcAft>
+                <a:spcPts val="0"/>
+              </a:spcAft>
+              <a:buSzPts val="1600"/>
+              <a:buChar char="●"/>
+            </a:pPr>
+            <a:r>
+              <a:rPr lang="en" sz="1600"/>
+              <a:t>maak nieuwe branch develop</a:t>
+            </a:r>
+            <a:endParaRPr sz="1600"/>
+          </a:p>
+          <a:p>
+            <a:pPr indent="-330200" lvl="0" marL="457200" rtl="0" algn="l">
+              <a:spcBef>
+                <a:spcPts val="0"/>
+              </a:spcBef>
+              <a:spcAft>
+                <a:spcPts val="0"/>
+              </a:spcAft>
+              <a:buSzPts val="1600"/>
+              <a:buChar char="●"/>
+            </a:pPr>
+            <a:r>
+              <a:rPr lang="en" sz="1600"/>
+              <a:t>checkout develop</a:t>
+            </a:r>
+            <a:endParaRPr sz="1600"/>
+          </a:p>
+          <a:p>
+            <a:pPr indent="-330200" lvl="0" marL="457200" rtl="0" algn="l">
+              <a:spcBef>
+                <a:spcPts val="0"/>
+              </a:spcBef>
+              <a:spcAft>
+                <a:spcPts val="0"/>
+              </a:spcAft>
+              <a:buSzPts val="1600"/>
+              <a:buChar char="●"/>
+            </a:pPr>
+            <a:r>
+              <a:rPr lang="en" sz="1600"/>
+              <a:t>maak wijziging en commit</a:t>
+            </a:r>
+            <a:endParaRPr sz="1600"/>
+          </a:p>
+          <a:p>
+            <a:pPr indent="-330200" lvl="0" marL="457200" rtl="0" algn="l">
+              <a:spcBef>
+                <a:spcPts val="0"/>
+              </a:spcBef>
+              <a:spcAft>
+                <a:spcPts val="0"/>
+              </a:spcAft>
+              <a:buSzPts val="1600"/>
+              <a:buChar char="●"/>
+            </a:pPr>
+            <a:r>
+              <a:rPr lang="en" sz="1600"/>
+              <a:t>maak nog wijziging en commit</a:t>
+            </a:r>
+            <a:endParaRPr sz="1600"/>
+          </a:p>
+          <a:p>
+            <a:pPr indent="-330200" lvl="0" marL="457200" rtl="0" algn="l">
+              <a:spcBef>
+                <a:spcPts val="0"/>
+              </a:spcBef>
+              <a:spcAft>
+                <a:spcPts val="0"/>
+              </a:spcAft>
+              <a:buSzPts val="1600"/>
+              <a:buChar char="●"/>
+            </a:pPr>
+            <a:r>
+              <a:rPr lang="en" sz="1600"/>
+              <a:t>checkout master</a:t>
+            </a:r>
+            <a:endParaRPr sz="1600"/>
+          </a:p>
+          <a:p>
+            <a:pPr indent="-330200" lvl="0" marL="457200" rtl="0" algn="l">
+              <a:spcBef>
+                <a:spcPts val="0"/>
+              </a:spcBef>
+              <a:spcAft>
+                <a:spcPts val="0"/>
+              </a:spcAft>
+              <a:buSzPts val="1600"/>
+              <a:buChar char="●"/>
+            </a:pPr>
+            <a:r>
+              <a:rPr lang="en" sz="1600"/>
+              <a:t>merge develop in master</a:t>
+            </a:r>
+            <a:endParaRPr sz="1600"/>
+          </a:p>
+          <a:p>
+            <a:pPr indent="-330200" lvl="0" marL="457200" rtl="0" algn="l">
+              <a:spcBef>
+                <a:spcPts val="0"/>
+              </a:spcBef>
+              <a:spcAft>
+                <a:spcPts val="0"/>
+              </a:spcAft>
+              <a:buSzPts val="1600"/>
+              <a:buChar char="●"/>
+            </a:pPr>
+            <a:r>
+              <a:rPr lang="en" sz="1600"/>
+              <a:t>commit changes</a:t>
+            </a:r>
+            <a:endParaRPr sz="1600"/>
+          </a:p>
+          <a:p>
+            <a:pPr indent="-330200" lvl="0" marL="457200" rtl="0" algn="l">
+              <a:spcBef>
+                <a:spcPts val="0"/>
+              </a:spcBef>
+              <a:spcAft>
+                <a:spcPts val="0"/>
+              </a:spcAft>
+              <a:buSzPts val="1600"/>
+              <a:buChar char="●"/>
+            </a:pPr>
+            <a:r>
+              <a:rPr lang="en" sz="1600"/>
+              <a:t>checkout develop</a:t>
+            </a:r>
+            <a:endParaRPr sz="1600"/>
+          </a:p>
+          <a:p>
+            <a:pPr indent="-330200" lvl="0" marL="457200" rtl="0" algn="l">
+              <a:spcBef>
+                <a:spcPts val="0"/>
+              </a:spcBef>
+              <a:spcAft>
+                <a:spcPts val="0"/>
+              </a:spcAft>
+              <a:buSzPts val="1600"/>
+              <a:buChar char="●"/>
+            </a:pPr>
+            <a:r>
+              <a:rPr lang="en" sz="1600"/>
+              <a:t>merge master in develop(fast-forward)</a:t>
+            </a:r>
+            <a:endParaRPr sz="1600"/>
+          </a:p>
+          <a:p>
+            <a:pPr indent="-330200" lvl="0" marL="457200" rtl="0" algn="l">
+              <a:spcBef>
+                <a:spcPts val="0"/>
+              </a:spcBef>
+              <a:spcAft>
+                <a:spcPts val="0"/>
+              </a:spcAft>
+              <a:buSzPts val="1600"/>
+              <a:buChar char="●"/>
+            </a:pPr>
+            <a:r>
+              <a:rPr lang="en" sz="1600"/>
+              <a:t>bekijk log</a:t>
+            </a:r>
+            <a:endParaRPr sz="1600"/>
+          </a:p>
+          <a:p>
+            <a:pPr indent="-330200" lvl="0" marL="457200" rtl="0" algn="l">
+              <a:spcBef>
+                <a:spcPts val="0"/>
+              </a:spcBef>
+              <a:spcAft>
+                <a:spcPts val="0"/>
+              </a:spcAft>
+              <a:buSzPts val="1600"/>
+              <a:buChar char="●"/>
+            </a:pPr>
+            <a:r>
+              <a:rPr lang="en" sz="1600"/>
+              <a:t>delete develop branch</a:t>
+            </a:r>
+            <a:endParaRPr sz="1600"/>
           </a:p>
         </p:txBody>
       </p:sp>
@@ -13320,7 +15764,7 @@
   <p:cSld>
     <p:spTree>
       <p:nvGrpSpPr>
-        <p:cNvPr id="121" name="Shape 121"/>
+        <p:cNvPr id="133" name="Shape 133"/>
         <p:cNvGrpSpPr/>
         <p:nvPr/>
       </p:nvGrpSpPr>
@@ -13334,13 +15778,13 @@
       </p:grpSpPr>
       <p:sp>
         <p:nvSpPr>
-          <p:cNvPr id="122" name="Google Shape;122;p6"/>
+          <p:cNvPr id="134" name="Google Shape;134;p6"/>
           <p:cNvSpPr/>
           <p:nvPr/>
         </p:nvSpPr>
         <p:spPr>
           <a:xfrm>
-            <a:off x="2852450" y="914400"/>
+            <a:off x="1458820" y="914400"/>
             <a:ext cx="183000" cy="182100"/>
           </a:xfrm>
           <a:prstGeom prst="ellipse">
@@ -13399,13 +15843,13 @@
       </p:sp>
       <p:sp>
         <p:nvSpPr>
-          <p:cNvPr id="123" name="Google Shape;123;p6"/>
+          <p:cNvPr id="135" name="Google Shape;135;p6"/>
           <p:cNvSpPr/>
           <p:nvPr/>
         </p:nvSpPr>
         <p:spPr>
           <a:xfrm>
-            <a:off x="3233450" y="1371600"/>
+            <a:off x="1839820" y="1371600"/>
             <a:ext cx="183000" cy="182100"/>
           </a:xfrm>
           <a:prstGeom prst="ellipse">
@@ -13464,16 +15908,16 @@
       </p:sp>
       <p:cxnSp>
         <p:nvCxnSpPr>
-          <p:cNvPr id="124" name="Google Shape;124;p6"/>
+          <p:cNvPr id="136" name="Google Shape;136;p6"/>
           <p:cNvCxnSpPr>
-            <a:stCxn id="122" idx="5"/>
-            <a:endCxn id="123" idx="1"/>
+            <a:stCxn id="134" idx="5"/>
+            <a:endCxn id="135" idx="1"/>
           </p:cNvCxnSpPr>
           <p:nvPr/>
         </p:nvCxnSpPr>
         <p:spPr>
           <a:xfrm>
-            <a:off x="3008650" y="1069832"/>
+            <a:off x="1615020" y="1069832"/>
             <a:ext cx="251700" cy="328500"/>
           </a:xfrm>
           <a:prstGeom prst="straightConnector1">
@@ -13493,13 +15937,13 @@
       </p:cxnSp>
       <p:sp>
         <p:nvSpPr>
-          <p:cNvPr id="125" name="Google Shape;125;p6"/>
+          <p:cNvPr id="137" name="Google Shape;137;p6"/>
           <p:cNvSpPr txBox="1"/>
           <p:nvPr/>
         </p:nvSpPr>
         <p:spPr>
           <a:xfrm>
-            <a:off x="3568700" y="868350"/>
+            <a:off x="2175070" y="868350"/>
             <a:ext cx="1097400" cy="274200"/>
           </a:xfrm>
           <a:prstGeom prst="rect">
@@ -13559,13 +16003,13 @@
       </p:sp>
       <p:sp>
         <p:nvSpPr>
-          <p:cNvPr id="126" name="Google Shape;126;p6"/>
+          <p:cNvPr id="138" name="Google Shape;138;p6"/>
           <p:cNvSpPr/>
           <p:nvPr/>
         </p:nvSpPr>
         <p:spPr>
           <a:xfrm>
-            <a:off x="3233450" y="1828800"/>
+            <a:off x="1839820" y="1828800"/>
             <a:ext cx="183000" cy="182100"/>
           </a:xfrm>
           <a:prstGeom prst="ellipse">
@@ -13624,13 +16068,13 @@
       </p:sp>
       <p:sp>
         <p:nvSpPr>
-          <p:cNvPr id="127" name="Google Shape;127;p6"/>
+          <p:cNvPr id="139" name="Google Shape;139;p6"/>
           <p:cNvSpPr txBox="1"/>
           <p:nvPr/>
         </p:nvSpPr>
         <p:spPr>
           <a:xfrm>
-            <a:off x="3568700" y="1325550"/>
+            <a:off x="2175070" y="1325550"/>
             <a:ext cx="1097400" cy="274200"/>
           </a:xfrm>
           <a:prstGeom prst="rect">
@@ -13690,13 +16134,13 @@
       </p:sp>
       <p:sp>
         <p:nvSpPr>
-          <p:cNvPr id="128" name="Google Shape;128;p6"/>
+          <p:cNvPr id="140" name="Google Shape;140;p6"/>
           <p:cNvSpPr txBox="1"/>
           <p:nvPr/>
         </p:nvSpPr>
         <p:spPr>
           <a:xfrm>
-            <a:off x="3568700" y="1782750"/>
+            <a:off x="2175070" y="1782750"/>
             <a:ext cx="1097400" cy="274200"/>
           </a:xfrm>
           <a:prstGeom prst="rect">
@@ -13756,13 +16200,13 @@
       </p:sp>
       <p:sp>
         <p:nvSpPr>
-          <p:cNvPr id="129" name="Google Shape;129;p6"/>
+          <p:cNvPr id="141" name="Google Shape;141;p6"/>
           <p:cNvSpPr txBox="1"/>
           <p:nvPr/>
         </p:nvSpPr>
         <p:spPr>
           <a:xfrm>
-            <a:off x="2201350" y="2286000"/>
+            <a:off x="807720" y="2286000"/>
             <a:ext cx="479700" cy="182100"/>
           </a:xfrm>
           <a:prstGeom prst="rect">
@@ -13803,6 +16247,10 @@
                 <a:solidFill>
                   <a:srgbClr val="000000"/>
                 </a:solidFill>
+                <a:latin typeface="Arial"/>
+                <a:ea typeface="Arial"/>
+                <a:cs typeface="Arial"/>
+                <a:sym typeface="Arial"/>
               </a:rPr>
               <a:t>master</a:t>
             </a:r>
@@ -13810,22 +16258,26 @@
               <a:solidFill>
                 <a:srgbClr val="000000"/>
               </a:solidFill>
+              <a:latin typeface="Arial"/>
+              <a:ea typeface="Arial"/>
+              <a:cs typeface="Arial"/>
+              <a:sym typeface="Arial"/>
             </a:endParaRPr>
           </a:p>
         </p:txBody>
       </p:sp>
       <p:cxnSp>
         <p:nvCxnSpPr>
-          <p:cNvPr id="130" name="Google Shape;130;p6"/>
+          <p:cNvPr id="142" name="Google Shape;142;p6"/>
           <p:cNvCxnSpPr>
-            <a:stCxn id="123" idx="4"/>
-            <a:endCxn id="126" idx="0"/>
+            <a:stCxn id="135" idx="4"/>
+            <a:endCxn id="138" idx="0"/>
           </p:cNvCxnSpPr>
           <p:nvPr/>
         </p:nvCxnSpPr>
         <p:spPr>
           <a:xfrm>
-            <a:off x="3324950" y="1553700"/>
+            <a:off x="1931320" y="1553700"/>
             <a:ext cx="0" cy="275100"/>
           </a:xfrm>
           <a:prstGeom prst="straightConnector1">
@@ -13845,13 +16297,13 @@
       </p:cxnSp>
       <p:sp>
         <p:nvSpPr>
-          <p:cNvPr id="131" name="Google Shape;131;p6"/>
+          <p:cNvPr id="143" name="Google Shape;143;p6"/>
           <p:cNvSpPr/>
           <p:nvPr/>
         </p:nvSpPr>
         <p:spPr>
           <a:xfrm>
-            <a:off x="2852928" y="2286000"/>
+            <a:off x="1459298" y="2286000"/>
             <a:ext cx="183000" cy="182100"/>
           </a:xfrm>
           <a:prstGeom prst="ellipse">
@@ -13910,16 +16362,16 @@
       </p:sp>
       <p:cxnSp>
         <p:nvCxnSpPr>
-          <p:cNvPr id="132" name="Google Shape;132;p6"/>
+          <p:cNvPr id="144" name="Google Shape;144;p6"/>
           <p:cNvCxnSpPr>
-            <a:stCxn id="122" idx="4"/>
-            <a:endCxn id="131" idx="0"/>
+            <a:stCxn id="134" idx="4"/>
+            <a:endCxn id="143" idx="0"/>
           </p:cNvCxnSpPr>
           <p:nvPr/>
         </p:nvCxnSpPr>
         <p:spPr>
           <a:xfrm>
-            <a:off x="2943950" y="1096500"/>
+            <a:off x="1550320" y="1096500"/>
             <a:ext cx="600" cy="1189500"/>
           </a:xfrm>
           <a:prstGeom prst="straightConnector1">
@@ -13939,16 +16391,16 @@
       </p:cxnSp>
       <p:cxnSp>
         <p:nvCxnSpPr>
-          <p:cNvPr id="133" name="Google Shape;133;p6"/>
+          <p:cNvPr id="145" name="Google Shape;145;p6"/>
           <p:cNvCxnSpPr>
-            <a:stCxn id="126" idx="3"/>
-            <a:endCxn id="131" idx="7"/>
+            <a:stCxn id="138" idx="3"/>
+            <a:endCxn id="143" idx="7"/>
           </p:cNvCxnSpPr>
           <p:nvPr/>
         </p:nvCxnSpPr>
         <p:spPr>
           <a:xfrm flipH="1">
-            <a:off x="3009150" y="1984232"/>
+            <a:off x="1615520" y="1984232"/>
             <a:ext cx="251100" cy="328500"/>
           </a:xfrm>
           <a:prstGeom prst="straightConnector1">
@@ -13968,13 +16420,13 @@
       </p:cxnSp>
       <p:sp>
         <p:nvSpPr>
-          <p:cNvPr id="134" name="Google Shape;134;p6"/>
+          <p:cNvPr id="146" name="Google Shape;146;p6"/>
           <p:cNvSpPr txBox="1"/>
           <p:nvPr/>
         </p:nvSpPr>
         <p:spPr>
           <a:xfrm>
-            <a:off x="1667950" y="1828800"/>
+            <a:off x="274320" y="1828800"/>
             <a:ext cx="479700" cy="182100"/>
           </a:xfrm>
           <a:prstGeom prst="rect">
@@ -14011,30 +16463,38 @@
               <a:buNone/>
             </a:pPr>
             <a:r>
-              <a:rPr i="0" lang="en" sz="900" u="none" cap="none" strike="noStrike">
+              <a:rPr b="0" i="0" lang="en" sz="900" u="none" cap="none" strike="noStrike">
                 <a:solidFill>
                   <a:srgbClr val="000000"/>
                 </a:solidFill>
+                <a:latin typeface="Arial"/>
+                <a:ea typeface="Arial"/>
+                <a:cs typeface="Arial"/>
+                <a:sym typeface="Arial"/>
               </a:rPr>
               <a:t>develop</a:t>
             </a:r>
-            <a:endParaRPr i="0" sz="900" u="none" cap="none" strike="noStrike">
+            <a:endParaRPr b="0" i="0" sz="900" u="none" cap="none" strike="noStrike">
               <a:solidFill>
                 <a:srgbClr val="000000"/>
               </a:solidFill>
+              <a:latin typeface="Arial"/>
+              <a:ea typeface="Arial"/>
+              <a:cs typeface="Arial"/>
+              <a:sym typeface="Arial"/>
             </a:endParaRPr>
           </a:p>
         </p:txBody>
       </p:sp>
       <p:sp>
         <p:nvSpPr>
-          <p:cNvPr id="135" name="Google Shape;135;p6"/>
+          <p:cNvPr id="147" name="Google Shape;147;p6"/>
           <p:cNvSpPr txBox="1"/>
           <p:nvPr/>
         </p:nvSpPr>
         <p:spPr>
           <a:xfrm>
-            <a:off x="3568700" y="2240280"/>
+            <a:off x="2175070" y="2240280"/>
             <a:ext cx="1097400" cy="274200"/>
           </a:xfrm>
           <a:prstGeom prst="rect">
@@ -14094,7 +16554,7 @@
       </p:sp>
       <p:sp>
         <p:nvSpPr>
-          <p:cNvPr id="136" name="Google Shape;136;p6"/>
+          <p:cNvPr id="148" name="Google Shape;148;p6"/>
           <p:cNvSpPr txBox="1"/>
           <p:nvPr/>
         </p:nvSpPr>
@@ -14137,6 +16597,10 @@
               <a:buNone/>
             </a:pPr>
             <a:r>
+              <a:rPr lang="en"/>
+              <a:t>3. Opdracht </a:t>
+            </a:r>
+            <a:r>
               <a:rPr b="0" i="0" lang="en" sz="1400" u="none" cap="none" strike="noStrike">
                 <a:solidFill>
                   <a:srgbClr val="000000"/>
@@ -14157,6 +16621,346 @@
               <a:cs typeface="Arial"/>
               <a:sym typeface="Arial"/>
             </a:endParaRPr>
+          </a:p>
+        </p:txBody>
+      </p:sp>
+      <p:sp>
+        <p:nvSpPr>
+          <p:cNvPr id="149" name="Google Shape;149;p6"/>
+          <p:cNvSpPr txBox="1"/>
+          <p:nvPr/>
+        </p:nvSpPr>
+        <p:spPr>
+          <a:xfrm>
+            <a:off x="275925" y="4223750"/>
+            <a:ext cx="1875000" cy="601200"/>
+          </a:xfrm>
+          <a:prstGeom prst="rect">
+            <a:avLst/>
+          </a:prstGeom>
+          <a:solidFill>
+            <a:srgbClr val="CFE2F3"/>
+          </a:solidFill>
+          <a:ln cap="flat" cmpd="sng" w="9525">
+            <a:solidFill>
+              <a:srgbClr val="000000"/>
+            </a:solidFill>
+            <a:prstDash val="solid"/>
+            <a:round/>
+            <a:headEnd len="sm" w="sm" type="none"/>
+            <a:tailEnd len="sm" w="sm" type="none"/>
+          </a:ln>
+        </p:spPr>
+        <p:txBody>
+          <a:bodyPr anchorCtr="0" anchor="t" bIns="91425" lIns="91425" spcFirstLastPara="1" rIns="91425" wrap="square" tIns="91425">
+            <a:noAutofit/>
+          </a:bodyPr>
+          <a:lstStyle/>
+          <a:p>
+            <a:pPr indent="0" lvl="0" marL="0" marR="0" rtl="0" algn="l">
+              <a:lnSpc>
+                <a:spcPct val="100000"/>
+              </a:lnSpc>
+              <a:spcBef>
+                <a:spcPts val="0"/>
+              </a:spcBef>
+              <a:spcAft>
+                <a:spcPts val="0"/>
+              </a:spcAft>
+              <a:buClr>
+                <a:srgbClr val="000000"/>
+              </a:buClr>
+              <a:buSzPts val="1100"/>
+              <a:buFont typeface="Arial"/>
+              <a:buNone/>
+            </a:pPr>
+            <a:r>
+              <a:rPr b="0" i="0" lang="en" sz="1400" u="none" cap="none" strike="noStrike">
+                <a:solidFill>
+                  <a:srgbClr val="000000"/>
+                </a:solidFill>
+                <a:latin typeface="Arial"/>
+                <a:ea typeface="Arial"/>
+                <a:cs typeface="Arial"/>
+                <a:sym typeface="Arial"/>
+              </a:rPr>
+              <a:t>git branch</a:t>
+            </a:r>
+            <a:endParaRPr/>
+          </a:p>
+          <a:p>
+            <a:pPr indent="0" lvl="0" marL="0" marR="0" rtl="0" algn="l">
+              <a:lnSpc>
+                <a:spcPct val="100000"/>
+              </a:lnSpc>
+              <a:spcBef>
+                <a:spcPts val="0"/>
+              </a:spcBef>
+              <a:spcAft>
+                <a:spcPts val="0"/>
+              </a:spcAft>
+              <a:buClr>
+                <a:srgbClr val="000000"/>
+              </a:buClr>
+              <a:buSzPts val="1100"/>
+              <a:buFont typeface="Arial"/>
+              <a:buNone/>
+            </a:pPr>
+            <a:r>
+              <a:rPr b="0" i="0" lang="en" sz="1400" u="none" cap="none" strike="noStrike">
+                <a:solidFill>
+                  <a:srgbClr val="000000"/>
+                </a:solidFill>
+                <a:latin typeface="Arial"/>
+                <a:ea typeface="Arial"/>
+                <a:cs typeface="Arial"/>
+                <a:sym typeface="Arial"/>
+              </a:rPr>
+              <a:t>git </a:t>
+            </a:r>
+            <a:r>
+              <a:rPr lang="en"/>
+              <a:t>checkout</a:t>
+            </a:r>
+            <a:endParaRPr b="0" i="0" sz="1400" u="none" cap="none" strike="noStrike">
+              <a:solidFill>
+                <a:srgbClr val="000000"/>
+              </a:solidFill>
+              <a:latin typeface="Arial"/>
+              <a:ea typeface="Arial"/>
+              <a:cs typeface="Arial"/>
+              <a:sym typeface="Arial"/>
+            </a:endParaRPr>
+          </a:p>
+        </p:txBody>
+      </p:sp>
+      <p:sp>
+        <p:nvSpPr>
+          <p:cNvPr id="150" name="Google Shape;150;p6"/>
+          <p:cNvSpPr txBox="1"/>
+          <p:nvPr/>
+        </p:nvSpPr>
+        <p:spPr>
+          <a:xfrm>
+            <a:off x="3621025" y="740675"/>
+            <a:ext cx="5523000" cy="3123900"/>
+          </a:xfrm>
+          <a:prstGeom prst="rect">
+            <a:avLst/>
+          </a:prstGeom>
+          <a:noFill/>
+          <a:ln>
+            <a:noFill/>
+          </a:ln>
+        </p:spPr>
+        <p:txBody>
+          <a:bodyPr anchorCtr="0" anchor="t" bIns="91425" lIns="91425" spcFirstLastPara="1" rIns="91425" wrap="square" tIns="91425">
+            <a:noAutofit/>
+          </a:bodyPr>
+          <a:lstStyle/>
+          <a:p>
+            <a:pPr indent="-330200" lvl="0" marL="457200" rtl="0" algn="l">
+              <a:spcBef>
+                <a:spcPts val="0"/>
+              </a:spcBef>
+              <a:spcAft>
+                <a:spcPts val="0"/>
+              </a:spcAft>
+              <a:buSzPts val="1600"/>
+              <a:buChar char="●"/>
+            </a:pPr>
+            <a:r>
+              <a:rPr lang="en" sz="1600"/>
+              <a:t>maak initial commit</a:t>
+            </a:r>
+            <a:endParaRPr sz="1600"/>
+          </a:p>
+          <a:p>
+            <a:pPr indent="-330200" lvl="0" marL="457200" rtl="0" algn="l">
+              <a:spcBef>
+                <a:spcPts val="0"/>
+              </a:spcBef>
+              <a:spcAft>
+                <a:spcPts val="0"/>
+              </a:spcAft>
+              <a:buSzPts val="1600"/>
+              <a:buChar char="●"/>
+            </a:pPr>
+            <a:r>
+              <a:rPr lang="en" sz="1600"/>
+              <a:t>maak nieuwe branch develop</a:t>
+            </a:r>
+            <a:endParaRPr sz="1600"/>
+          </a:p>
+          <a:p>
+            <a:pPr indent="-330200" lvl="0" marL="457200" rtl="0" algn="l">
+              <a:spcBef>
+                <a:spcPts val="0"/>
+              </a:spcBef>
+              <a:spcAft>
+                <a:spcPts val="0"/>
+              </a:spcAft>
+              <a:buSzPts val="1600"/>
+              <a:buChar char="●"/>
+            </a:pPr>
+            <a:r>
+              <a:rPr lang="en" sz="1600"/>
+              <a:t>checkout develop</a:t>
+            </a:r>
+            <a:endParaRPr sz="1600"/>
+          </a:p>
+          <a:p>
+            <a:pPr indent="-330200" lvl="0" marL="457200" rtl="0" algn="l">
+              <a:spcBef>
+                <a:spcPts val="0"/>
+              </a:spcBef>
+              <a:spcAft>
+                <a:spcPts val="0"/>
+              </a:spcAft>
+              <a:buSzPts val="1600"/>
+              <a:buChar char="●"/>
+            </a:pPr>
+            <a:r>
+              <a:rPr lang="en" sz="1600"/>
+              <a:t>maak wijziging en commit</a:t>
+            </a:r>
+            <a:endParaRPr sz="1600"/>
+          </a:p>
+          <a:p>
+            <a:pPr indent="-330200" lvl="0" marL="457200" rtl="0" algn="l">
+              <a:spcBef>
+                <a:spcPts val="0"/>
+              </a:spcBef>
+              <a:spcAft>
+                <a:spcPts val="0"/>
+              </a:spcAft>
+              <a:buSzPts val="1600"/>
+              <a:buChar char="●"/>
+            </a:pPr>
+            <a:r>
+              <a:rPr lang="en" sz="1600"/>
+              <a:t>maak nog wijziging en commit</a:t>
+            </a:r>
+            <a:endParaRPr sz="1600"/>
+          </a:p>
+          <a:p>
+            <a:pPr indent="-330200" lvl="0" marL="457200" rtl="0" algn="l">
+              <a:spcBef>
+                <a:spcPts val="0"/>
+              </a:spcBef>
+              <a:spcAft>
+                <a:spcPts val="0"/>
+              </a:spcAft>
+              <a:buSzPts val="1600"/>
+              <a:buChar char="●"/>
+            </a:pPr>
+            <a:r>
+              <a:rPr lang="en" sz="1600"/>
+              <a:t>checkout master</a:t>
+            </a:r>
+            <a:endParaRPr sz="1600"/>
+          </a:p>
+          <a:p>
+            <a:pPr indent="-330200" lvl="0" marL="457200" rtl="0" algn="l">
+              <a:spcBef>
+                <a:spcPts val="0"/>
+              </a:spcBef>
+              <a:spcAft>
+                <a:spcPts val="0"/>
+              </a:spcAft>
+              <a:buSzPts val="1600"/>
+              <a:buChar char="●"/>
+            </a:pPr>
+            <a:r>
+              <a:rPr lang="en" sz="1600"/>
+              <a:t>merge develop in master</a:t>
+            </a:r>
+            <a:endParaRPr sz="1600"/>
+          </a:p>
+          <a:p>
+            <a:pPr indent="-330200" lvl="0" marL="457200" rtl="0" algn="l">
+              <a:spcBef>
+                <a:spcPts val="0"/>
+              </a:spcBef>
+              <a:spcAft>
+                <a:spcPts val="0"/>
+              </a:spcAft>
+              <a:buSzPts val="1600"/>
+              <a:buChar char="●"/>
+            </a:pPr>
+            <a:r>
+              <a:rPr lang="en" sz="1600"/>
+              <a:t>commit changes</a:t>
+            </a:r>
+            <a:endParaRPr sz="1600"/>
+          </a:p>
+          <a:p>
+            <a:pPr indent="-330200" lvl="0" marL="457200" rtl="0" algn="l">
+              <a:spcBef>
+                <a:spcPts val="0"/>
+              </a:spcBef>
+              <a:spcAft>
+                <a:spcPts val="0"/>
+              </a:spcAft>
+              <a:buSzPts val="1600"/>
+              <a:buChar char="●"/>
+            </a:pPr>
+            <a:r>
+              <a:rPr lang="en" sz="1600"/>
+              <a:t>checkout develop</a:t>
+            </a:r>
+            <a:endParaRPr sz="1600"/>
+          </a:p>
+          <a:p>
+            <a:pPr indent="-330200" lvl="0" marL="457200" rtl="0" algn="l">
+              <a:spcBef>
+                <a:spcPts val="0"/>
+              </a:spcBef>
+              <a:spcAft>
+                <a:spcPts val="0"/>
+              </a:spcAft>
+              <a:buSzPts val="1600"/>
+              <a:buChar char="●"/>
+            </a:pPr>
+            <a:r>
+              <a:rPr lang="en" sz="1600"/>
+              <a:t>merge master in develop(fast-forward)</a:t>
+            </a:r>
+            <a:endParaRPr sz="1600"/>
+          </a:p>
+          <a:p>
+            <a:pPr indent="-330200" lvl="0" marL="457200" rtl="0" algn="l">
+              <a:spcBef>
+                <a:spcPts val="0"/>
+              </a:spcBef>
+              <a:spcAft>
+                <a:spcPts val="0"/>
+              </a:spcAft>
+              <a:buSzPts val="1600"/>
+              <a:buChar char="●"/>
+            </a:pPr>
+            <a:r>
+              <a:rPr lang="en" sz="1600"/>
+              <a:t>bekijk log</a:t>
+            </a:r>
+            <a:endParaRPr sz="1600"/>
+          </a:p>
+          <a:p>
+            <a:pPr indent="-330200" lvl="0" marL="457200" rtl="0" algn="l">
+              <a:spcBef>
+                <a:spcPts val="0"/>
+              </a:spcBef>
+              <a:spcAft>
+                <a:spcPts val="0"/>
+              </a:spcAft>
+              <a:buSzPts val="1600"/>
+              <a:buChar char="●"/>
+            </a:pPr>
+            <a:r>
+              <a:rPr lang="en" sz="1600"/>
+              <a:t>delete develop branch</a:t>
+            </a:r>
+            <a:endParaRPr sz="1600"/>
           </a:p>
         </p:txBody>
       </p:sp>
@@ -14173,7 +16977,7 @@
   <p:cSld>
     <p:spTree>
       <p:nvGrpSpPr>
-        <p:cNvPr id="140" name="Shape 140"/>
+        <p:cNvPr id="154" name="Shape 154"/>
         <p:cNvGrpSpPr/>
         <p:nvPr/>
       </p:nvGrpSpPr>
@@ -14187,13 +16991,13 @@
       </p:grpSpPr>
       <p:sp>
         <p:nvSpPr>
-          <p:cNvPr id="141" name="Google Shape;141;g705185adf8_0_14"/>
+          <p:cNvPr id="155" name="Google Shape;155;g705185adf8_0_14"/>
           <p:cNvSpPr/>
           <p:nvPr/>
         </p:nvSpPr>
         <p:spPr>
           <a:xfrm>
-            <a:off x="2852450" y="914400"/>
+            <a:off x="1458820" y="914400"/>
             <a:ext cx="183000" cy="182100"/>
           </a:xfrm>
           <a:prstGeom prst="ellipse">
@@ -14252,13 +17056,13 @@
       </p:sp>
       <p:sp>
         <p:nvSpPr>
-          <p:cNvPr id="142" name="Google Shape;142;g705185adf8_0_14"/>
+          <p:cNvPr id="156" name="Google Shape;156;g705185adf8_0_14"/>
           <p:cNvSpPr/>
           <p:nvPr/>
         </p:nvSpPr>
         <p:spPr>
           <a:xfrm>
-            <a:off x="3233450" y="1371600"/>
+            <a:off x="1839820" y="1371600"/>
             <a:ext cx="183000" cy="182100"/>
           </a:xfrm>
           <a:prstGeom prst="ellipse">
@@ -14317,16 +17121,16 @@
       </p:sp>
       <p:cxnSp>
         <p:nvCxnSpPr>
-          <p:cNvPr id="143" name="Google Shape;143;g705185adf8_0_14"/>
+          <p:cNvPr id="157" name="Google Shape;157;g705185adf8_0_14"/>
           <p:cNvCxnSpPr>
-            <a:stCxn id="141" idx="5"/>
-            <a:endCxn id="142" idx="1"/>
+            <a:stCxn id="155" idx="5"/>
+            <a:endCxn id="156" idx="1"/>
           </p:cNvCxnSpPr>
           <p:nvPr/>
         </p:nvCxnSpPr>
         <p:spPr>
           <a:xfrm>
-            <a:off x="3008650" y="1069832"/>
+            <a:off x="1615020" y="1069832"/>
             <a:ext cx="251700" cy="328500"/>
           </a:xfrm>
           <a:prstGeom prst="straightConnector1">
@@ -14346,13 +17150,13 @@
       </p:cxnSp>
       <p:sp>
         <p:nvSpPr>
-          <p:cNvPr id="144" name="Google Shape;144;g705185adf8_0_14"/>
+          <p:cNvPr id="158" name="Google Shape;158;g705185adf8_0_14"/>
           <p:cNvSpPr txBox="1"/>
           <p:nvPr/>
         </p:nvSpPr>
         <p:spPr>
           <a:xfrm>
-            <a:off x="3568700" y="868350"/>
+            <a:off x="2175070" y="868350"/>
             <a:ext cx="1097400" cy="274200"/>
           </a:xfrm>
           <a:prstGeom prst="rect">
@@ -14412,13 +17216,13 @@
       </p:sp>
       <p:sp>
         <p:nvSpPr>
-          <p:cNvPr id="145" name="Google Shape;145;g705185adf8_0_14"/>
+          <p:cNvPr id="159" name="Google Shape;159;g705185adf8_0_14"/>
           <p:cNvSpPr/>
           <p:nvPr/>
         </p:nvSpPr>
         <p:spPr>
           <a:xfrm>
-            <a:off x="3233450" y="1828800"/>
+            <a:off x="1839820" y="1828800"/>
             <a:ext cx="183000" cy="182100"/>
           </a:xfrm>
           <a:prstGeom prst="ellipse">
@@ -14477,13 +17281,13 @@
       </p:sp>
       <p:sp>
         <p:nvSpPr>
-          <p:cNvPr id="146" name="Google Shape;146;g705185adf8_0_14"/>
+          <p:cNvPr id="160" name="Google Shape;160;g705185adf8_0_14"/>
           <p:cNvSpPr txBox="1"/>
           <p:nvPr/>
         </p:nvSpPr>
         <p:spPr>
           <a:xfrm>
-            <a:off x="3568700" y="1325550"/>
+            <a:off x="2175070" y="1325550"/>
             <a:ext cx="1097400" cy="274200"/>
           </a:xfrm>
           <a:prstGeom prst="rect">
@@ -14543,13 +17347,13 @@
       </p:sp>
       <p:sp>
         <p:nvSpPr>
-          <p:cNvPr id="147" name="Google Shape;147;g705185adf8_0_14"/>
+          <p:cNvPr id="161" name="Google Shape;161;g705185adf8_0_14"/>
           <p:cNvSpPr txBox="1"/>
           <p:nvPr/>
         </p:nvSpPr>
         <p:spPr>
           <a:xfrm>
-            <a:off x="3568700" y="1782750"/>
+            <a:off x="2175070" y="1782750"/>
             <a:ext cx="1097400" cy="274200"/>
           </a:xfrm>
           <a:prstGeom prst="rect">
@@ -14609,13 +17413,13 @@
       </p:sp>
       <p:sp>
         <p:nvSpPr>
-          <p:cNvPr id="148" name="Google Shape;148;g705185adf8_0_14"/>
+          <p:cNvPr id="162" name="Google Shape;162;g705185adf8_0_14"/>
           <p:cNvSpPr txBox="1"/>
           <p:nvPr/>
         </p:nvSpPr>
         <p:spPr>
           <a:xfrm>
-            <a:off x="2201350" y="2286000"/>
+            <a:off x="807720" y="2286000"/>
             <a:ext cx="479700" cy="182100"/>
           </a:xfrm>
           <a:prstGeom prst="rect">
@@ -14652,33 +17456,41 @@
               <a:buNone/>
             </a:pPr>
             <a:r>
-              <a:rPr i="0" lang="en" sz="900" u="none" cap="none" strike="noStrike">
+              <a:rPr b="0" i="0" lang="en" sz="900" u="none" cap="none" strike="noStrike">
                 <a:solidFill>
                   <a:srgbClr val="000000"/>
                 </a:solidFill>
+                <a:latin typeface="Arial"/>
+                <a:ea typeface="Arial"/>
+                <a:cs typeface="Arial"/>
+                <a:sym typeface="Arial"/>
               </a:rPr>
               <a:t>master</a:t>
             </a:r>
-            <a:endParaRPr i="0" sz="900" u="none" cap="none" strike="noStrike">
+            <a:endParaRPr b="0" i="0" sz="900" u="none" cap="none" strike="noStrike">
               <a:solidFill>
                 <a:srgbClr val="000000"/>
               </a:solidFill>
+              <a:latin typeface="Arial"/>
+              <a:ea typeface="Arial"/>
+              <a:cs typeface="Arial"/>
+              <a:sym typeface="Arial"/>
             </a:endParaRPr>
           </a:p>
         </p:txBody>
       </p:sp>
       <p:cxnSp>
         <p:nvCxnSpPr>
-          <p:cNvPr id="149" name="Google Shape;149;g705185adf8_0_14"/>
+          <p:cNvPr id="163" name="Google Shape;163;g705185adf8_0_14"/>
           <p:cNvCxnSpPr>
-            <a:stCxn id="142" idx="4"/>
-            <a:endCxn id="145" idx="0"/>
+            <a:stCxn id="156" idx="4"/>
+            <a:endCxn id="159" idx="0"/>
           </p:cNvCxnSpPr>
           <p:nvPr/>
         </p:nvCxnSpPr>
         <p:spPr>
           <a:xfrm>
-            <a:off x="3324950" y="1553700"/>
+            <a:off x="1931320" y="1553700"/>
             <a:ext cx="0" cy="275100"/>
           </a:xfrm>
           <a:prstGeom prst="straightConnector1">
@@ -14698,13 +17510,13 @@
       </p:cxnSp>
       <p:sp>
         <p:nvSpPr>
-          <p:cNvPr id="150" name="Google Shape;150;g705185adf8_0_14"/>
+          <p:cNvPr id="164" name="Google Shape;164;g705185adf8_0_14"/>
           <p:cNvSpPr/>
           <p:nvPr/>
         </p:nvSpPr>
         <p:spPr>
           <a:xfrm>
-            <a:off x="2852928" y="2286000"/>
+            <a:off x="1459298" y="2286000"/>
             <a:ext cx="183000" cy="182100"/>
           </a:xfrm>
           <a:prstGeom prst="ellipse">
@@ -14763,16 +17575,16 @@
       </p:sp>
       <p:cxnSp>
         <p:nvCxnSpPr>
-          <p:cNvPr id="151" name="Google Shape;151;g705185adf8_0_14"/>
+          <p:cNvPr id="165" name="Google Shape;165;g705185adf8_0_14"/>
           <p:cNvCxnSpPr>
-            <a:stCxn id="141" idx="4"/>
-            <a:endCxn id="150" idx="0"/>
+            <a:stCxn id="155" idx="4"/>
+            <a:endCxn id="164" idx="0"/>
           </p:cNvCxnSpPr>
           <p:nvPr/>
         </p:nvCxnSpPr>
         <p:spPr>
           <a:xfrm>
-            <a:off x="2943950" y="1096500"/>
+            <a:off x="1550320" y="1096500"/>
             <a:ext cx="600" cy="1189500"/>
           </a:xfrm>
           <a:prstGeom prst="straightConnector1">
@@ -14792,16 +17604,16 @@
       </p:cxnSp>
       <p:cxnSp>
         <p:nvCxnSpPr>
-          <p:cNvPr id="152" name="Google Shape;152;g705185adf8_0_14"/>
+          <p:cNvPr id="166" name="Google Shape;166;g705185adf8_0_14"/>
           <p:cNvCxnSpPr>
-            <a:stCxn id="145" idx="3"/>
-            <a:endCxn id="150" idx="7"/>
+            <a:stCxn id="159" idx="3"/>
+            <a:endCxn id="164" idx="7"/>
           </p:cNvCxnSpPr>
           <p:nvPr/>
         </p:nvCxnSpPr>
         <p:spPr>
           <a:xfrm flipH="1">
-            <a:off x="3009150" y="1984232"/>
+            <a:off x="1615520" y="1984232"/>
             <a:ext cx="251100" cy="328500"/>
           </a:xfrm>
           <a:prstGeom prst="straightConnector1">
@@ -14821,13 +17633,13 @@
       </p:cxnSp>
       <p:sp>
         <p:nvSpPr>
-          <p:cNvPr id="153" name="Google Shape;153;g705185adf8_0_14"/>
+          <p:cNvPr id="167" name="Google Shape;167;g705185adf8_0_14"/>
           <p:cNvSpPr txBox="1"/>
           <p:nvPr/>
         </p:nvSpPr>
         <p:spPr>
           <a:xfrm>
-            <a:off x="1667950" y="1828800"/>
+            <a:off x="274320" y="1828800"/>
             <a:ext cx="479700" cy="182100"/>
           </a:xfrm>
           <a:prstGeom prst="rect">
@@ -14868,6 +17680,10 @@
                 <a:solidFill>
                   <a:srgbClr val="000000"/>
                 </a:solidFill>
+                <a:latin typeface="Arial"/>
+                <a:ea typeface="Arial"/>
+                <a:cs typeface="Arial"/>
+                <a:sym typeface="Arial"/>
               </a:rPr>
               <a:t>develop</a:t>
             </a:r>
@@ -14875,19 +17691,23 @@
               <a:solidFill>
                 <a:srgbClr val="000000"/>
               </a:solidFill>
+              <a:latin typeface="Arial"/>
+              <a:ea typeface="Arial"/>
+              <a:cs typeface="Arial"/>
+              <a:sym typeface="Arial"/>
             </a:endParaRPr>
           </a:p>
         </p:txBody>
       </p:sp>
       <p:sp>
         <p:nvSpPr>
-          <p:cNvPr id="154" name="Google Shape;154;g705185adf8_0_14"/>
+          <p:cNvPr id="168" name="Google Shape;168;g705185adf8_0_14"/>
           <p:cNvSpPr txBox="1"/>
           <p:nvPr/>
         </p:nvSpPr>
         <p:spPr>
           <a:xfrm>
-            <a:off x="3568700" y="2240280"/>
+            <a:off x="2175070" y="2240280"/>
             <a:ext cx="1097400" cy="274200"/>
           </a:xfrm>
           <a:prstGeom prst="rect">
@@ -14947,7 +17767,7 @@
       </p:sp>
       <p:sp>
         <p:nvSpPr>
-          <p:cNvPr id="155" name="Google Shape;155;g705185adf8_0_14"/>
+          <p:cNvPr id="169" name="Google Shape;169;g705185adf8_0_14"/>
           <p:cNvSpPr txBox="1"/>
           <p:nvPr/>
         </p:nvSpPr>
@@ -14990,6 +17810,10 @@
               <a:buNone/>
             </a:pPr>
             <a:r>
+              <a:rPr lang="en"/>
+              <a:t>3. Opdracht </a:t>
+            </a:r>
+            <a:r>
               <a:rPr b="0" i="0" lang="en" sz="1400" u="none" cap="none" strike="noStrike">
                 <a:solidFill>
                   <a:srgbClr val="000000"/>
@@ -15010,6 +17834,346 @@
               <a:cs typeface="Arial"/>
               <a:sym typeface="Arial"/>
             </a:endParaRPr>
+          </a:p>
+        </p:txBody>
+      </p:sp>
+      <p:sp>
+        <p:nvSpPr>
+          <p:cNvPr id="170" name="Google Shape;170;g705185adf8_0_14"/>
+          <p:cNvSpPr txBox="1"/>
+          <p:nvPr/>
+        </p:nvSpPr>
+        <p:spPr>
+          <a:xfrm>
+            <a:off x="275925" y="4223750"/>
+            <a:ext cx="1875000" cy="601200"/>
+          </a:xfrm>
+          <a:prstGeom prst="rect">
+            <a:avLst/>
+          </a:prstGeom>
+          <a:solidFill>
+            <a:srgbClr val="CFE2F3"/>
+          </a:solidFill>
+          <a:ln cap="flat" cmpd="sng" w="9525">
+            <a:solidFill>
+              <a:srgbClr val="000000"/>
+            </a:solidFill>
+            <a:prstDash val="solid"/>
+            <a:round/>
+            <a:headEnd len="sm" w="sm" type="none"/>
+            <a:tailEnd len="sm" w="sm" type="none"/>
+          </a:ln>
+        </p:spPr>
+        <p:txBody>
+          <a:bodyPr anchorCtr="0" anchor="t" bIns="91425" lIns="91425" spcFirstLastPara="1" rIns="91425" wrap="square" tIns="91425">
+            <a:noAutofit/>
+          </a:bodyPr>
+          <a:lstStyle/>
+          <a:p>
+            <a:pPr indent="0" lvl="0" marL="0" marR="0" rtl="0" algn="l">
+              <a:lnSpc>
+                <a:spcPct val="100000"/>
+              </a:lnSpc>
+              <a:spcBef>
+                <a:spcPts val="0"/>
+              </a:spcBef>
+              <a:spcAft>
+                <a:spcPts val="0"/>
+              </a:spcAft>
+              <a:buClr>
+                <a:srgbClr val="000000"/>
+              </a:buClr>
+              <a:buSzPts val="1100"/>
+              <a:buFont typeface="Arial"/>
+              <a:buNone/>
+            </a:pPr>
+            <a:r>
+              <a:rPr b="0" i="0" lang="en" sz="1400" u="none" cap="none" strike="noStrike">
+                <a:solidFill>
+                  <a:srgbClr val="000000"/>
+                </a:solidFill>
+                <a:latin typeface="Arial"/>
+                <a:ea typeface="Arial"/>
+                <a:cs typeface="Arial"/>
+                <a:sym typeface="Arial"/>
+              </a:rPr>
+              <a:t>git branch</a:t>
+            </a:r>
+            <a:endParaRPr/>
+          </a:p>
+          <a:p>
+            <a:pPr indent="0" lvl="0" marL="0" marR="0" rtl="0" algn="l">
+              <a:lnSpc>
+                <a:spcPct val="100000"/>
+              </a:lnSpc>
+              <a:spcBef>
+                <a:spcPts val="0"/>
+              </a:spcBef>
+              <a:spcAft>
+                <a:spcPts val="0"/>
+              </a:spcAft>
+              <a:buClr>
+                <a:srgbClr val="000000"/>
+              </a:buClr>
+              <a:buSzPts val="1100"/>
+              <a:buFont typeface="Arial"/>
+              <a:buNone/>
+            </a:pPr>
+            <a:r>
+              <a:rPr b="0" i="0" lang="en" sz="1400" u="none" cap="none" strike="noStrike">
+                <a:solidFill>
+                  <a:srgbClr val="000000"/>
+                </a:solidFill>
+                <a:latin typeface="Arial"/>
+                <a:ea typeface="Arial"/>
+                <a:cs typeface="Arial"/>
+                <a:sym typeface="Arial"/>
+              </a:rPr>
+              <a:t>git </a:t>
+            </a:r>
+            <a:r>
+              <a:rPr lang="en"/>
+              <a:t>checkout</a:t>
+            </a:r>
+            <a:endParaRPr b="0" i="0" sz="1400" u="none" cap="none" strike="noStrike">
+              <a:solidFill>
+                <a:srgbClr val="000000"/>
+              </a:solidFill>
+              <a:latin typeface="Arial"/>
+              <a:ea typeface="Arial"/>
+              <a:cs typeface="Arial"/>
+              <a:sym typeface="Arial"/>
+            </a:endParaRPr>
+          </a:p>
+        </p:txBody>
+      </p:sp>
+      <p:sp>
+        <p:nvSpPr>
+          <p:cNvPr id="171" name="Google Shape;171;g705185adf8_0_14"/>
+          <p:cNvSpPr txBox="1"/>
+          <p:nvPr/>
+        </p:nvSpPr>
+        <p:spPr>
+          <a:xfrm>
+            <a:off x="3621025" y="740675"/>
+            <a:ext cx="5523000" cy="3123900"/>
+          </a:xfrm>
+          <a:prstGeom prst="rect">
+            <a:avLst/>
+          </a:prstGeom>
+          <a:noFill/>
+          <a:ln>
+            <a:noFill/>
+          </a:ln>
+        </p:spPr>
+        <p:txBody>
+          <a:bodyPr anchorCtr="0" anchor="t" bIns="91425" lIns="91425" spcFirstLastPara="1" rIns="91425" wrap="square" tIns="91425">
+            <a:noAutofit/>
+          </a:bodyPr>
+          <a:lstStyle/>
+          <a:p>
+            <a:pPr indent="-330200" lvl="0" marL="457200" rtl="0" algn="l">
+              <a:spcBef>
+                <a:spcPts val="0"/>
+              </a:spcBef>
+              <a:spcAft>
+                <a:spcPts val="0"/>
+              </a:spcAft>
+              <a:buSzPts val="1600"/>
+              <a:buChar char="●"/>
+            </a:pPr>
+            <a:r>
+              <a:rPr lang="en" sz="1600"/>
+              <a:t>maak initial commit</a:t>
+            </a:r>
+            <a:endParaRPr sz="1600"/>
+          </a:p>
+          <a:p>
+            <a:pPr indent="-330200" lvl="0" marL="457200" rtl="0" algn="l">
+              <a:spcBef>
+                <a:spcPts val="0"/>
+              </a:spcBef>
+              <a:spcAft>
+                <a:spcPts val="0"/>
+              </a:spcAft>
+              <a:buSzPts val="1600"/>
+              <a:buChar char="●"/>
+            </a:pPr>
+            <a:r>
+              <a:rPr lang="en" sz="1600"/>
+              <a:t>maak nieuwe branch develop</a:t>
+            </a:r>
+            <a:endParaRPr sz="1600"/>
+          </a:p>
+          <a:p>
+            <a:pPr indent="-330200" lvl="0" marL="457200" rtl="0" algn="l">
+              <a:spcBef>
+                <a:spcPts val="0"/>
+              </a:spcBef>
+              <a:spcAft>
+                <a:spcPts val="0"/>
+              </a:spcAft>
+              <a:buSzPts val="1600"/>
+              <a:buChar char="●"/>
+            </a:pPr>
+            <a:r>
+              <a:rPr lang="en" sz="1600"/>
+              <a:t>checkout develop</a:t>
+            </a:r>
+            <a:endParaRPr sz="1600"/>
+          </a:p>
+          <a:p>
+            <a:pPr indent="-330200" lvl="0" marL="457200" rtl="0" algn="l">
+              <a:spcBef>
+                <a:spcPts val="0"/>
+              </a:spcBef>
+              <a:spcAft>
+                <a:spcPts val="0"/>
+              </a:spcAft>
+              <a:buSzPts val="1600"/>
+              <a:buChar char="●"/>
+            </a:pPr>
+            <a:r>
+              <a:rPr lang="en" sz="1600"/>
+              <a:t>maak wijziging en commit</a:t>
+            </a:r>
+            <a:endParaRPr sz="1600"/>
+          </a:p>
+          <a:p>
+            <a:pPr indent="-330200" lvl="0" marL="457200" rtl="0" algn="l">
+              <a:spcBef>
+                <a:spcPts val="0"/>
+              </a:spcBef>
+              <a:spcAft>
+                <a:spcPts val="0"/>
+              </a:spcAft>
+              <a:buSzPts val="1600"/>
+              <a:buChar char="●"/>
+            </a:pPr>
+            <a:r>
+              <a:rPr lang="en" sz="1600"/>
+              <a:t>maak nog wijziging en commit</a:t>
+            </a:r>
+            <a:endParaRPr sz="1600"/>
+          </a:p>
+          <a:p>
+            <a:pPr indent="-330200" lvl="0" marL="457200" rtl="0" algn="l">
+              <a:spcBef>
+                <a:spcPts val="0"/>
+              </a:spcBef>
+              <a:spcAft>
+                <a:spcPts val="0"/>
+              </a:spcAft>
+              <a:buSzPts val="1600"/>
+              <a:buChar char="●"/>
+            </a:pPr>
+            <a:r>
+              <a:rPr lang="en" sz="1600"/>
+              <a:t>checkout master</a:t>
+            </a:r>
+            <a:endParaRPr sz="1600"/>
+          </a:p>
+          <a:p>
+            <a:pPr indent="-330200" lvl="0" marL="457200" rtl="0" algn="l">
+              <a:spcBef>
+                <a:spcPts val="0"/>
+              </a:spcBef>
+              <a:spcAft>
+                <a:spcPts val="0"/>
+              </a:spcAft>
+              <a:buSzPts val="1600"/>
+              <a:buChar char="●"/>
+            </a:pPr>
+            <a:r>
+              <a:rPr lang="en" sz="1600"/>
+              <a:t>merge develop in master</a:t>
+            </a:r>
+            <a:endParaRPr sz="1600"/>
+          </a:p>
+          <a:p>
+            <a:pPr indent="-330200" lvl="0" marL="457200" rtl="0" algn="l">
+              <a:spcBef>
+                <a:spcPts val="0"/>
+              </a:spcBef>
+              <a:spcAft>
+                <a:spcPts val="0"/>
+              </a:spcAft>
+              <a:buSzPts val="1600"/>
+              <a:buChar char="●"/>
+            </a:pPr>
+            <a:r>
+              <a:rPr lang="en" sz="1600"/>
+              <a:t>commit changes</a:t>
+            </a:r>
+            <a:endParaRPr sz="1600"/>
+          </a:p>
+          <a:p>
+            <a:pPr indent="-330200" lvl="0" marL="457200" rtl="0" algn="l">
+              <a:spcBef>
+                <a:spcPts val="0"/>
+              </a:spcBef>
+              <a:spcAft>
+                <a:spcPts val="0"/>
+              </a:spcAft>
+              <a:buSzPts val="1600"/>
+              <a:buChar char="●"/>
+            </a:pPr>
+            <a:r>
+              <a:rPr lang="en" sz="1600"/>
+              <a:t>checkout develop</a:t>
+            </a:r>
+            <a:endParaRPr sz="1600"/>
+          </a:p>
+          <a:p>
+            <a:pPr indent="-330200" lvl="0" marL="457200" rtl="0" algn="l">
+              <a:spcBef>
+                <a:spcPts val="0"/>
+              </a:spcBef>
+              <a:spcAft>
+                <a:spcPts val="0"/>
+              </a:spcAft>
+              <a:buSzPts val="1600"/>
+              <a:buChar char="●"/>
+            </a:pPr>
+            <a:r>
+              <a:rPr lang="en" sz="1600"/>
+              <a:t>merge master in develop(fast-forward)</a:t>
+            </a:r>
+            <a:endParaRPr sz="1600"/>
+          </a:p>
+          <a:p>
+            <a:pPr indent="-330200" lvl="0" marL="457200" rtl="0" algn="l">
+              <a:spcBef>
+                <a:spcPts val="0"/>
+              </a:spcBef>
+              <a:spcAft>
+                <a:spcPts val="0"/>
+              </a:spcAft>
+              <a:buSzPts val="1600"/>
+              <a:buChar char="●"/>
+            </a:pPr>
+            <a:r>
+              <a:rPr lang="en" sz="1600"/>
+              <a:t>bekijk log</a:t>
+            </a:r>
+            <a:endParaRPr sz="1600"/>
+          </a:p>
+          <a:p>
+            <a:pPr indent="-330200" lvl="0" marL="457200" rtl="0" algn="l">
+              <a:spcBef>
+                <a:spcPts val="0"/>
+              </a:spcBef>
+              <a:spcAft>
+                <a:spcPts val="0"/>
+              </a:spcAft>
+              <a:buSzPts val="1600"/>
+              <a:buChar char="●"/>
+            </a:pPr>
+            <a:r>
+              <a:rPr lang="en" sz="1600"/>
+              <a:t>delete develop branch</a:t>
+            </a:r>
+            <a:endParaRPr sz="1600"/>
           </a:p>
         </p:txBody>
       </p:sp>
@@ -15026,7 +18190,7 @@
   <p:cSld>
     <p:spTree>
       <p:nvGrpSpPr>
-        <p:cNvPr id="159" name="Shape 159"/>
+        <p:cNvPr id="175" name="Shape 175"/>
         <p:cNvGrpSpPr/>
         <p:nvPr/>
       </p:nvGrpSpPr>
@@ -15040,13 +18204,13 @@
       </p:grpSpPr>
       <p:sp>
         <p:nvSpPr>
-          <p:cNvPr id="160" name="Google Shape;160;g705185adf8_0_32"/>
+          <p:cNvPr id="176" name="Google Shape;176;g705185adf8_0_32"/>
           <p:cNvSpPr/>
           <p:nvPr/>
         </p:nvSpPr>
         <p:spPr>
           <a:xfrm>
-            <a:off x="2852450" y="914400"/>
+            <a:off x="1458820" y="914730"/>
             <a:ext cx="183000" cy="182100"/>
           </a:xfrm>
           <a:prstGeom prst="ellipse">
@@ -15105,13 +18269,13 @@
       </p:sp>
       <p:sp>
         <p:nvSpPr>
-          <p:cNvPr id="161" name="Google Shape;161;g705185adf8_0_32"/>
+          <p:cNvPr id="177" name="Google Shape;177;g705185adf8_0_32"/>
           <p:cNvSpPr/>
           <p:nvPr/>
         </p:nvSpPr>
         <p:spPr>
           <a:xfrm>
-            <a:off x="3233450" y="1371600"/>
+            <a:off x="1839820" y="1371930"/>
             <a:ext cx="183000" cy="182100"/>
           </a:xfrm>
           <a:prstGeom prst="ellipse">
@@ -15170,16 +18334,16 @@
       </p:sp>
       <p:cxnSp>
         <p:nvCxnSpPr>
-          <p:cNvPr id="162" name="Google Shape;162;g705185adf8_0_32"/>
+          <p:cNvPr id="178" name="Google Shape;178;g705185adf8_0_32"/>
           <p:cNvCxnSpPr>
-            <a:stCxn id="160" idx="5"/>
-            <a:endCxn id="161" idx="1"/>
+            <a:stCxn id="176" idx="5"/>
+            <a:endCxn id="177" idx="1"/>
           </p:cNvCxnSpPr>
           <p:nvPr/>
         </p:nvCxnSpPr>
         <p:spPr>
           <a:xfrm>
-            <a:off x="3008650" y="1069832"/>
+            <a:off x="1615020" y="1070162"/>
             <a:ext cx="251700" cy="328500"/>
           </a:xfrm>
           <a:prstGeom prst="straightConnector1">
@@ -15199,13 +18363,13 @@
       </p:cxnSp>
       <p:sp>
         <p:nvSpPr>
-          <p:cNvPr id="163" name="Google Shape;163;g705185adf8_0_32"/>
+          <p:cNvPr id="179" name="Google Shape;179;g705185adf8_0_32"/>
           <p:cNvSpPr txBox="1"/>
           <p:nvPr/>
         </p:nvSpPr>
         <p:spPr>
           <a:xfrm>
-            <a:off x="3568700" y="868350"/>
+            <a:off x="2175070" y="868680"/>
             <a:ext cx="1097400" cy="274200"/>
           </a:xfrm>
           <a:prstGeom prst="rect">
@@ -15265,13 +18429,13 @@
       </p:sp>
       <p:sp>
         <p:nvSpPr>
-          <p:cNvPr id="164" name="Google Shape;164;g705185adf8_0_32"/>
+          <p:cNvPr id="180" name="Google Shape;180;g705185adf8_0_32"/>
           <p:cNvSpPr/>
           <p:nvPr/>
         </p:nvSpPr>
         <p:spPr>
           <a:xfrm>
-            <a:off x="3233450" y="1828800"/>
+            <a:off x="1839820" y="1829130"/>
             <a:ext cx="183000" cy="182100"/>
           </a:xfrm>
           <a:prstGeom prst="ellipse">
@@ -15330,13 +18494,13 @@
       </p:sp>
       <p:sp>
         <p:nvSpPr>
-          <p:cNvPr id="165" name="Google Shape;165;g705185adf8_0_32"/>
+          <p:cNvPr id="181" name="Google Shape;181;g705185adf8_0_32"/>
           <p:cNvSpPr txBox="1"/>
           <p:nvPr/>
         </p:nvSpPr>
         <p:spPr>
           <a:xfrm>
-            <a:off x="3568700" y="1325550"/>
+            <a:off x="2175070" y="1783080"/>
             <a:ext cx="1097400" cy="274200"/>
           </a:xfrm>
           <a:prstGeom prst="rect">
@@ -15380,7 +18544,7 @@
                 <a:cs typeface="Arial"/>
                 <a:sym typeface="Arial"/>
               </a:rPr>
-              <a:t>Wijziging 1</a:t>
+              <a:t>Wijziging 2</a:t>
             </a:r>
             <a:endParaRPr b="0" i="0" sz="1400" u="none" cap="none" strike="noStrike">
               <a:solidFill>
@@ -15396,79 +18560,13 @@
       </p:sp>
       <p:sp>
         <p:nvSpPr>
-          <p:cNvPr id="166" name="Google Shape;166;g705185adf8_0_32"/>
+          <p:cNvPr id="182" name="Google Shape;182;g705185adf8_0_32"/>
           <p:cNvSpPr txBox="1"/>
           <p:nvPr/>
         </p:nvSpPr>
         <p:spPr>
           <a:xfrm>
-            <a:off x="3568700" y="1782750"/>
-            <a:ext cx="1097400" cy="274200"/>
-          </a:xfrm>
-          <a:prstGeom prst="rect">
-            <a:avLst/>
-          </a:prstGeom>
-          <a:noFill/>
-          <a:ln>
-            <a:noFill/>
-          </a:ln>
-        </p:spPr>
-        <p:txBody>
-          <a:bodyPr anchorCtr="0" anchor="t" bIns="0" lIns="0" spcFirstLastPara="1" rIns="0" wrap="square" tIns="0">
-            <a:noAutofit/>
-          </a:bodyPr>
-          <a:lstStyle/>
-          <a:p>
-            <a:pPr indent="0" lvl="0" marL="0" marR="0" rtl="0" algn="l">
-              <a:lnSpc>
-                <a:spcPct val="100000"/>
-              </a:lnSpc>
-              <a:spcBef>
-                <a:spcPts val="0"/>
-              </a:spcBef>
-              <a:spcAft>
-                <a:spcPts val="0"/>
-              </a:spcAft>
-              <a:buClr>
-                <a:srgbClr val="000000"/>
-              </a:buClr>
-              <a:buSzPts val="1400"/>
-              <a:buFont typeface="Arial"/>
-              <a:buNone/>
-            </a:pPr>
-            <a:r>
-              <a:rPr b="0" i="0" lang="en" sz="1400" u="none" cap="none" strike="noStrike">
-                <a:solidFill>
-                  <a:srgbClr val="000000"/>
-                </a:solidFill>
-                <a:latin typeface="Arial"/>
-                <a:ea typeface="Arial"/>
-                <a:cs typeface="Arial"/>
-                <a:sym typeface="Arial"/>
-              </a:rPr>
-              <a:t>Wijziging 2</a:t>
-            </a:r>
-            <a:endParaRPr b="0" i="0" sz="1400" u="none" cap="none" strike="noStrike">
-              <a:solidFill>
-                <a:srgbClr val="000000"/>
-              </a:solidFill>
-              <a:latin typeface="Arial"/>
-              <a:ea typeface="Arial"/>
-              <a:cs typeface="Arial"/>
-              <a:sym typeface="Arial"/>
-            </a:endParaRPr>
-          </a:p>
-        </p:txBody>
-      </p:sp>
-      <p:sp>
-        <p:nvSpPr>
-          <p:cNvPr id="167" name="Google Shape;167;g705185adf8_0_32"/>
-          <p:cNvSpPr txBox="1"/>
-          <p:nvPr/>
-        </p:nvSpPr>
-        <p:spPr>
-          <a:xfrm>
-            <a:off x="2201350" y="2286000"/>
+            <a:off x="807720" y="2286330"/>
             <a:ext cx="479700" cy="182100"/>
           </a:xfrm>
           <a:prstGeom prst="rect">
@@ -15505,33 +18603,41 @@
               <a:buNone/>
             </a:pPr>
             <a:r>
-              <a:rPr i="0" lang="en" sz="900" u="none" cap="none" strike="noStrike">
+              <a:rPr b="0" i="0" lang="en" sz="900" u="none" cap="none" strike="noStrike">
                 <a:solidFill>
                   <a:srgbClr val="000000"/>
                 </a:solidFill>
+                <a:latin typeface="Arial"/>
+                <a:ea typeface="Arial"/>
+                <a:cs typeface="Arial"/>
+                <a:sym typeface="Arial"/>
               </a:rPr>
               <a:t>master</a:t>
             </a:r>
-            <a:endParaRPr i="0" sz="900" u="none" cap="none" strike="noStrike">
+            <a:endParaRPr b="0" i="0" sz="900" u="none" cap="none" strike="noStrike">
               <a:solidFill>
                 <a:srgbClr val="000000"/>
               </a:solidFill>
+              <a:latin typeface="Arial"/>
+              <a:ea typeface="Arial"/>
+              <a:cs typeface="Arial"/>
+              <a:sym typeface="Arial"/>
             </a:endParaRPr>
           </a:p>
         </p:txBody>
       </p:sp>
       <p:cxnSp>
         <p:nvCxnSpPr>
-          <p:cNvPr id="168" name="Google Shape;168;g705185adf8_0_32"/>
+          <p:cNvPr id="183" name="Google Shape;183;g705185adf8_0_32"/>
           <p:cNvCxnSpPr>
-            <a:stCxn id="161" idx="4"/>
-            <a:endCxn id="164" idx="0"/>
+            <a:stCxn id="177" idx="4"/>
+            <a:endCxn id="180" idx="0"/>
           </p:cNvCxnSpPr>
           <p:nvPr/>
         </p:nvCxnSpPr>
         <p:spPr>
           <a:xfrm>
-            <a:off x="3324950" y="1553700"/>
+            <a:off x="1931320" y="1554030"/>
             <a:ext cx="0" cy="275100"/>
           </a:xfrm>
           <a:prstGeom prst="straightConnector1">
@@ -15551,13 +18657,13 @@
       </p:cxnSp>
       <p:sp>
         <p:nvSpPr>
-          <p:cNvPr id="169" name="Google Shape;169;g705185adf8_0_32"/>
+          <p:cNvPr id="184" name="Google Shape;184;g705185adf8_0_32"/>
           <p:cNvSpPr/>
           <p:nvPr/>
         </p:nvSpPr>
         <p:spPr>
           <a:xfrm>
-            <a:off x="2852928" y="2286000"/>
+            <a:off x="1459298" y="2286330"/>
             <a:ext cx="183000" cy="182100"/>
           </a:xfrm>
           <a:prstGeom prst="ellipse">
@@ -15616,16 +18722,16 @@
       </p:sp>
       <p:cxnSp>
         <p:nvCxnSpPr>
-          <p:cNvPr id="170" name="Google Shape;170;g705185adf8_0_32"/>
+          <p:cNvPr id="185" name="Google Shape;185;g705185adf8_0_32"/>
           <p:cNvCxnSpPr>
-            <a:stCxn id="160" idx="4"/>
-            <a:endCxn id="169" idx="0"/>
+            <a:stCxn id="176" idx="4"/>
+            <a:endCxn id="184" idx="0"/>
           </p:cNvCxnSpPr>
           <p:nvPr/>
         </p:nvCxnSpPr>
         <p:spPr>
           <a:xfrm>
-            <a:off x="2943950" y="1096500"/>
+            <a:off x="1550320" y="1096830"/>
             <a:ext cx="600" cy="1189500"/>
           </a:xfrm>
           <a:prstGeom prst="straightConnector1">
@@ -15645,16 +18751,16 @@
       </p:cxnSp>
       <p:cxnSp>
         <p:nvCxnSpPr>
-          <p:cNvPr id="171" name="Google Shape;171;g705185adf8_0_32"/>
+          <p:cNvPr id="186" name="Google Shape;186;g705185adf8_0_32"/>
           <p:cNvCxnSpPr>
-            <a:stCxn id="164" idx="3"/>
-            <a:endCxn id="169" idx="7"/>
+            <a:stCxn id="180" idx="3"/>
+            <a:endCxn id="184" idx="7"/>
           </p:cNvCxnSpPr>
           <p:nvPr/>
         </p:nvCxnSpPr>
         <p:spPr>
           <a:xfrm flipH="1">
-            <a:off x="3009150" y="1984232"/>
+            <a:off x="1615520" y="1984562"/>
             <a:ext cx="251100" cy="328500"/>
           </a:xfrm>
           <a:prstGeom prst="straightConnector1">
@@ -15674,13 +18780,13 @@
       </p:cxnSp>
       <p:sp>
         <p:nvSpPr>
-          <p:cNvPr id="172" name="Google Shape;172;g705185adf8_0_32"/>
+          <p:cNvPr id="187" name="Google Shape;187;g705185adf8_0_32"/>
           <p:cNvSpPr txBox="1"/>
           <p:nvPr/>
         </p:nvSpPr>
         <p:spPr>
           <a:xfrm>
-            <a:off x="1667950" y="2286000"/>
+            <a:off x="274320" y="2286330"/>
             <a:ext cx="479700" cy="182100"/>
           </a:xfrm>
           <a:prstGeom prst="rect">
@@ -15721,6 +18827,10 @@
                 <a:solidFill>
                   <a:srgbClr val="000000"/>
                 </a:solidFill>
+                <a:latin typeface="Arial"/>
+                <a:ea typeface="Arial"/>
+                <a:cs typeface="Arial"/>
+                <a:sym typeface="Arial"/>
               </a:rPr>
               <a:t>develop</a:t>
             </a:r>
@@ -15728,19 +18838,23 @@
               <a:solidFill>
                 <a:srgbClr val="000000"/>
               </a:solidFill>
+              <a:latin typeface="Arial"/>
+              <a:ea typeface="Arial"/>
+              <a:cs typeface="Arial"/>
+              <a:sym typeface="Arial"/>
             </a:endParaRPr>
           </a:p>
         </p:txBody>
       </p:sp>
       <p:sp>
         <p:nvSpPr>
-          <p:cNvPr id="173" name="Google Shape;173;g705185adf8_0_32"/>
+          <p:cNvPr id="188" name="Google Shape;188;g705185adf8_0_32"/>
           <p:cNvSpPr txBox="1"/>
           <p:nvPr/>
         </p:nvSpPr>
         <p:spPr>
           <a:xfrm>
-            <a:off x="3568700" y="2240280"/>
+            <a:off x="2175070" y="2240610"/>
             <a:ext cx="1097400" cy="274200"/>
           </a:xfrm>
           <a:prstGeom prst="rect">
@@ -15800,7 +18914,7 @@
       </p:sp>
       <p:sp>
         <p:nvSpPr>
-          <p:cNvPr id="174" name="Google Shape;174;g705185adf8_0_32"/>
+          <p:cNvPr id="189" name="Google Shape;189;g705185adf8_0_32"/>
           <p:cNvSpPr txBox="1"/>
           <p:nvPr/>
         </p:nvSpPr>
@@ -15843,6 +18957,10 @@
               <a:buNone/>
             </a:pPr>
             <a:r>
+              <a:rPr lang="en"/>
+              <a:t>3. Opdracht </a:t>
+            </a:r>
+            <a:r>
               <a:rPr b="0" i="0" lang="en" sz="1400" u="none" cap="none" strike="noStrike">
                 <a:solidFill>
                   <a:srgbClr val="000000"/>
@@ -15863,6 +18981,412 @@
               <a:cs typeface="Arial"/>
               <a:sym typeface="Arial"/>
             </a:endParaRPr>
+          </a:p>
+        </p:txBody>
+      </p:sp>
+      <p:sp>
+        <p:nvSpPr>
+          <p:cNvPr id="190" name="Google Shape;190;g705185adf8_0_32"/>
+          <p:cNvSpPr txBox="1"/>
+          <p:nvPr/>
+        </p:nvSpPr>
+        <p:spPr>
+          <a:xfrm>
+            <a:off x="2175070" y="1325550"/>
+            <a:ext cx="1097400" cy="274200"/>
+          </a:xfrm>
+          <a:prstGeom prst="rect">
+            <a:avLst/>
+          </a:prstGeom>
+          <a:noFill/>
+          <a:ln>
+            <a:noFill/>
+          </a:ln>
+        </p:spPr>
+        <p:txBody>
+          <a:bodyPr anchorCtr="0" anchor="t" bIns="0" lIns="0" spcFirstLastPara="1" rIns="0" wrap="square" tIns="0">
+            <a:noAutofit/>
+          </a:bodyPr>
+          <a:lstStyle/>
+          <a:p>
+            <a:pPr indent="0" lvl="0" marL="0" marR="0" rtl="0" algn="l">
+              <a:lnSpc>
+                <a:spcPct val="100000"/>
+              </a:lnSpc>
+              <a:spcBef>
+                <a:spcPts val="0"/>
+              </a:spcBef>
+              <a:spcAft>
+                <a:spcPts val="0"/>
+              </a:spcAft>
+              <a:buClr>
+                <a:srgbClr val="000000"/>
+              </a:buClr>
+              <a:buSzPts val="1400"/>
+              <a:buFont typeface="Arial"/>
+              <a:buNone/>
+            </a:pPr>
+            <a:r>
+              <a:rPr b="0" i="0" lang="en" sz="1400" u="none" cap="none" strike="noStrike">
+                <a:solidFill>
+                  <a:srgbClr val="000000"/>
+                </a:solidFill>
+                <a:latin typeface="Arial"/>
+                <a:ea typeface="Arial"/>
+                <a:cs typeface="Arial"/>
+                <a:sym typeface="Arial"/>
+              </a:rPr>
+              <a:t>Wijziging 1</a:t>
+            </a:r>
+            <a:endParaRPr b="0" i="0" sz="1400" u="none" cap="none" strike="noStrike">
+              <a:solidFill>
+                <a:srgbClr val="000000"/>
+              </a:solidFill>
+              <a:latin typeface="Arial"/>
+              <a:ea typeface="Arial"/>
+              <a:cs typeface="Arial"/>
+              <a:sym typeface="Arial"/>
+            </a:endParaRPr>
+          </a:p>
+        </p:txBody>
+      </p:sp>
+      <p:sp>
+        <p:nvSpPr>
+          <p:cNvPr id="191" name="Google Shape;191;g705185adf8_0_32"/>
+          <p:cNvSpPr txBox="1"/>
+          <p:nvPr/>
+        </p:nvSpPr>
+        <p:spPr>
+          <a:xfrm>
+            <a:off x="275925" y="4223750"/>
+            <a:ext cx="1875000" cy="601200"/>
+          </a:xfrm>
+          <a:prstGeom prst="rect">
+            <a:avLst/>
+          </a:prstGeom>
+          <a:solidFill>
+            <a:srgbClr val="CFE2F3"/>
+          </a:solidFill>
+          <a:ln cap="flat" cmpd="sng" w="9525">
+            <a:solidFill>
+              <a:srgbClr val="000000"/>
+            </a:solidFill>
+            <a:prstDash val="solid"/>
+            <a:round/>
+            <a:headEnd len="sm" w="sm" type="none"/>
+            <a:tailEnd len="sm" w="sm" type="none"/>
+          </a:ln>
+        </p:spPr>
+        <p:txBody>
+          <a:bodyPr anchorCtr="0" anchor="t" bIns="91425" lIns="91425" spcFirstLastPara="1" rIns="91425" wrap="square" tIns="91425">
+            <a:noAutofit/>
+          </a:bodyPr>
+          <a:lstStyle/>
+          <a:p>
+            <a:pPr indent="0" lvl="0" marL="0" marR="0" rtl="0" algn="l">
+              <a:lnSpc>
+                <a:spcPct val="100000"/>
+              </a:lnSpc>
+              <a:spcBef>
+                <a:spcPts val="0"/>
+              </a:spcBef>
+              <a:spcAft>
+                <a:spcPts val="0"/>
+              </a:spcAft>
+              <a:buClr>
+                <a:srgbClr val="000000"/>
+              </a:buClr>
+              <a:buSzPts val="1100"/>
+              <a:buFont typeface="Arial"/>
+              <a:buNone/>
+            </a:pPr>
+            <a:r>
+              <a:rPr b="0" i="0" lang="en" sz="1400" u="none" cap="none" strike="noStrike">
+                <a:solidFill>
+                  <a:srgbClr val="000000"/>
+                </a:solidFill>
+                <a:latin typeface="Arial"/>
+                <a:ea typeface="Arial"/>
+                <a:cs typeface="Arial"/>
+                <a:sym typeface="Arial"/>
+              </a:rPr>
+              <a:t>git branch</a:t>
+            </a:r>
+            <a:endParaRPr/>
+          </a:p>
+          <a:p>
+            <a:pPr indent="0" lvl="0" marL="0" marR="0" rtl="0" algn="l">
+              <a:lnSpc>
+                <a:spcPct val="100000"/>
+              </a:lnSpc>
+              <a:spcBef>
+                <a:spcPts val="0"/>
+              </a:spcBef>
+              <a:spcAft>
+                <a:spcPts val="0"/>
+              </a:spcAft>
+              <a:buClr>
+                <a:srgbClr val="000000"/>
+              </a:buClr>
+              <a:buSzPts val="1100"/>
+              <a:buFont typeface="Arial"/>
+              <a:buNone/>
+            </a:pPr>
+            <a:r>
+              <a:rPr b="0" i="0" lang="en" sz="1400" u="none" cap="none" strike="noStrike">
+                <a:solidFill>
+                  <a:srgbClr val="000000"/>
+                </a:solidFill>
+                <a:latin typeface="Arial"/>
+                <a:ea typeface="Arial"/>
+                <a:cs typeface="Arial"/>
+                <a:sym typeface="Arial"/>
+              </a:rPr>
+              <a:t>git </a:t>
+            </a:r>
+            <a:r>
+              <a:rPr lang="en"/>
+              <a:t>checkout</a:t>
+            </a:r>
+            <a:endParaRPr b="0" i="0" sz="1400" u="none" cap="none" strike="noStrike">
+              <a:solidFill>
+                <a:srgbClr val="000000"/>
+              </a:solidFill>
+              <a:latin typeface="Arial"/>
+              <a:ea typeface="Arial"/>
+              <a:cs typeface="Arial"/>
+              <a:sym typeface="Arial"/>
+            </a:endParaRPr>
+          </a:p>
+        </p:txBody>
+      </p:sp>
+      <p:sp>
+        <p:nvSpPr>
+          <p:cNvPr id="192" name="Google Shape;192;g705185adf8_0_32"/>
+          <p:cNvSpPr txBox="1"/>
+          <p:nvPr/>
+        </p:nvSpPr>
+        <p:spPr>
+          <a:xfrm>
+            <a:off x="3621025" y="740675"/>
+            <a:ext cx="5523000" cy="3123900"/>
+          </a:xfrm>
+          <a:prstGeom prst="rect">
+            <a:avLst/>
+          </a:prstGeom>
+          <a:noFill/>
+          <a:ln>
+            <a:noFill/>
+          </a:ln>
+        </p:spPr>
+        <p:txBody>
+          <a:bodyPr anchorCtr="0" anchor="t" bIns="91425" lIns="91425" spcFirstLastPara="1" rIns="91425" wrap="square" tIns="91425">
+            <a:noAutofit/>
+          </a:bodyPr>
+          <a:lstStyle/>
+          <a:p>
+            <a:pPr indent="-330200" lvl="0" marL="457200" rtl="0" algn="l">
+              <a:spcBef>
+                <a:spcPts val="0"/>
+              </a:spcBef>
+              <a:spcAft>
+                <a:spcPts val="0"/>
+              </a:spcAft>
+              <a:buSzPts val="1600"/>
+              <a:buChar char="●"/>
+            </a:pPr>
+            <a:r>
+              <a:rPr lang="en" sz="1600"/>
+              <a:t>maak initial commit</a:t>
+            </a:r>
+            <a:endParaRPr sz="1600"/>
+          </a:p>
+          <a:p>
+            <a:pPr indent="-330200" lvl="0" marL="457200" rtl="0" algn="l">
+              <a:spcBef>
+                <a:spcPts val="0"/>
+              </a:spcBef>
+              <a:spcAft>
+                <a:spcPts val="0"/>
+              </a:spcAft>
+              <a:buSzPts val="1600"/>
+              <a:buChar char="●"/>
+            </a:pPr>
+            <a:r>
+              <a:rPr lang="en" sz="1600"/>
+              <a:t>maak nieuwe branch develop</a:t>
+            </a:r>
+            <a:endParaRPr sz="1600"/>
+          </a:p>
+          <a:p>
+            <a:pPr indent="-330200" lvl="0" marL="457200" rtl="0" algn="l">
+              <a:spcBef>
+                <a:spcPts val="0"/>
+              </a:spcBef>
+              <a:spcAft>
+                <a:spcPts val="0"/>
+              </a:spcAft>
+              <a:buSzPts val="1600"/>
+              <a:buChar char="●"/>
+            </a:pPr>
+            <a:r>
+              <a:rPr lang="en" sz="1600"/>
+              <a:t>checkout develop</a:t>
+            </a:r>
+            <a:endParaRPr sz="1600"/>
+          </a:p>
+          <a:p>
+            <a:pPr indent="-330200" lvl="0" marL="457200" rtl="0" algn="l">
+              <a:spcBef>
+                <a:spcPts val="0"/>
+              </a:spcBef>
+              <a:spcAft>
+                <a:spcPts val="0"/>
+              </a:spcAft>
+              <a:buSzPts val="1600"/>
+              <a:buChar char="●"/>
+            </a:pPr>
+            <a:r>
+              <a:rPr lang="en" sz="1600"/>
+              <a:t>maak wijziging en commit</a:t>
+            </a:r>
+            <a:endParaRPr sz="1600"/>
+          </a:p>
+          <a:p>
+            <a:pPr indent="-330200" lvl="0" marL="457200" rtl="0" algn="l">
+              <a:spcBef>
+                <a:spcPts val="0"/>
+              </a:spcBef>
+              <a:spcAft>
+                <a:spcPts val="0"/>
+              </a:spcAft>
+              <a:buSzPts val="1600"/>
+              <a:buChar char="●"/>
+            </a:pPr>
+            <a:r>
+              <a:rPr lang="en" sz="1600"/>
+              <a:t>maak nog wijziging en commit</a:t>
+            </a:r>
+            <a:endParaRPr sz="1600"/>
+          </a:p>
+          <a:p>
+            <a:pPr indent="-330200" lvl="0" marL="457200" rtl="0" algn="l">
+              <a:spcBef>
+                <a:spcPts val="0"/>
+              </a:spcBef>
+              <a:spcAft>
+                <a:spcPts val="0"/>
+              </a:spcAft>
+              <a:buSzPts val="1600"/>
+              <a:buChar char="●"/>
+            </a:pPr>
+            <a:r>
+              <a:rPr lang="en" sz="1600"/>
+              <a:t>checkout master</a:t>
+            </a:r>
+            <a:endParaRPr sz="1600"/>
+          </a:p>
+          <a:p>
+            <a:pPr indent="-330200" lvl="0" marL="457200" rtl="0" algn="l">
+              <a:spcBef>
+                <a:spcPts val="0"/>
+              </a:spcBef>
+              <a:spcAft>
+                <a:spcPts val="0"/>
+              </a:spcAft>
+              <a:buSzPts val="1600"/>
+              <a:buChar char="●"/>
+            </a:pPr>
+            <a:r>
+              <a:rPr lang="en" sz="1600"/>
+              <a:t>merge develop in master</a:t>
+            </a:r>
+            <a:endParaRPr sz="1600"/>
+          </a:p>
+          <a:p>
+            <a:pPr indent="-330200" lvl="0" marL="457200" rtl="0" algn="l">
+              <a:spcBef>
+                <a:spcPts val="0"/>
+              </a:spcBef>
+              <a:spcAft>
+                <a:spcPts val="0"/>
+              </a:spcAft>
+              <a:buSzPts val="1600"/>
+              <a:buChar char="●"/>
+            </a:pPr>
+            <a:r>
+              <a:rPr lang="en" sz="1600"/>
+              <a:t>commit changes</a:t>
+            </a:r>
+            <a:endParaRPr sz="1600"/>
+          </a:p>
+          <a:p>
+            <a:pPr indent="-330200" lvl="0" marL="457200" rtl="0" algn="l">
+              <a:spcBef>
+                <a:spcPts val="0"/>
+              </a:spcBef>
+              <a:spcAft>
+                <a:spcPts val="0"/>
+              </a:spcAft>
+              <a:buSzPts val="1600"/>
+              <a:buChar char="●"/>
+            </a:pPr>
+            <a:r>
+              <a:rPr lang="en" sz="1600"/>
+              <a:t>checkout develop</a:t>
+            </a:r>
+            <a:endParaRPr sz="1600"/>
+          </a:p>
+          <a:p>
+            <a:pPr indent="-330200" lvl="0" marL="457200" rtl="0" algn="l">
+              <a:spcBef>
+                <a:spcPts val="0"/>
+              </a:spcBef>
+              <a:spcAft>
+                <a:spcPts val="0"/>
+              </a:spcAft>
+              <a:buSzPts val="1600"/>
+              <a:buChar char="●"/>
+            </a:pPr>
+            <a:r>
+              <a:rPr lang="en" sz="1600"/>
+              <a:t>merge master in develop(fast-forward)</a:t>
+            </a:r>
+            <a:endParaRPr sz="1600"/>
+          </a:p>
+          <a:p>
+            <a:pPr indent="-330200" lvl="0" marL="457200" rtl="0" algn="l">
+              <a:spcBef>
+                <a:spcPts val="0"/>
+              </a:spcBef>
+              <a:spcAft>
+                <a:spcPts val="0"/>
+              </a:spcAft>
+              <a:buSzPts val="1600"/>
+              <a:buChar char="●"/>
+            </a:pPr>
+            <a:r>
+              <a:rPr lang="en" sz="1600"/>
+              <a:t>bekijk log</a:t>
+            </a:r>
+            <a:endParaRPr sz="1600"/>
+          </a:p>
+          <a:p>
+            <a:pPr indent="-330200" lvl="0" marL="457200" rtl="0" algn="l">
+              <a:spcBef>
+                <a:spcPts val="0"/>
+              </a:spcBef>
+              <a:spcAft>
+                <a:spcPts val="0"/>
+              </a:spcAft>
+              <a:buSzPts val="1600"/>
+              <a:buChar char="●"/>
+            </a:pPr>
+            <a:r>
+              <a:rPr lang="en" sz="1600"/>
+              <a:t>delete develop branch</a:t>
+            </a:r>
+            <a:endParaRPr sz="1600"/>
           </a:p>
         </p:txBody>
       </p:sp>
@@ -15875,6 +19399,285 @@
 </file>
 
 <file path=ppt/theme/theme1.xml><?xml version="1.0" encoding="utf-8"?>
+<a:theme xmlns:a="http://schemas.openxmlformats.org/drawingml/2006/main" xmlns:r="http://schemas.openxmlformats.org/officeDocument/2006/relationships">
+  <a:themeElements>
+    <a:clrScheme name="Default">
+      <a:dk1>
+        <a:srgbClr val="000000"/>
+      </a:dk1>
+      <a:lt1>
+        <a:srgbClr val="FFFFFF"/>
+      </a:lt1>
+      <a:dk2>
+        <a:srgbClr val="158158"/>
+      </a:dk2>
+      <a:lt2>
+        <a:srgbClr val="F3F3F3"/>
+      </a:lt2>
+      <a:accent1>
+        <a:srgbClr val="058DC7"/>
+      </a:accent1>
+      <a:accent2>
+        <a:srgbClr val="50B432"/>
+      </a:accent2>
+      <a:accent3>
+        <a:srgbClr val="ED561B"/>
+      </a:accent3>
+      <a:accent4>
+        <a:srgbClr val="EDEF00"/>
+      </a:accent4>
+      <a:accent5>
+        <a:srgbClr val="24CBE5"/>
+      </a:accent5>
+      <a:accent6>
+        <a:srgbClr val="64E572"/>
+      </a:accent6>
+      <a:hlink>
+        <a:srgbClr val="2200CC"/>
+      </a:hlink>
+      <a:folHlink>
+        <a:srgbClr val="551A8B"/>
+      </a:folHlink>
+    </a:clrScheme>
+    <a:fontScheme name="Office">
+      <a:majorFont>
+        <a:latin typeface="Arial"/>
+        <a:ea typeface=""/>
+        <a:cs typeface=""/>
+        <a:font script="Jpan" typeface="ＭＳ Ｐゴシック"/>
+        <a:font script="Hang" typeface="맑은 고딕"/>
+        <a:font script="Hans" typeface="宋体"/>
+        <a:font script="Hant" typeface="新細明體"/>
+        <a:font script="Arab" typeface="Times New Roman"/>
+        <a:font script="Hebr" typeface="Times New Roman"/>
+        <a:font script="Thai" typeface="Angsana New"/>
+        <a:font script="Ethi" typeface="Nyala"/>
+        <a:font script="Beng" typeface="Vrinda"/>
+        <a:font script="Gujr" typeface="Shruti"/>
+        <a:font script="Khmr" typeface="MoolBoran"/>
+        <a:font script="Knda" typeface="Tunga"/>
+        <a:font script="Guru" typeface="Raavi"/>
+        <a:font script="Cans" typeface="Euphemia"/>
+        <a:font script="Cher" typeface="Plantagenet Cherokee"/>
+        <a:font script="Yiii" typeface="Microsoft Yi Baiti"/>
+        <a:font script="Tibt" typeface="Microsoft Himalaya"/>
+        <a:font script="Thaa" typeface="MV Boli"/>
+        <a:font script="Deva" typeface="Mangal"/>
+        <a:font script="Telu" typeface="Gautami"/>
+        <a:font script="Taml" typeface="Latha"/>
+        <a:font script="Syrc" typeface="Estrangelo Edessa"/>
+        <a:font script="Orya" typeface="Kalinga"/>
+        <a:font script="Mlym" typeface="Kartika"/>
+        <a:font script="Laoo" typeface="DokChampa"/>
+        <a:font script="Sinh" typeface="Iskoola Pota"/>
+        <a:font script="Mong" typeface="Mongolian Baiti"/>
+        <a:font script="Viet" typeface="Times New Roman"/>
+        <a:font script="Uigh" typeface="Microsoft Uighur"/>
+        <a:font script="Geor" typeface="Sylfaen"/>
+      </a:majorFont>
+      <a:minorFont>
+        <a:latin typeface="Arial"/>
+        <a:ea typeface=""/>
+        <a:cs typeface=""/>
+        <a:font script="Jpan" typeface="ＭＳ Ｐゴシック"/>
+        <a:font script="Hang" typeface="맑은 고딕"/>
+        <a:font script="Hans" typeface="宋体"/>
+        <a:font script="Hant" typeface="新細明體"/>
+        <a:font script="Arab" typeface="Arial"/>
+        <a:font script="Hebr" typeface="Arial"/>
+        <a:font script="Thai" typeface="Cordia New"/>
+        <a:font script="Ethi" typeface="Nyala"/>
+        <a:font script="Beng" typeface="Vrinda"/>
+        <a:font script="Gujr" typeface="Shruti"/>
+        <a:font script="Khmr" typeface="DaunPenh"/>
+        <a:font script="Knda" typeface="Tunga"/>
+        <a:font script="Guru" typeface="Raavi"/>
+        <a:font script="Cans" typeface="Euphemia"/>
+        <a:font script="Cher" typeface="Plantagenet Cherokee"/>
+        <a:font script="Yiii" typeface="Microsoft Yi Baiti"/>
+        <a:font script="Tibt" typeface="Microsoft Himalaya"/>
+        <a:font script="Thaa" typeface="MV Boli"/>
+        <a:font script="Deva" typeface="Mangal"/>
+        <a:font script="Telu" typeface="Gautami"/>
+        <a:font script="Taml" typeface="Latha"/>
+        <a:font script="Syrc" typeface="Estrangelo Edessa"/>
+        <a:font script="Orya" typeface="Kalinga"/>
+        <a:font script="Mlym" typeface="Kartika"/>
+        <a:font script="Laoo" typeface="DokChampa"/>
+        <a:font script="Sinh" typeface="Iskoola Pota"/>
+        <a:font script="Mong" typeface="Mongolian Baiti"/>
+        <a:font script="Viet" typeface="Arial"/>
+        <a:font script="Uigh" typeface="Microsoft Uighur"/>
+        <a:font script="Geor" typeface="Sylfaen"/>
+      </a:minorFont>
+    </a:fontScheme>
+    <a:fmtScheme name="Office">
+      <a:fillStyleLst>
+        <a:solidFill>
+          <a:schemeClr val="phClr"/>
+        </a:solidFill>
+        <a:gradFill rotWithShape="1">
+          <a:gsLst>
+            <a:gs pos="0">
+              <a:schemeClr val="phClr">
+                <a:tint val="50000"/>
+                <a:satMod val="300000"/>
+              </a:schemeClr>
+            </a:gs>
+            <a:gs pos="35000">
+              <a:schemeClr val="phClr">
+                <a:tint val="37000"/>
+                <a:satMod val="300000"/>
+              </a:schemeClr>
+            </a:gs>
+            <a:gs pos="100000">
+              <a:schemeClr val="phClr">
+                <a:tint val="15000"/>
+                <a:satMod val="350000"/>
+              </a:schemeClr>
+            </a:gs>
+          </a:gsLst>
+          <a:lin ang="16200000" scaled="1"/>
+        </a:gradFill>
+        <a:gradFill rotWithShape="1">
+          <a:gsLst>
+            <a:gs pos="0">
+              <a:schemeClr val="phClr">
+                <a:tint val="100000"/>
+                <a:shade val="100000"/>
+                <a:satMod val="130000"/>
+              </a:schemeClr>
+            </a:gs>
+            <a:gs pos="100000">
+              <a:schemeClr val="phClr">
+                <a:tint val="50000"/>
+                <a:shade val="100000"/>
+                <a:satMod val="350000"/>
+              </a:schemeClr>
+            </a:gs>
+          </a:gsLst>
+          <a:lin ang="16200000" scaled="0"/>
+        </a:gradFill>
+      </a:fillStyleLst>
+      <a:lnStyleLst>
+        <a:ln w="9525" cap="flat" cmpd="sng" algn="ctr">
+          <a:solidFill>
+            <a:schemeClr val="phClr">
+              <a:shade val="95000"/>
+              <a:satMod val="105000"/>
+            </a:schemeClr>
+          </a:solidFill>
+          <a:prstDash val="solid"/>
+        </a:ln>
+        <a:ln w="25400" cap="flat" cmpd="sng" algn="ctr">
+          <a:solidFill>
+            <a:schemeClr val="phClr"/>
+          </a:solidFill>
+          <a:prstDash val="solid"/>
+        </a:ln>
+        <a:ln w="38100" cap="flat" cmpd="sng" algn="ctr">
+          <a:solidFill>
+            <a:schemeClr val="phClr"/>
+          </a:solidFill>
+          <a:prstDash val="solid"/>
+        </a:ln>
+      </a:lnStyleLst>
+      <a:effectStyleLst>
+        <a:effectStyle>
+          <a:effectLst>
+            <a:outerShdw blurRad="40000" dist="20000" dir="5400000" rotWithShape="0">
+              <a:srgbClr val="000000">
+                <a:alpha val="38000"/>
+              </a:srgbClr>
+            </a:outerShdw>
+          </a:effectLst>
+        </a:effectStyle>
+        <a:effectStyle>
+          <a:effectLst>
+            <a:outerShdw blurRad="40000" dist="23000" dir="5400000" rotWithShape="0">
+              <a:srgbClr val="000000">
+                <a:alpha val="35000"/>
+              </a:srgbClr>
+            </a:outerShdw>
+          </a:effectLst>
+        </a:effectStyle>
+        <a:effectStyle>
+          <a:effectLst>
+            <a:outerShdw blurRad="40000" dist="23000" dir="5400000" rotWithShape="0">
+              <a:srgbClr val="000000">
+                <a:alpha val="35000"/>
+              </a:srgbClr>
+            </a:outerShdw>
+          </a:effectLst>
+          <a:scene3d>
+            <a:camera prst="orthographicFront">
+              <a:rot lat="0" lon="0" rev="0"/>
+            </a:camera>
+            <a:lightRig rig="threePt" dir="t">
+              <a:rot lat="0" lon="0" rev="1200000"/>
+            </a:lightRig>
+          </a:scene3d>
+          <a:sp3d>
+            <a:bevelT w="63500" h="25400"/>
+          </a:sp3d>
+        </a:effectStyle>
+      </a:effectStyleLst>
+      <a:bgFillStyleLst>
+        <a:solidFill>
+          <a:schemeClr val="phClr"/>
+        </a:solidFill>
+        <a:gradFill rotWithShape="1">
+          <a:gsLst>
+            <a:gs pos="0">
+              <a:schemeClr val="phClr">
+                <a:tint val="40000"/>
+                <a:satMod val="350000"/>
+              </a:schemeClr>
+            </a:gs>
+            <a:gs pos="40000">
+              <a:schemeClr val="phClr">
+                <a:tint val="45000"/>
+                <a:shade val="99000"/>
+                <a:satMod val="350000"/>
+              </a:schemeClr>
+            </a:gs>
+            <a:gs pos="100000">
+              <a:schemeClr val="phClr">
+                <a:shade val="20000"/>
+                <a:satMod val="255000"/>
+              </a:schemeClr>
+            </a:gs>
+          </a:gsLst>
+          <a:path path="circle">
+            <a:fillToRect l="50000" t="-80000" r="50000" b="180000"/>
+          </a:path>
+        </a:gradFill>
+        <a:gradFill rotWithShape="1">
+          <a:gsLst>
+            <a:gs pos="0">
+              <a:schemeClr val="phClr">
+                <a:tint val="80000"/>
+                <a:satMod val="300000"/>
+              </a:schemeClr>
+            </a:gs>
+            <a:gs pos="100000">
+              <a:schemeClr val="phClr">
+                <a:shade val="30000"/>
+                <a:satMod val="200000"/>
+              </a:schemeClr>
+            </a:gs>
+          </a:gsLst>
+          <a:path path="circle">
+            <a:fillToRect l="50000" t="50000" r="50000" b="50000"/>
+          </a:path>
+        </a:gradFill>
+      </a:bgFillStyleLst>
+    </a:fmtScheme>
+  </a:themeElements>
+</a:theme>
+</file>
+
+<file path=ppt/theme/theme2.xml><?xml version="1.0" encoding="utf-8"?>
 <a:theme xmlns:a="http://schemas.openxmlformats.org/drawingml/2006/main" xmlns:r="http://schemas.openxmlformats.org/officeDocument/2006/relationships" name="Simple Light">
   <a:themeElements>
     <a:clrScheme name="Simple Light">
@@ -16151,283 +19954,4 @@
     </a:fmtScheme>
   </a:themeElements>
 </a:theme>
-</file>
-
-<file path=ppt/theme/theme2.xml><?xml version="1.0" encoding="utf-8"?>
-<a:theme xmlns:a="http://schemas.openxmlformats.org/drawingml/2006/main" xmlns:r="http://schemas.openxmlformats.org/officeDocument/2006/relationships">
-  <a:themeElements>
-    <a:clrScheme name="Default">
-      <a:dk1>
-        <a:srgbClr val="000000"/>
-      </a:dk1>
-      <a:lt1>
-        <a:srgbClr val="FFFFFF"/>
-      </a:lt1>
-      <a:dk2>
-        <a:srgbClr val="158158"/>
-      </a:dk2>
-      <a:lt2>
-        <a:srgbClr val="F3F3F3"/>
-      </a:lt2>
-      <a:accent1>
-        <a:srgbClr val="058DC7"/>
-      </a:accent1>
-      <a:accent2>
-        <a:srgbClr val="50B432"/>
-      </a:accent2>
-      <a:accent3>
-        <a:srgbClr val="ED561B"/>
-      </a:accent3>
-      <a:accent4>
-        <a:srgbClr val="EDEF00"/>
-      </a:accent4>
-      <a:accent5>
-        <a:srgbClr val="24CBE5"/>
-      </a:accent5>
-      <a:accent6>
-        <a:srgbClr val="64E572"/>
-      </a:accent6>
-      <a:hlink>
-        <a:srgbClr val="2200CC"/>
-      </a:hlink>
-      <a:folHlink>
-        <a:srgbClr val="551A8B"/>
-      </a:folHlink>
-    </a:clrScheme>
-    <a:fontScheme name="Office">
-      <a:majorFont>
-        <a:latin typeface="Arial"/>
-        <a:ea typeface=""/>
-        <a:cs typeface=""/>
-        <a:font script="Jpan" typeface="ＭＳ Ｐゴシック"/>
-        <a:font script="Hang" typeface="맑은 고딕"/>
-        <a:font script="Hans" typeface="宋体"/>
-        <a:font script="Hant" typeface="新細明體"/>
-        <a:font script="Arab" typeface="Times New Roman"/>
-        <a:font script="Hebr" typeface="Times New Roman"/>
-        <a:font script="Thai" typeface="Angsana New"/>
-        <a:font script="Ethi" typeface="Nyala"/>
-        <a:font script="Beng" typeface="Vrinda"/>
-        <a:font script="Gujr" typeface="Shruti"/>
-        <a:font script="Khmr" typeface="MoolBoran"/>
-        <a:font script="Knda" typeface="Tunga"/>
-        <a:font script="Guru" typeface="Raavi"/>
-        <a:font script="Cans" typeface="Euphemia"/>
-        <a:font script="Cher" typeface="Plantagenet Cherokee"/>
-        <a:font script="Yiii" typeface="Microsoft Yi Baiti"/>
-        <a:font script="Tibt" typeface="Microsoft Himalaya"/>
-        <a:font script="Thaa" typeface="MV Boli"/>
-        <a:font script="Deva" typeface="Mangal"/>
-        <a:font script="Telu" typeface="Gautami"/>
-        <a:font script="Taml" typeface="Latha"/>
-        <a:font script="Syrc" typeface="Estrangelo Edessa"/>
-        <a:font script="Orya" typeface="Kalinga"/>
-        <a:font script="Mlym" typeface="Kartika"/>
-        <a:font script="Laoo" typeface="DokChampa"/>
-        <a:font script="Sinh" typeface="Iskoola Pota"/>
-        <a:font script="Mong" typeface="Mongolian Baiti"/>
-        <a:font script="Viet" typeface="Times New Roman"/>
-        <a:font script="Uigh" typeface="Microsoft Uighur"/>
-        <a:font script="Geor" typeface="Sylfaen"/>
-      </a:majorFont>
-      <a:minorFont>
-        <a:latin typeface="Arial"/>
-        <a:ea typeface=""/>
-        <a:cs typeface=""/>
-        <a:font script="Jpan" typeface="ＭＳ Ｐゴシック"/>
-        <a:font script="Hang" typeface="맑은 고딕"/>
-        <a:font script="Hans" typeface="宋体"/>
-        <a:font script="Hant" typeface="新細明體"/>
-        <a:font script="Arab" typeface="Arial"/>
-        <a:font script="Hebr" typeface="Arial"/>
-        <a:font script="Thai" typeface="Cordia New"/>
-        <a:font script="Ethi" typeface="Nyala"/>
-        <a:font script="Beng" typeface="Vrinda"/>
-        <a:font script="Gujr" typeface="Shruti"/>
-        <a:font script="Khmr" typeface="DaunPenh"/>
-        <a:font script="Knda" typeface="Tunga"/>
-        <a:font script="Guru" typeface="Raavi"/>
-        <a:font script="Cans" typeface="Euphemia"/>
-        <a:font script="Cher" typeface="Plantagenet Cherokee"/>
-        <a:font script="Yiii" typeface="Microsoft Yi Baiti"/>
-        <a:font script="Tibt" typeface="Microsoft Himalaya"/>
-        <a:font script="Thaa" typeface="MV Boli"/>
-        <a:font script="Deva" typeface="Mangal"/>
-        <a:font script="Telu" typeface="Gautami"/>
-        <a:font script="Taml" typeface="Latha"/>
-        <a:font script="Syrc" typeface="Estrangelo Edessa"/>
-        <a:font script="Orya" typeface="Kalinga"/>
-        <a:font script="Mlym" typeface="Kartika"/>
-        <a:font script="Laoo" typeface="DokChampa"/>
-        <a:font script="Sinh" typeface="Iskoola Pota"/>
-        <a:font script="Mong" typeface="Mongolian Baiti"/>
-        <a:font script="Viet" typeface="Arial"/>
-        <a:font script="Uigh" typeface="Microsoft Uighur"/>
-        <a:font script="Geor" typeface="Sylfaen"/>
-      </a:minorFont>
-    </a:fontScheme>
-    <a:fmtScheme name="Office">
-      <a:fillStyleLst>
-        <a:solidFill>
-          <a:schemeClr val="phClr"/>
-        </a:solidFill>
-        <a:gradFill rotWithShape="1">
-          <a:gsLst>
-            <a:gs pos="0">
-              <a:schemeClr val="phClr">
-                <a:tint val="50000"/>
-                <a:satMod val="300000"/>
-              </a:schemeClr>
-            </a:gs>
-            <a:gs pos="35000">
-              <a:schemeClr val="phClr">
-                <a:tint val="37000"/>
-                <a:satMod val="300000"/>
-              </a:schemeClr>
-            </a:gs>
-            <a:gs pos="100000">
-              <a:schemeClr val="phClr">
-                <a:tint val="15000"/>
-                <a:satMod val="350000"/>
-              </a:schemeClr>
-            </a:gs>
-          </a:gsLst>
-          <a:lin ang="16200000" scaled="1"/>
-        </a:gradFill>
-        <a:gradFill rotWithShape="1">
-          <a:gsLst>
-            <a:gs pos="0">
-              <a:schemeClr val="phClr">
-                <a:tint val="100000"/>
-                <a:shade val="100000"/>
-                <a:satMod val="130000"/>
-              </a:schemeClr>
-            </a:gs>
-            <a:gs pos="100000">
-              <a:schemeClr val="phClr">
-                <a:tint val="50000"/>
-                <a:shade val="100000"/>
-                <a:satMod val="350000"/>
-              </a:schemeClr>
-            </a:gs>
-          </a:gsLst>
-          <a:lin ang="16200000" scaled="0"/>
-        </a:gradFill>
-      </a:fillStyleLst>
-      <a:lnStyleLst>
-        <a:ln w="9525" cap="flat" cmpd="sng" algn="ctr">
-          <a:solidFill>
-            <a:schemeClr val="phClr">
-              <a:shade val="95000"/>
-              <a:satMod val="105000"/>
-            </a:schemeClr>
-          </a:solidFill>
-          <a:prstDash val="solid"/>
-        </a:ln>
-        <a:ln w="25400" cap="flat" cmpd="sng" algn="ctr">
-          <a:solidFill>
-            <a:schemeClr val="phClr"/>
-          </a:solidFill>
-          <a:prstDash val="solid"/>
-        </a:ln>
-        <a:ln w="38100" cap="flat" cmpd="sng" algn="ctr">
-          <a:solidFill>
-            <a:schemeClr val="phClr"/>
-          </a:solidFill>
-          <a:prstDash val="solid"/>
-        </a:ln>
-      </a:lnStyleLst>
-      <a:effectStyleLst>
-        <a:effectStyle>
-          <a:effectLst>
-            <a:outerShdw blurRad="40000" dist="20000" dir="5400000" rotWithShape="0">
-              <a:srgbClr val="000000">
-                <a:alpha val="38000"/>
-              </a:srgbClr>
-            </a:outerShdw>
-          </a:effectLst>
-        </a:effectStyle>
-        <a:effectStyle>
-          <a:effectLst>
-            <a:outerShdw blurRad="40000" dist="23000" dir="5400000" rotWithShape="0">
-              <a:srgbClr val="000000">
-                <a:alpha val="35000"/>
-              </a:srgbClr>
-            </a:outerShdw>
-          </a:effectLst>
-        </a:effectStyle>
-        <a:effectStyle>
-          <a:effectLst>
-            <a:outerShdw blurRad="40000" dist="23000" dir="5400000" rotWithShape="0">
-              <a:srgbClr val="000000">
-                <a:alpha val="35000"/>
-              </a:srgbClr>
-            </a:outerShdw>
-          </a:effectLst>
-          <a:scene3d>
-            <a:camera prst="orthographicFront">
-              <a:rot lat="0" lon="0" rev="0"/>
-            </a:camera>
-            <a:lightRig rig="threePt" dir="t">
-              <a:rot lat="0" lon="0" rev="1200000"/>
-            </a:lightRig>
-          </a:scene3d>
-          <a:sp3d>
-            <a:bevelT w="63500" h="25400"/>
-          </a:sp3d>
-        </a:effectStyle>
-      </a:effectStyleLst>
-      <a:bgFillStyleLst>
-        <a:solidFill>
-          <a:schemeClr val="phClr"/>
-        </a:solidFill>
-        <a:gradFill rotWithShape="1">
-          <a:gsLst>
-            <a:gs pos="0">
-              <a:schemeClr val="phClr">
-                <a:tint val="40000"/>
-                <a:satMod val="350000"/>
-              </a:schemeClr>
-            </a:gs>
-            <a:gs pos="40000">
-              <a:schemeClr val="phClr">
-                <a:tint val="45000"/>
-                <a:shade val="99000"/>
-                <a:satMod val="350000"/>
-              </a:schemeClr>
-            </a:gs>
-            <a:gs pos="100000">
-              <a:schemeClr val="phClr">
-                <a:shade val="20000"/>
-                <a:satMod val="255000"/>
-              </a:schemeClr>
-            </a:gs>
-          </a:gsLst>
-          <a:path path="circle">
-            <a:fillToRect l="50000" t="-80000" r="50000" b="180000"/>
-          </a:path>
-        </a:gradFill>
-        <a:gradFill rotWithShape="1">
-          <a:gsLst>
-            <a:gs pos="0">
-              <a:schemeClr val="phClr">
-                <a:tint val="80000"/>
-                <a:satMod val="300000"/>
-              </a:schemeClr>
-            </a:gs>
-            <a:gs pos="100000">
-              <a:schemeClr val="phClr">
-                <a:shade val="30000"/>
-                <a:satMod val="200000"/>
-              </a:schemeClr>
-            </a:gs>
-          </a:gsLst>
-          <a:path path="circle">
-            <a:fillToRect l="50000" t="50000" r="50000" b="50000"/>
-          </a:path>
-        </a:gradFill>
-      </a:bgFillStyleLst>
-    </a:fmtScheme>
-  </a:themeElements>
-</a:theme>
 </file>